--- a/ETL Project Write-up.pptx
+++ b/ETL Project Write-up.pptx
@@ -8,12 +8,13 @@
     <p:sldId id="256" r:id="rId2"/>
     <p:sldId id="262" r:id="rId3"/>
     <p:sldId id="257" r:id="rId4"/>
-    <p:sldId id="258" r:id="rId5"/>
-    <p:sldId id="263" r:id="rId6"/>
-    <p:sldId id="264" r:id="rId7"/>
-    <p:sldId id="259" r:id="rId8"/>
-    <p:sldId id="260" r:id="rId9"/>
-    <p:sldId id="261" r:id="rId10"/>
+    <p:sldId id="267" r:id="rId5"/>
+    <p:sldId id="270" r:id="rId6"/>
+    <p:sldId id="266" r:id="rId7"/>
+    <p:sldId id="263" r:id="rId8"/>
+    <p:sldId id="259" r:id="rId9"/>
+    <p:sldId id="260" r:id="rId10"/>
+    <p:sldId id="261" r:id="rId11"/>
   </p:sldIdLst>
   <p:sldSz cx="12192000" cy="6858000"/>
   <p:notesSz cx="6858000" cy="9144000"/>
@@ -112,6 +113,11 @@
       </a:defRPr>
     </a:lvl9pPr>
   </p:defaultTextStyle>
+  <p:extLst>
+    <p:ext uri="{EFAFB233-063F-42B5-8137-9DF3F51BA10A}">
+      <p15:sldGuideLst xmlns:p15="http://schemas.microsoft.com/office/powerpoint/2012/main"/>
+    </p:ext>
+  </p:extLst>
 </p:presentation>
 </file>
 
@@ -893,6 +899,753 @@
     <dgm:txLinClrLst/>
     <dgm:txFillClrLst meth="repeat">
       <a:schemeClr val="bg1"/>
+    </dgm:txFillClrLst>
+    <dgm:txEffectClrLst/>
+  </dgm:styleLbl>
+</dgm:colorsDef>
+</file>
+
+<file path=ppt/diagrams/colors2.xml><?xml version="1.0" encoding="utf-8"?>
+<dgm:colorsDef xmlns:dgm="http://schemas.openxmlformats.org/drawingml/2006/diagram" xmlns:a="http://schemas.openxmlformats.org/drawingml/2006/main" uniqueId="urn:microsoft.com/office/officeart/2005/8/colors/accent3_2">
+  <dgm:title val=""/>
+  <dgm:desc val=""/>
+  <dgm:catLst>
+    <dgm:cat type="accent3" pri="11200"/>
+  </dgm:catLst>
+  <dgm:styleLbl name="node0">
+    <dgm:fillClrLst meth="repeat">
+      <a:schemeClr val="accent3"/>
+    </dgm:fillClrLst>
+    <dgm:linClrLst meth="repeat">
+      <a:schemeClr val="lt1"/>
+    </dgm:linClrLst>
+    <dgm:effectClrLst/>
+    <dgm:txLinClrLst/>
+    <dgm:txFillClrLst/>
+    <dgm:txEffectClrLst/>
+  </dgm:styleLbl>
+  <dgm:styleLbl name="node1">
+    <dgm:fillClrLst meth="repeat">
+      <a:schemeClr val="accent3"/>
+    </dgm:fillClrLst>
+    <dgm:linClrLst meth="repeat">
+      <a:schemeClr val="lt1"/>
+    </dgm:linClrLst>
+    <dgm:effectClrLst/>
+    <dgm:txLinClrLst/>
+    <dgm:txFillClrLst/>
+    <dgm:txEffectClrLst/>
+  </dgm:styleLbl>
+  <dgm:styleLbl name="alignNode1">
+    <dgm:fillClrLst meth="repeat">
+      <a:schemeClr val="accent3"/>
+    </dgm:fillClrLst>
+    <dgm:linClrLst meth="repeat">
+      <a:schemeClr val="accent3"/>
+    </dgm:linClrLst>
+    <dgm:effectClrLst/>
+    <dgm:txLinClrLst/>
+    <dgm:txFillClrLst/>
+    <dgm:txEffectClrLst/>
+  </dgm:styleLbl>
+  <dgm:styleLbl name="lnNode1">
+    <dgm:fillClrLst meth="repeat">
+      <a:schemeClr val="accent3"/>
+    </dgm:fillClrLst>
+    <dgm:linClrLst meth="repeat">
+      <a:schemeClr val="lt1"/>
+    </dgm:linClrLst>
+    <dgm:effectClrLst/>
+    <dgm:txLinClrLst/>
+    <dgm:txFillClrLst/>
+    <dgm:txEffectClrLst/>
+  </dgm:styleLbl>
+  <dgm:styleLbl name="vennNode1">
+    <dgm:fillClrLst meth="repeat">
+      <a:schemeClr val="accent3">
+        <a:alpha val="50000"/>
+      </a:schemeClr>
+    </dgm:fillClrLst>
+    <dgm:linClrLst meth="repeat">
+      <a:schemeClr val="lt1"/>
+    </dgm:linClrLst>
+    <dgm:effectClrLst/>
+    <dgm:txLinClrLst/>
+    <dgm:txFillClrLst/>
+    <dgm:txEffectClrLst/>
+  </dgm:styleLbl>
+  <dgm:styleLbl name="node2">
+    <dgm:fillClrLst meth="repeat">
+      <a:schemeClr val="accent3"/>
+    </dgm:fillClrLst>
+    <dgm:linClrLst meth="repeat">
+      <a:schemeClr val="lt1"/>
+    </dgm:linClrLst>
+    <dgm:effectClrLst/>
+    <dgm:txLinClrLst/>
+    <dgm:txFillClrLst/>
+    <dgm:txEffectClrLst/>
+  </dgm:styleLbl>
+  <dgm:styleLbl name="node3">
+    <dgm:fillClrLst meth="repeat">
+      <a:schemeClr val="accent3"/>
+    </dgm:fillClrLst>
+    <dgm:linClrLst meth="repeat">
+      <a:schemeClr val="lt1"/>
+    </dgm:linClrLst>
+    <dgm:effectClrLst/>
+    <dgm:txLinClrLst/>
+    <dgm:txFillClrLst/>
+    <dgm:txEffectClrLst/>
+  </dgm:styleLbl>
+  <dgm:styleLbl name="node4">
+    <dgm:fillClrLst meth="repeat">
+      <a:schemeClr val="accent3"/>
+    </dgm:fillClrLst>
+    <dgm:linClrLst meth="repeat">
+      <a:schemeClr val="lt1"/>
+    </dgm:linClrLst>
+    <dgm:effectClrLst/>
+    <dgm:txLinClrLst/>
+    <dgm:txFillClrLst/>
+    <dgm:txEffectClrLst/>
+  </dgm:styleLbl>
+  <dgm:styleLbl name="fgImgPlace1">
+    <dgm:fillClrLst meth="repeat">
+      <a:schemeClr val="accent3">
+        <a:tint val="50000"/>
+      </a:schemeClr>
+    </dgm:fillClrLst>
+    <dgm:linClrLst meth="repeat">
+      <a:schemeClr val="lt1"/>
+    </dgm:linClrLst>
+    <dgm:effectClrLst/>
+    <dgm:txLinClrLst/>
+    <dgm:txFillClrLst meth="repeat">
+      <a:schemeClr val="lt1"/>
+    </dgm:txFillClrLst>
+    <dgm:txEffectClrLst/>
+  </dgm:styleLbl>
+  <dgm:styleLbl name="alignImgPlace1">
+    <dgm:fillClrLst meth="repeat">
+      <a:schemeClr val="accent3">
+        <a:tint val="50000"/>
+      </a:schemeClr>
+    </dgm:fillClrLst>
+    <dgm:linClrLst meth="repeat">
+      <a:schemeClr val="lt1"/>
+    </dgm:linClrLst>
+    <dgm:effectClrLst/>
+    <dgm:txLinClrLst/>
+    <dgm:txFillClrLst meth="repeat">
+      <a:schemeClr val="lt1"/>
+    </dgm:txFillClrLst>
+    <dgm:txEffectClrLst/>
+  </dgm:styleLbl>
+  <dgm:styleLbl name="bgImgPlace1">
+    <dgm:fillClrLst meth="repeat">
+      <a:schemeClr val="accent3">
+        <a:tint val="50000"/>
+      </a:schemeClr>
+    </dgm:fillClrLst>
+    <dgm:linClrLst meth="repeat">
+      <a:schemeClr val="lt1"/>
+    </dgm:linClrLst>
+    <dgm:effectClrLst/>
+    <dgm:txLinClrLst/>
+    <dgm:txFillClrLst meth="repeat">
+      <a:schemeClr val="lt1"/>
+    </dgm:txFillClrLst>
+    <dgm:txEffectClrLst/>
+  </dgm:styleLbl>
+  <dgm:styleLbl name="sibTrans2D1">
+    <dgm:fillClrLst meth="repeat">
+      <a:schemeClr val="accent3">
+        <a:tint val="60000"/>
+      </a:schemeClr>
+    </dgm:fillClrLst>
+    <dgm:linClrLst meth="repeat">
+      <a:schemeClr val="accent3">
+        <a:tint val="60000"/>
+      </a:schemeClr>
+    </dgm:linClrLst>
+    <dgm:effectClrLst/>
+    <dgm:txLinClrLst/>
+    <dgm:txFillClrLst/>
+    <dgm:txEffectClrLst/>
+  </dgm:styleLbl>
+  <dgm:styleLbl name="fgSibTrans2D1">
+    <dgm:fillClrLst meth="repeat">
+      <a:schemeClr val="accent3">
+        <a:tint val="60000"/>
+      </a:schemeClr>
+    </dgm:fillClrLst>
+    <dgm:linClrLst meth="repeat">
+      <a:schemeClr val="accent3">
+        <a:tint val="60000"/>
+      </a:schemeClr>
+    </dgm:linClrLst>
+    <dgm:effectClrLst/>
+    <dgm:txLinClrLst/>
+    <dgm:txFillClrLst/>
+    <dgm:txEffectClrLst/>
+  </dgm:styleLbl>
+  <dgm:styleLbl name="bgSibTrans2D1">
+    <dgm:fillClrLst meth="repeat">
+      <a:schemeClr val="accent3">
+        <a:tint val="60000"/>
+      </a:schemeClr>
+    </dgm:fillClrLst>
+    <dgm:linClrLst meth="repeat">
+      <a:schemeClr val="accent3">
+        <a:tint val="60000"/>
+      </a:schemeClr>
+    </dgm:linClrLst>
+    <dgm:effectClrLst/>
+    <dgm:txLinClrLst/>
+    <dgm:txFillClrLst/>
+    <dgm:txEffectClrLst/>
+  </dgm:styleLbl>
+  <dgm:styleLbl name="sibTrans1D1">
+    <dgm:fillClrLst meth="repeat">
+      <a:schemeClr val="accent3"/>
+    </dgm:fillClrLst>
+    <dgm:linClrLst meth="repeat">
+      <a:schemeClr val="accent3"/>
+    </dgm:linClrLst>
+    <dgm:effectClrLst/>
+    <dgm:txLinClrLst/>
+    <dgm:txFillClrLst meth="repeat">
+      <a:schemeClr val="tx1"/>
+    </dgm:txFillClrLst>
+    <dgm:txEffectClrLst/>
+  </dgm:styleLbl>
+  <dgm:styleLbl name="callout">
+    <dgm:fillClrLst meth="repeat">
+      <a:schemeClr val="accent3"/>
+    </dgm:fillClrLst>
+    <dgm:linClrLst meth="repeat">
+      <a:schemeClr val="accent3">
+        <a:tint val="50000"/>
+      </a:schemeClr>
+    </dgm:linClrLst>
+    <dgm:effectClrLst/>
+    <dgm:txLinClrLst/>
+    <dgm:txFillClrLst meth="repeat">
+      <a:schemeClr val="tx1"/>
+    </dgm:txFillClrLst>
+    <dgm:txEffectClrLst/>
+  </dgm:styleLbl>
+  <dgm:styleLbl name="asst0">
+    <dgm:fillClrLst meth="repeat">
+      <a:schemeClr val="accent3"/>
+    </dgm:fillClrLst>
+    <dgm:linClrLst meth="repeat">
+      <a:schemeClr val="lt1"/>
+    </dgm:linClrLst>
+    <dgm:effectClrLst/>
+    <dgm:txLinClrLst/>
+    <dgm:txFillClrLst/>
+    <dgm:txEffectClrLst/>
+  </dgm:styleLbl>
+  <dgm:styleLbl name="asst1">
+    <dgm:fillClrLst meth="repeat">
+      <a:schemeClr val="accent3"/>
+    </dgm:fillClrLst>
+    <dgm:linClrLst meth="repeat">
+      <a:schemeClr val="lt1"/>
+    </dgm:linClrLst>
+    <dgm:effectClrLst/>
+    <dgm:txLinClrLst/>
+    <dgm:txFillClrLst/>
+    <dgm:txEffectClrLst/>
+  </dgm:styleLbl>
+  <dgm:styleLbl name="asst2">
+    <dgm:fillClrLst meth="repeat">
+      <a:schemeClr val="accent3"/>
+    </dgm:fillClrLst>
+    <dgm:linClrLst meth="repeat">
+      <a:schemeClr val="lt1"/>
+    </dgm:linClrLst>
+    <dgm:effectClrLst/>
+    <dgm:txLinClrLst/>
+    <dgm:txFillClrLst/>
+    <dgm:txEffectClrLst/>
+  </dgm:styleLbl>
+  <dgm:styleLbl name="asst3">
+    <dgm:fillClrLst meth="repeat">
+      <a:schemeClr val="accent3"/>
+    </dgm:fillClrLst>
+    <dgm:linClrLst meth="repeat">
+      <a:schemeClr val="lt1"/>
+    </dgm:linClrLst>
+    <dgm:effectClrLst/>
+    <dgm:txLinClrLst/>
+    <dgm:txFillClrLst/>
+    <dgm:txEffectClrLst/>
+  </dgm:styleLbl>
+  <dgm:styleLbl name="asst4">
+    <dgm:fillClrLst meth="repeat">
+      <a:schemeClr val="accent3"/>
+    </dgm:fillClrLst>
+    <dgm:linClrLst meth="repeat">
+      <a:schemeClr val="lt1"/>
+    </dgm:linClrLst>
+    <dgm:effectClrLst/>
+    <dgm:txLinClrLst/>
+    <dgm:txFillClrLst/>
+    <dgm:txEffectClrLst/>
+  </dgm:styleLbl>
+  <dgm:styleLbl name="parChTrans2D1">
+    <dgm:fillClrLst meth="repeat">
+      <a:schemeClr val="accent3">
+        <a:tint val="60000"/>
+      </a:schemeClr>
+    </dgm:fillClrLst>
+    <dgm:linClrLst meth="repeat">
+      <a:schemeClr val="accent3">
+        <a:tint val="60000"/>
+      </a:schemeClr>
+    </dgm:linClrLst>
+    <dgm:effectClrLst/>
+    <dgm:txLinClrLst/>
+    <dgm:txFillClrLst meth="repeat">
+      <a:schemeClr val="lt1"/>
+    </dgm:txFillClrLst>
+    <dgm:txEffectClrLst/>
+  </dgm:styleLbl>
+  <dgm:styleLbl name="parChTrans2D2">
+    <dgm:fillClrLst meth="repeat">
+      <a:schemeClr val="accent3"/>
+    </dgm:fillClrLst>
+    <dgm:linClrLst meth="repeat">
+      <a:schemeClr val="accent3"/>
+    </dgm:linClrLst>
+    <dgm:effectClrLst/>
+    <dgm:txLinClrLst/>
+    <dgm:txFillClrLst meth="repeat">
+      <a:schemeClr val="lt1"/>
+    </dgm:txFillClrLst>
+    <dgm:txEffectClrLst/>
+  </dgm:styleLbl>
+  <dgm:styleLbl name="parChTrans2D3">
+    <dgm:fillClrLst meth="repeat">
+      <a:schemeClr val="accent3"/>
+    </dgm:fillClrLst>
+    <dgm:linClrLst meth="repeat">
+      <a:schemeClr val="accent3"/>
+    </dgm:linClrLst>
+    <dgm:effectClrLst/>
+    <dgm:txLinClrLst/>
+    <dgm:txFillClrLst meth="repeat">
+      <a:schemeClr val="lt1"/>
+    </dgm:txFillClrLst>
+    <dgm:txEffectClrLst/>
+  </dgm:styleLbl>
+  <dgm:styleLbl name="parChTrans2D4">
+    <dgm:fillClrLst meth="repeat">
+      <a:schemeClr val="accent3"/>
+    </dgm:fillClrLst>
+    <dgm:linClrLst meth="repeat">
+      <a:schemeClr val="accent3"/>
+    </dgm:linClrLst>
+    <dgm:effectClrLst/>
+    <dgm:txLinClrLst/>
+    <dgm:txFillClrLst meth="repeat">
+      <a:schemeClr val="lt1"/>
+    </dgm:txFillClrLst>
+    <dgm:txEffectClrLst/>
+  </dgm:styleLbl>
+  <dgm:styleLbl name="parChTrans1D1">
+    <dgm:fillClrLst meth="repeat">
+      <a:schemeClr val="accent3"/>
+    </dgm:fillClrLst>
+    <dgm:linClrLst meth="repeat">
+      <a:schemeClr val="accent3">
+        <a:shade val="60000"/>
+      </a:schemeClr>
+    </dgm:linClrLst>
+    <dgm:effectClrLst/>
+    <dgm:txLinClrLst/>
+    <dgm:txFillClrLst meth="repeat">
+      <a:schemeClr val="tx1"/>
+    </dgm:txFillClrLst>
+    <dgm:txEffectClrLst/>
+  </dgm:styleLbl>
+  <dgm:styleLbl name="parChTrans1D2">
+    <dgm:fillClrLst meth="repeat">
+      <a:schemeClr val="accent3"/>
+    </dgm:fillClrLst>
+    <dgm:linClrLst meth="repeat">
+      <a:schemeClr val="accent3">
+        <a:shade val="60000"/>
+      </a:schemeClr>
+    </dgm:linClrLst>
+    <dgm:effectClrLst/>
+    <dgm:txLinClrLst/>
+    <dgm:txFillClrLst meth="repeat">
+      <a:schemeClr val="tx1"/>
+    </dgm:txFillClrLst>
+    <dgm:txEffectClrLst/>
+  </dgm:styleLbl>
+  <dgm:styleLbl name="parChTrans1D3">
+    <dgm:fillClrLst meth="repeat">
+      <a:schemeClr val="accent3"/>
+    </dgm:fillClrLst>
+    <dgm:linClrLst meth="repeat">
+      <a:schemeClr val="accent3">
+        <a:shade val="80000"/>
+      </a:schemeClr>
+    </dgm:linClrLst>
+    <dgm:effectClrLst/>
+    <dgm:txLinClrLst/>
+    <dgm:txFillClrLst meth="repeat">
+      <a:schemeClr val="tx1"/>
+    </dgm:txFillClrLst>
+    <dgm:txEffectClrLst/>
+  </dgm:styleLbl>
+  <dgm:styleLbl name="parChTrans1D4">
+    <dgm:fillClrLst meth="repeat">
+      <a:schemeClr val="accent3"/>
+    </dgm:fillClrLst>
+    <dgm:linClrLst meth="repeat">
+      <a:schemeClr val="accent3">
+        <a:shade val="80000"/>
+      </a:schemeClr>
+    </dgm:linClrLst>
+    <dgm:effectClrLst/>
+    <dgm:txLinClrLst/>
+    <dgm:txFillClrLst meth="repeat">
+      <a:schemeClr val="tx1"/>
+    </dgm:txFillClrLst>
+    <dgm:txEffectClrLst/>
+  </dgm:styleLbl>
+  <dgm:styleLbl name="fgAcc1">
+    <dgm:fillClrLst meth="repeat">
+      <a:schemeClr val="lt1">
+        <a:alpha val="90000"/>
+      </a:schemeClr>
+    </dgm:fillClrLst>
+    <dgm:linClrLst meth="repeat">
+      <a:schemeClr val="accent3"/>
+    </dgm:linClrLst>
+    <dgm:effectClrLst/>
+    <dgm:txLinClrLst/>
+    <dgm:txFillClrLst meth="repeat">
+      <a:schemeClr val="dk1"/>
+    </dgm:txFillClrLst>
+    <dgm:txEffectClrLst/>
+  </dgm:styleLbl>
+  <dgm:styleLbl name="conFgAcc1">
+    <dgm:fillClrLst meth="repeat">
+      <a:schemeClr val="lt1">
+        <a:alpha val="90000"/>
+      </a:schemeClr>
+    </dgm:fillClrLst>
+    <dgm:linClrLst meth="repeat">
+      <a:schemeClr val="accent3"/>
+    </dgm:linClrLst>
+    <dgm:effectClrLst/>
+    <dgm:txLinClrLst/>
+    <dgm:txFillClrLst meth="repeat">
+      <a:schemeClr val="dk1"/>
+    </dgm:txFillClrLst>
+    <dgm:txEffectClrLst/>
+  </dgm:styleLbl>
+  <dgm:styleLbl name="alignAcc1">
+    <dgm:fillClrLst meth="repeat">
+      <a:schemeClr val="lt1">
+        <a:alpha val="90000"/>
+      </a:schemeClr>
+    </dgm:fillClrLst>
+    <dgm:linClrLst meth="repeat">
+      <a:schemeClr val="accent3"/>
+    </dgm:linClrLst>
+    <dgm:effectClrLst/>
+    <dgm:txLinClrLst/>
+    <dgm:txFillClrLst meth="repeat">
+      <a:schemeClr val="dk1"/>
+    </dgm:txFillClrLst>
+    <dgm:txEffectClrLst/>
+  </dgm:styleLbl>
+  <dgm:styleLbl name="trAlignAcc1">
+    <dgm:fillClrLst meth="repeat">
+      <a:schemeClr val="lt1">
+        <a:alpha val="40000"/>
+      </a:schemeClr>
+    </dgm:fillClrLst>
+    <dgm:linClrLst meth="repeat">
+      <a:schemeClr val="accent3"/>
+    </dgm:linClrLst>
+    <dgm:effectClrLst/>
+    <dgm:txLinClrLst/>
+    <dgm:txFillClrLst meth="repeat">
+      <a:schemeClr val="dk1"/>
+    </dgm:txFillClrLst>
+    <dgm:txEffectClrLst/>
+  </dgm:styleLbl>
+  <dgm:styleLbl name="bgAcc1">
+    <dgm:fillClrLst meth="repeat">
+      <a:schemeClr val="lt1">
+        <a:alpha val="90000"/>
+      </a:schemeClr>
+    </dgm:fillClrLst>
+    <dgm:linClrLst meth="repeat">
+      <a:schemeClr val="accent3"/>
+    </dgm:linClrLst>
+    <dgm:effectClrLst/>
+    <dgm:txLinClrLst/>
+    <dgm:txFillClrLst meth="repeat">
+      <a:schemeClr val="dk1"/>
+    </dgm:txFillClrLst>
+    <dgm:txEffectClrLst/>
+  </dgm:styleLbl>
+  <dgm:styleLbl name="solidFgAcc1">
+    <dgm:fillClrLst meth="repeat">
+      <a:schemeClr val="lt1"/>
+    </dgm:fillClrLst>
+    <dgm:linClrLst meth="repeat">
+      <a:schemeClr val="accent3"/>
+    </dgm:linClrLst>
+    <dgm:effectClrLst/>
+    <dgm:txLinClrLst/>
+    <dgm:txFillClrLst meth="repeat">
+      <a:schemeClr val="dk1"/>
+    </dgm:txFillClrLst>
+    <dgm:txEffectClrLst/>
+  </dgm:styleLbl>
+  <dgm:styleLbl name="solidAlignAcc1">
+    <dgm:fillClrLst meth="repeat">
+      <a:schemeClr val="lt1"/>
+    </dgm:fillClrLst>
+    <dgm:linClrLst meth="repeat">
+      <a:schemeClr val="accent3"/>
+    </dgm:linClrLst>
+    <dgm:effectClrLst/>
+    <dgm:txLinClrLst/>
+    <dgm:txFillClrLst meth="repeat">
+      <a:schemeClr val="dk1"/>
+    </dgm:txFillClrLst>
+    <dgm:txEffectClrLst/>
+  </dgm:styleLbl>
+  <dgm:styleLbl name="solidBgAcc1">
+    <dgm:fillClrLst meth="repeat">
+      <a:schemeClr val="lt1"/>
+    </dgm:fillClrLst>
+    <dgm:linClrLst meth="repeat">
+      <a:schemeClr val="accent3"/>
+    </dgm:linClrLst>
+    <dgm:effectClrLst/>
+    <dgm:txLinClrLst/>
+    <dgm:txFillClrLst meth="repeat">
+      <a:schemeClr val="dk1"/>
+    </dgm:txFillClrLst>
+    <dgm:txEffectClrLst/>
+  </dgm:styleLbl>
+  <dgm:styleLbl name="fgAccFollowNode1">
+    <dgm:fillClrLst meth="repeat">
+      <a:schemeClr val="accent3">
+        <a:alpha val="90000"/>
+        <a:tint val="40000"/>
+      </a:schemeClr>
+    </dgm:fillClrLst>
+    <dgm:linClrLst meth="repeat">
+      <a:schemeClr val="accent3">
+        <a:alpha val="90000"/>
+        <a:tint val="40000"/>
+      </a:schemeClr>
+    </dgm:linClrLst>
+    <dgm:effectClrLst/>
+    <dgm:txLinClrLst/>
+    <dgm:txFillClrLst meth="repeat">
+      <a:schemeClr val="dk1"/>
+    </dgm:txFillClrLst>
+    <dgm:txEffectClrLst/>
+  </dgm:styleLbl>
+  <dgm:styleLbl name="alignAccFollowNode1">
+    <dgm:fillClrLst meth="repeat">
+      <a:schemeClr val="accent3">
+        <a:alpha val="90000"/>
+        <a:tint val="40000"/>
+      </a:schemeClr>
+    </dgm:fillClrLst>
+    <dgm:linClrLst meth="repeat">
+      <a:schemeClr val="accent3">
+        <a:alpha val="90000"/>
+        <a:tint val="40000"/>
+      </a:schemeClr>
+    </dgm:linClrLst>
+    <dgm:effectClrLst/>
+    <dgm:txLinClrLst/>
+    <dgm:txFillClrLst meth="repeat">
+      <a:schemeClr val="dk1"/>
+    </dgm:txFillClrLst>
+    <dgm:txEffectClrLst/>
+  </dgm:styleLbl>
+  <dgm:styleLbl name="bgAccFollowNode1">
+    <dgm:fillClrLst meth="repeat">
+      <a:schemeClr val="accent3">
+        <a:alpha val="90000"/>
+        <a:tint val="40000"/>
+      </a:schemeClr>
+    </dgm:fillClrLst>
+    <dgm:linClrLst meth="repeat">
+      <a:schemeClr val="accent3">
+        <a:alpha val="90000"/>
+        <a:tint val="40000"/>
+      </a:schemeClr>
+    </dgm:linClrLst>
+    <dgm:effectClrLst/>
+    <dgm:txLinClrLst/>
+    <dgm:txFillClrLst meth="repeat">
+      <a:schemeClr val="dk1"/>
+    </dgm:txFillClrLst>
+    <dgm:txEffectClrLst/>
+  </dgm:styleLbl>
+  <dgm:styleLbl name="fgAcc0">
+    <dgm:fillClrLst meth="repeat">
+      <a:schemeClr val="lt1">
+        <a:alpha val="90000"/>
+      </a:schemeClr>
+    </dgm:fillClrLst>
+    <dgm:linClrLst meth="repeat">
+      <a:schemeClr val="accent3"/>
+    </dgm:linClrLst>
+    <dgm:effectClrLst/>
+    <dgm:txLinClrLst/>
+    <dgm:txFillClrLst meth="repeat">
+      <a:schemeClr val="dk1"/>
+    </dgm:txFillClrLst>
+    <dgm:txEffectClrLst/>
+  </dgm:styleLbl>
+  <dgm:styleLbl name="fgAcc2">
+    <dgm:fillClrLst meth="repeat">
+      <a:schemeClr val="lt1">
+        <a:alpha val="90000"/>
+      </a:schemeClr>
+    </dgm:fillClrLst>
+    <dgm:linClrLst meth="repeat">
+      <a:schemeClr val="accent3"/>
+    </dgm:linClrLst>
+    <dgm:effectClrLst/>
+    <dgm:txLinClrLst/>
+    <dgm:txFillClrLst meth="repeat">
+      <a:schemeClr val="dk1"/>
+    </dgm:txFillClrLst>
+    <dgm:txEffectClrLst/>
+  </dgm:styleLbl>
+  <dgm:styleLbl name="fgAcc3">
+    <dgm:fillClrLst meth="repeat">
+      <a:schemeClr val="lt1">
+        <a:alpha val="90000"/>
+      </a:schemeClr>
+    </dgm:fillClrLst>
+    <dgm:linClrLst meth="repeat">
+      <a:schemeClr val="accent3"/>
+    </dgm:linClrLst>
+    <dgm:effectClrLst/>
+    <dgm:txLinClrLst/>
+    <dgm:txFillClrLst meth="repeat">
+      <a:schemeClr val="dk1"/>
+    </dgm:txFillClrLst>
+    <dgm:txEffectClrLst/>
+  </dgm:styleLbl>
+  <dgm:styleLbl name="fgAcc4">
+    <dgm:fillClrLst meth="repeat">
+      <a:schemeClr val="lt1">
+        <a:alpha val="90000"/>
+      </a:schemeClr>
+    </dgm:fillClrLst>
+    <dgm:linClrLst meth="repeat">
+      <a:schemeClr val="accent3"/>
+    </dgm:linClrLst>
+    <dgm:effectClrLst/>
+    <dgm:txLinClrLst/>
+    <dgm:txFillClrLst meth="repeat">
+      <a:schemeClr val="dk1"/>
+    </dgm:txFillClrLst>
+    <dgm:txEffectClrLst/>
+  </dgm:styleLbl>
+  <dgm:styleLbl name="bgShp">
+    <dgm:fillClrLst meth="repeat">
+      <a:schemeClr val="accent3">
+        <a:tint val="40000"/>
+      </a:schemeClr>
+    </dgm:fillClrLst>
+    <dgm:linClrLst meth="repeat">
+      <a:schemeClr val="accent3"/>
+    </dgm:linClrLst>
+    <dgm:effectClrLst/>
+    <dgm:txLinClrLst/>
+    <dgm:txFillClrLst meth="repeat">
+      <a:schemeClr val="dk1"/>
+    </dgm:txFillClrLst>
+    <dgm:txEffectClrLst/>
+  </dgm:styleLbl>
+  <dgm:styleLbl name="dkBgShp">
+    <dgm:fillClrLst meth="repeat">
+      <a:schemeClr val="accent3">
+        <a:shade val="80000"/>
+      </a:schemeClr>
+    </dgm:fillClrLst>
+    <dgm:linClrLst meth="repeat">
+      <a:schemeClr val="accent3"/>
+    </dgm:linClrLst>
+    <dgm:effectClrLst/>
+    <dgm:txLinClrLst/>
+    <dgm:txFillClrLst meth="repeat">
+      <a:schemeClr val="lt1"/>
+    </dgm:txFillClrLst>
+    <dgm:txEffectClrLst/>
+  </dgm:styleLbl>
+  <dgm:styleLbl name="trBgShp">
+    <dgm:fillClrLst meth="repeat">
+      <a:schemeClr val="accent3">
+        <a:tint val="50000"/>
+        <a:alpha val="40000"/>
+      </a:schemeClr>
+    </dgm:fillClrLst>
+    <dgm:linClrLst meth="repeat">
+      <a:schemeClr val="accent3"/>
+    </dgm:linClrLst>
+    <dgm:effectClrLst/>
+    <dgm:txLinClrLst/>
+    <dgm:txFillClrLst meth="repeat">
+      <a:schemeClr val="lt1"/>
+    </dgm:txFillClrLst>
+    <dgm:txEffectClrLst/>
+  </dgm:styleLbl>
+  <dgm:styleLbl name="fgShp">
+    <dgm:fillClrLst meth="repeat">
+      <a:schemeClr val="accent3">
+        <a:tint val="60000"/>
+      </a:schemeClr>
+    </dgm:fillClrLst>
+    <dgm:linClrLst meth="repeat">
+      <a:schemeClr val="lt1"/>
+    </dgm:linClrLst>
+    <dgm:effectClrLst/>
+    <dgm:txLinClrLst/>
+    <dgm:txFillClrLst meth="repeat">
+      <a:schemeClr val="dk1"/>
+    </dgm:txFillClrLst>
+    <dgm:txEffectClrLst/>
+  </dgm:styleLbl>
+  <dgm:styleLbl name="revTx">
+    <dgm:fillClrLst meth="repeat">
+      <a:schemeClr val="lt1">
+        <a:alpha val="0"/>
+      </a:schemeClr>
+    </dgm:fillClrLst>
+    <dgm:linClrLst meth="repeat">
+      <a:schemeClr val="dk1">
+        <a:alpha val="0"/>
+      </a:schemeClr>
+    </dgm:linClrLst>
+    <dgm:effectClrLst/>
+    <dgm:txLinClrLst/>
+    <dgm:txFillClrLst meth="repeat">
+      <a:schemeClr val="tx1"/>
     </dgm:txFillClrLst>
     <dgm:txEffectClrLst/>
   </dgm:styleLbl>
@@ -1416,6 +2169,178 @@
 </dgm:dataModel>
 </file>
 
+<file path=ppt/diagrams/data2.xml><?xml version="1.0" encoding="utf-8"?>
+<dgm:dataModel xmlns:dgm="http://schemas.openxmlformats.org/drawingml/2006/diagram" xmlns:a="http://schemas.openxmlformats.org/drawingml/2006/main">
+  <dgm:ptLst>
+    <dgm:pt modelId="{26FFB094-9865-41A3-BEE8-364C01904C6B}" type="doc">
+      <dgm:prSet loTypeId="urn:microsoft.com/office/officeart/2005/8/layout/arrow5" loCatId="relationship" qsTypeId="urn:microsoft.com/office/officeart/2005/8/quickstyle/simple1" qsCatId="simple" csTypeId="urn:microsoft.com/office/officeart/2005/8/colors/accent3_2" csCatId="accent3" phldr="1"/>
+      <dgm:spPr/>
+      <dgm:t>
+        <a:bodyPr/>
+        <a:lstStyle/>
+        <a:p>
+          <a:endParaRPr lang="en-CA"/>
+        </a:p>
+      </dgm:t>
+    </dgm:pt>
+    <dgm:pt modelId="{EAF5B138-7EA6-426D-8F71-3980C1ADC74C}">
+      <dgm:prSet phldrT="[Text]" custT="1"/>
+      <dgm:spPr/>
+      <dgm:t>
+        <a:bodyPr/>
+        <a:lstStyle/>
+        <a:p>
+          <a:pPr algn="ctr"/>
+          <a:r>
+            <a:rPr lang="en-US" sz="1800" b="1" dirty="0"/>
+            <a:t>Existing Datasets</a:t>
+          </a:r>
+        </a:p>
+        <a:p>
+          <a:pPr algn="l"/>
+          <a:r>
+            <a:rPr lang="en-CA" sz="1800" b="0" dirty="0"/>
+            <a:t>1. </a:t>
+          </a:r>
+          <a:r>
+            <a:rPr lang="en-CA" sz="1400" b="0" dirty="0"/>
+            <a:t>Income by Country</a:t>
+          </a:r>
+        </a:p>
+        <a:p>
+          <a:pPr algn="l"/>
+          <a:r>
+            <a:rPr lang="en-CA" sz="1400" b="0" dirty="0"/>
+            <a:t>2.  Obesity Rates by Country</a:t>
+          </a:r>
+        </a:p>
+        <a:p>
+          <a:pPr algn="l"/>
+          <a:r>
+            <a:rPr lang="en-CA" sz="1400" b="0" dirty="0"/>
+            <a:t>3.  Sugar Intake by Country</a:t>
+          </a:r>
+        </a:p>
+      </dgm:t>
+    </dgm:pt>
+    <dgm:pt modelId="{643413E5-5C42-4622-8051-983C2E44DCA5}" type="parTrans" cxnId="{272960AC-50E8-4872-824A-8EEABA0AE07B}">
+      <dgm:prSet/>
+      <dgm:spPr/>
+      <dgm:t>
+        <a:bodyPr/>
+        <a:lstStyle/>
+        <a:p>
+          <a:endParaRPr lang="en-CA"/>
+        </a:p>
+      </dgm:t>
+    </dgm:pt>
+    <dgm:pt modelId="{7F701E94-2E85-4ECF-ACE2-29DC0C131258}" type="sibTrans" cxnId="{272960AC-50E8-4872-824A-8EEABA0AE07B}">
+      <dgm:prSet/>
+      <dgm:spPr/>
+      <dgm:t>
+        <a:bodyPr/>
+        <a:lstStyle/>
+        <a:p>
+          <a:endParaRPr lang="en-CA"/>
+        </a:p>
+      </dgm:t>
+    </dgm:pt>
+    <dgm:pt modelId="{1F502CD7-01F8-462E-A49C-FC83C77387E7}">
+      <dgm:prSet phldrT="[Text]" custT="1"/>
+      <dgm:spPr/>
+      <dgm:t>
+        <a:bodyPr/>
+        <a:lstStyle/>
+        <a:p>
+          <a:pPr algn="ctr"/>
+          <a:r>
+            <a:rPr lang="en-US" sz="1700" b="1" dirty="0"/>
+            <a:t>New Datasets</a:t>
+          </a:r>
+        </a:p>
+        <a:p>
+          <a:pPr algn="l"/>
+          <a:r>
+            <a:rPr lang="en-CA" sz="1400" b="0" dirty="0"/>
+            <a:t>1. Health Expenditures by Country</a:t>
+          </a:r>
+        </a:p>
+        <a:p>
+          <a:pPr algn="l"/>
+          <a:r>
+            <a:rPr lang="en-CA" sz="1400" b="0" dirty="0"/>
+            <a:t>2.  ISO Codes for each Country</a:t>
+          </a:r>
+        </a:p>
+      </dgm:t>
+    </dgm:pt>
+    <dgm:pt modelId="{0A000394-35B4-4182-892F-8BDD24495B5D}" type="parTrans" cxnId="{E8BC4DC9-4C8B-47BE-9D61-1485D907CCFF}">
+      <dgm:prSet/>
+      <dgm:spPr/>
+      <dgm:t>
+        <a:bodyPr/>
+        <a:lstStyle/>
+        <a:p>
+          <a:endParaRPr lang="en-CA"/>
+        </a:p>
+      </dgm:t>
+    </dgm:pt>
+    <dgm:pt modelId="{5CC1A9BC-9F00-433C-8814-B2EEA6B41FE6}" type="sibTrans" cxnId="{E8BC4DC9-4C8B-47BE-9D61-1485D907CCFF}">
+      <dgm:prSet/>
+      <dgm:spPr/>
+      <dgm:t>
+        <a:bodyPr/>
+        <a:lstStyle/>
+        <a:p>
+          <a:endParaRPr lang="en-CA"/>
+        </a:p>
+      </dgm:t>
+    </dgm:pt>
+    <dgm:pt modelId="{22165C3E-BDA2-43E8-9DE9-1288DF6B7B9C}" type="pres">
+      <dgm:prSet presAssocID="{26FFB094-9865-41A3-BEE8-364C01904C6B}" presName="diagram" presStyleCnt="0">
+        <dgm:presLayoutVars>
+          <dgm:dir/>
+          <dgm:resizeHandles val="exact"/>
+        </dgm:presLayoutVars>
+      </dgm:prSet>
+      <dgm:spPr/>
+    </dgm:pt>
+    <dgm:pt modelId="{13A1C0BC-15F6-4EBD-8DDD-E23B2E4A1114}" type="pres">
+      <dgm:prSet presAssocID="{EAF5B138-7EA6-426D-8F71-3980C1ADC74C}" presName="arrow" presStyleLbl="node1" presStyleIdx="0" presStyleCnt="2">
+        <dgm:presLayoutVars>
+          <dgm:bulletEnabled val="1"/>
+        </dgm:presLayoutVars>
+      </dgm:prSet>
+      <dgm:spPr/>
+    </dgm:pt>
+    <dgm:pt modelId="{1A6CC677-4BCC-41B4-A1FC-82391885770A}" type="pres">
+      <dgm:prSet presAssocID="{1F502CD7-01F8-462E-A49C-FC83C77387E7}" presName="arrow" presStyleLbl="node1" presStyleIdx="1" presStyleCnt="2">
+        <dgm:presLayoutVars>
+          <dgm:bulletEnabled val="1"/>
+        </dgm:presLayoutVars>
+      </dgm:prSet>
+      <dgm:spPr/>
+    </dgm:pt>
+  </dgm:ptLst>
+  <dgm:cxnLst>
+    <dgm:cxn modelId="{01BE7B2D-8439-4654-A4B8-270A1753C299}" type="presOf" srcId="{26FFB094-9865-41A3-BEE8-364C01904C6B}" destId="{22165C3E-BDA2-43E8-9DE9-1288DF6B7B9C}" srcOrd="0" destOrd="0" presId="urn:microsoft.com/office/officeart/2005/8/layout/arrow5"/>
+    <dgm:cxn modelId="{2544C15F-06DF-4CCE-B691-4C9084762383}" type="presOf" srcId="{EAF5B138-7EA6-426D-8F71-3980C1ADC74C}" destId="{13A1C0BC-15F6-4EBD-8DDD-E23B2E4A1114}" srcOrd="0" destOrd="0" presId="urn:microsoft.com/office/officeart/2005/8/layout/arrow5"/>
+    <dgm:cxn modelId="{272960AC-50E8-4872-824A-8EEABA0AE07B}" srcId="{26FFB094-9865-41A3-BEE8-364C01904C6B}" destId="{EAF5B138-7EA6-426D-8F71-3980C1ADC74C}" srcOrd="0" destOrd="0" parTransId="{643413E5-5C42-4622-8051-983C2E44DCA5}" sibTransId="{7F701E94-2E85-4ECF-ACE2-29DC0C131258}"/>
+    <dgm:cxn modelId="{E8BC4DC9-4C8B-47BE-9D61-1485D907CCFF}" srcId="{26FFB094-9865-41A3-BEE8-364C01904C6B}" destId="{1F502CD7-01F8-462E-A49C-FC83C77387E7}" srcOrd="1" destOrd="0" parTransId="{0A000394-35B4-4182-892F-8BDD24495B5D}" sibTransId="{5CC1A9BC-9F00-433C-8814-B2EEA6B41FE6}"/>
+    <dgm:cxn modelId="{186353E6-FE7E-4766-8557-4D9C298041B6}" type="presOf" srcId="{1F502CD7-01F8-462E-A49C-FC83C77387E7}" destId="{1A6CC677-4BCC-41B4-A1FC-82391885770A}" srcOrd="0" destOrd="0" presId="urn:microsoft.com/office/officeart/2005/8/layout/arrow5"/>
+    <dgm:cxn modelId="{6BE1523D-E196-4B95-BC62-C16F8E6CAFCB}" type="presParOf" srcId="{22165C3E-BDA2-43E8-9DE9-1288DF6B7B9C}" destId="{13A1C0BC-15F6-4EBD-8DDD-E23B2E4A1114}" srcOrd="0" destOrd="0" presId="urn:microsoft.com/office/officeart/2005/8/layout/arrow5"/>
+    <dgm:cxn modelId="{1793E798-EE42-481D-A211-48C5295C2B54}" type="presParOf" srcId="{22165C3E-BDA2-43E8-9DE9-1288DF6B7B9C}" destId="{1A6CC677-4BCC-41B4-A1FC-82391885770A}" srcOrd="1" destOrd="0" presId="urn:microsoft.com/office/officeart/2005/8/layout/arrow5"/>
+  </dgm:cxnLst>
+  <dgm:bg/>
+  <dgm:whole/>
+  <dgm:extLst>
+    <a:ext uri="http://schemas.microsoft.com/office/drawing/2008/diagram">
+      <dsp:dataModelExt xmlns:dsp="http://schemas.microsoft.com/office/drawing/2008/diagram" relId="rId6" minVer="http://schemas.openxmlformats.org/drawingml/2006/diagram"/>
+    </a:ext>
+  </dgm:extLst>
+</dgm:dataModel>
+</file>
+
 <file path=ppt/diagrams/drawing1.xml><?xml version="1.0" encoding="utf-8"?>
 <dsp:drawing xmlns:dgm="http://schemas.openxmlformats.org/drawingml/2006/diagram" xmlns:dsp="http://schemas.microsoft.com/office/drawing/2008/diagram" xmlns:a="http://schemas.openxmlformats.org/drawingml/2006/main">
   <dsp:spTree>
@@ -2177,6 +3102,274 @@
       <dsp:txXfrm>
         <a:off x="1035761" y="4488024"/>
         <a:ext cx="5364639" cy="896762"/>
+      </dsp:txXfrm>
+    </dsp:sp>
+  </dsp:spTree>
+</dsp:drawing>
+</file>
+
+<file path=ppt/diagrams/drawing2.xml><?xml version="1.0" encoding="utf-8"?>
+<dsp:drawing xmlns:dgm="http://schemas.openxmlformats.org/drawingml/2006/diagram" xmlns:dsp="http://schemas.microsoft.com/office/drawing/2008/diagram" xmlns:a="http://schemas.openxmlformats.org/drawingml/2006/main">
+  <dsp:spTree>
+    <dsp:nvGrpSpPr>
+      <dsp:cNvPr id="0" name=""/>
+      <dsp:cNvGrpSpPr/>
+    </dsp:nvGrpSpPr>
+    <dsp:grpSpPr/>
+    <dsp:sp modelId="{13A1C0BC-15F6-4EBD-8DDD-E23B2E4A1114}">
+      <dsp:nvSpPr>
+        <dsp:cNvPr id="0" name=""/>
+        <dsp:cNvSpPr/>
+      </dsp:nvSpPr>
+      <dsp:spPr>
+        <a:xfrm rot="16200000">
+          <a:off x="525" y="262615"/>
+          <a:ext cx="3303684" cy="3303684"/>
+        </a:xfrm>
+        <a:prstGeom prst="downArrow">
+          <a:avLst>
+            <a:gd name="adj1" fmla="val 50000"/>
+            <a:gd name="adj2" fmla="val 35000"/>
+          </a:avLst>
+        </a:prstGeom>
+        <a:solidFill>
+          <a:schemeClr val="accent3">
+            <a:hueOff val="0"/>
+            <a:satOff val="0"/>
+            <a:lumOff val="0"/>
+            <a:alphaOff val="0"/>
+          </a:schemeClr>
+        </a:solidFill>
+        <a:ln w="12700" cap="flat" cmpd="sng" algn="ctr">
+          <a:solidFill>
+            <a:schemeClr val="lt1">
+              <a:hueOff val="0"/>
+              <a:satOff val="0"/>
+              <a:lumOff val="0"/>
+              <a:alphaOff val="0"/>
+            </a:schemeClr>
+          </a:solidFill>
+          <a:prstDash val="solid"/>
+          <a:miter lim="800000"/>
+        </a:ln>
+        <a:effectLst/>
+      </dsp:spPr>
+      <dsp:style>
+        <a:lnRef idx="2">
+          <a:scrgbClr r="0" g="0" b="0"/>
+        </a:lnRef>
+        <a:fillRef idx="1">
+          <a:scrgbClr r="0" g="0" b="0"/>
+        </a:fillRef>
+        <a:effectRef idx="0">
+          <a:scrgbClr r="0" g="0" b="0"/>
+        </a:effectRef>
+        <a:fontRef idx="minor">
+          <a:schemeClr val="lt1"/>
+        </a:fontRef>
+      </dsp:style>
+      <dsp:txBody>
+        <a:bodyPr spcFirstLastPara="0" vert="horz" wrap="square" lIns="128016" tIns="128016" rIns="128016" bIns="128016" numCol="1" spcCol="1270" anchor="ctr" anchorCtr="0">
+          <a:noAutofit/>
+        </a:bodyPr>
+        <a:lstStyle/>
+        <a:p>
+          <a:pPr marL="0" lvl="0" indent="0" algn="ctr" defTabSz="800100">
+            <a:lnSpc>
+              <a:spcPct val="90000"/>
+            </a:lnSpc>
+            <a:spcBef>
+              <a:spcPct val="0"/>
+            </a:spcBef>
+            <a:spcAft>
+              <a:spcPct val="35000"/>
+            </a:spcAft>
+            <a:buNone/>
+          </a:pPr>
+          <a:r>
+            <a:rPr lang="en-US" sz="1800" b="1" kern="1200" dirty="0"/>
+            <a:t>Existing Datasets</a:t>
+          </a:r>
+        </a:p>
+        <a:p>
+          <a:pPr marL="0" lvl="0" indent="0" algn="l" defTabSz="800100">
+            <a:lnSpc>
+              <a:spcPct val="90000"/>
+            </a:lnSpc>
+            <a:spcBef>
+              <a:spcPct val="0"/>
+            </a:spcBef>
+            <a:spcAft>
+              <a:spcPct val="35000"/>
+            </a:spcAft>
+            <a:buNone/>
+          </a:pPr>
+          <a:r>
+            <a:rPr lang="en-CA" sz="1800" b="0" kern="1200" dirty="0"/>
+            <a:t>1. </a:t>
+          </a:r>
+          <a:r>
+            <a:rPr lang="en-CA" sz="1400" b="0" kern="1200" dirty="0"/>
+            <a:t>Income by Country</a:t>
+          </a:r>
+        </a:p>
+        <a:p>
+          <a:pPr marL="0" lvl="0" indent="0" algn="l" defTabSz="800100">
+            <a:lnSpc>
+              <a:spcPct val="90000"/>
+            </a:lnSpc>
+            <a:spcBef>
+              <a:spcPct val="0"/>
+            </a:spcBef>
+            <a:spcAft>
+              <a:spcPct val="35000"/>
+            </a:spcAft>
+            <a:buNone/>
+          </a:pPr>
+          <a:r>
+            <a:rPr lang="en-CA" sz="1400" b="0" kern="1200" dirty="0"/>
+            <a:t>2.  Obesity Rates by Country</a:t>
+          </a:r>
+        </a:p>
+        <a:p>
+          <a:pPr marL="0" lvl="0" indent="0" algn="l" defTabSz="800100">
+            <a:lnSpc>
+              <a:spcPct val="90000"/>
+            </a:lnSpc>
+            <a:spcBef>
+              <a:spcPct val="0"/>
+            </a:spcBef>
+            <a:spcAft>
+              <a:spcPct val="35000"/>
+            </a:spcAft>
+            <a:buNone/>
+          </a:pPr>
+          <a:r>
+            <a:rPr lang="en-CA" sz="1400" b="0" kern="1200" dirty="0"/>
+            <a:t>3.  Sugar Intake by Country</a:t>
+          </a:r>
+        </a:p>
+      </dsp:txBody>
+      <dsp:txXfrm rot="5400000">
+        <a:off x="526" y="1088535"/>
+        <a:ext cx="2725539" cy="1651842"/>
+      </dsp:txXfrm>
+    </dsp:sp>
+    <dsp:sp modelId="{1A6CC677-4BCC-41B4-A1FC-82391885770A}">
+      <dsp:nvSpPr>
+        <dsp:cNvPr id="0" name=""/>
+        <dsp:cNvSpPr/>
+      </dsp:nvSpPr>
+      <dsp:spPr>
+        <a:xfrm rot="5400000">
+          <a:off x="3495735" y="262615"/>
+          <a:ext cx="3303684" cy="3303684"/>
+        </a:xfrm>
+        <a:prstGeom prst="downArrow">
+          <a:avLst>
+            <a:gd name="adj1" fmla="val 50000"/>
+            <a:gd name="adj2" fmla="val 35000"/>
+          </a:avLst>
+        </a:prstGeom>
+        <a:solidFill>
+          <a:schemeClr val="accent3">
+            <a:hueOff val="0"/>
+            <a:satOff val="0"/>
+            <a:lumOff val="0"/>
+            <a:alphaOff val="0"/>
+          </a:schemeClr>
+        </a:solidFill>
+        <a:ln w="12700" cap="flat" cmpd="sng" algn="ctr">
+          <a:solidFill>
+            <a:schemeClr val="lt1">
+              <a:hueOff val="0"/>
+              <a:satOff val="0"/>
+              <a:lumOff val="0"/>
+              <a:alphaOff val="0"/>
+            </a:schemeClr>
+          </a:solidFill>
+          <a:prstDash val="solid"/>
+          <a:miter lim="800000"/>
+        </a:ln>
+        <a:effectLst/>
+      </dsp:spPr>
+      <dsp:style>
+        <a:lnRef idx="2">
+          <a:scrgbClr r="0" g="0" b="0"/>
+        </a:lnRef>
+        <a:fillRef idx="1">
+          <a:scrgbClr r="0" g="0" b="0"/>
+        </a:fillRef>
+        <a:effectRef idx="0">
+          <a:scrgbClr r="0" g="0" b="0"/>
+        </a:effectRef>
+        <a:fontRef idx="minor">
+          <a:schemeClr val="lt1"/>
+        </a:fontRef>
+      </dsp:style>
+      <dsp:txBody>
+        <a:bodyPr spcFirstLastPara="0" vert="horz" wrap="square" lIns="120904" tIns="120904" rIns="120904" bIns="120904" numCol="1" spcCol="1270" anchor="ctr" anchorCtr="0">
+          <a:noAutofit/>
+        </a:bodyPr>
+        <a:lstStyle/>
+        <a:p>
+          <a:pPr marL="0" lvl="0" indent="0" algn="ctr" defTabSz="755650">
+            <a:lnSpc>
+              <a:spcPct val="90000"/>
+            </a:lnSpc>
+            <a:spcBef>
+              <a:spcPct val="0"/>
+            </a:spcBef>
+            <a:spcAft>
+              <a:spcPct val="35000"/>
+            </a:spcAft>
+            <a:buNone/>
+          </a:pPr>
+          <a:r>
+            <a:rPr lang="en-US" sz="1700" b="1" kern="1200" dirty="0"/>
+            <a:t>New Datasets</a:t>
+          </a:r>
+        </a:p>
+        <a:p>
+          <a:pPr marL="0" lvl="0" indent="0" algn="l" defTabSz="755650">
+            <a:lnSpc>
+              <a:spcPct val="90000"/>
+            </a:lnSpc>
+            <a:spcBef>
+              <a:spcPct val="0"/>
+            </a:spcBef>
+            <a:spcAft>
+              <a:spcPct val="35000"/>
+            </a:spcAft>
+            <a:buNone/>
+          </a:pPr>
+          <a:r>
+            <a:rPr lang="en-CA" sz="1400" b="0" kern="1200" dirty="0"/>
+            <a:t>1. Health Expenditures by Country</a:t>
+          </a:r>
+        </a:p>
+        <a:p>
+          <a:pPr marL="0" lvl="0" indent="0" algn="l" defTabSz="755650">
+            <a:lnSpc>
+              <a:spcPct val="90000"/>
+            </a:lnSpc>
+            <a:spcBef>
+              <a:spcPct val="0"/>
+            </a:spcBef>
+            <a:spcAft>
+              <a:spcPct val="35000"/>
+            </a:spcAft>
+            <a:buNone/>
+          </a:pPr>
+          <a:r>
+            <a:rPr lang="en-CA" sz="1400" b="0" kern="1200" dirty="0"/>
+            <a:t>2.  ISO Codes for each Country</a:t>
+          </a:r>
+        </a:p>
+      </dsp:txBody>
+      <dsp:txXfrm rot="-5400000">
+        <a:off x="4073881" y="1088536"/>
+        <a:ext cx="2725539" cy="1651842"/>
       </dsp:txXfrm>
     </dsp:sp>
   </dsp:spTree>
@@ -2477,7 +3670,1233 @@
 </dgm:layoutDef>
 </file>
 
+<file path=ppt/diagrams/layout2.xml><?xml version="1.0" encoding="utf-8"?>
+<dgm:layoutDef xmlns:dgm="http://schemas.openxmlformats.org/drawingml/2006/diagram" xmlns:a="http://schemas.openxmlformats.org/drawingml/2006/main" uniqueId="urn:microsoft.com/office/officeart/2005/8/layout/arrow5">
+  <dgm:title val=""/>
+  <dgm:desc val=""/>
+  <dgm:catLst>
+    <dgm:cat type="relationship" pri="6000"/>
+    <dgm:cat type="process" pri="31000"/>
+  </dgm:catLst>
+  <dgm:sampData>
+    <dgm:dataModel>
+      <dgm:ptLst>
+        <dgm:pt modelId="0" type="doc"/>
+        <dgm:pt modelId="1">
+          <dgm:prSet phldr="1"/>
+        </dgm:pt>
+        <dgm:pt modelId="2">
+          <dgm:prSet phldr="1"/>
+        </dgm:pt>
+      </dgm:ptLst>
+      <dgm:cxnLst>
+        <dgm:cxn modelId="4" srcId="0" destId="1" srcOrd="0" destOrd="0"/>
+        <dgm:cxn modelId="5" srcId="0" destId="2" srcOrd="1" destOrd="0"/>
+      </dgm:cxnLst>
+      <dgm:bg/>
+      <dgm:whole/>
+    </dgm:dataModel>
+  </dgm:sampData>
+  <dgm:styleData>
+    <dgm:dataModel>
+      <dgm:ptLst>
+        <dgm:pt modelId="0" type="doc"/>
+        <dgm:pt modelId="1"/>
+        <dgm:pt modelId="2"/>
+      </dgm:ptLst>
+      <dgm:cxnLst>
+        <dgm:cxn modelId="3" srcId="0" destId="1" srcOrd="0" destOrd="0"/>
+        <dgm:cxn modelId="4" srcId="0" destId="2" srcOrd="1" destOrd="0"/>
+      </dgm:cxnLst>
+      <dgm:bg/>
+      <dgm:whole/>
+    </dgm:dataModel>
+  </dgm:styleData>
+  <dgm:clrData>
+    <dgm:dataModel>
+      <dgm:ptLst>
+        <dgm:pt modelId="0" type="doc"/>
+        <dgm:pt modelId="1"/>
+        <dgm:pt modelId="2"/>
+        <dgm:pt modelId="3"/>
+        <dgm:pt modelId="4"/>
+      </dgm:ptLst>
+      <dgm:cxnLst>
+        <dgm:cxn modelId="5" srcId="0" destId="1" srcOrd="0" destOrd="0"/>
+        <dgm:cxn modelId="6" srcId="0" destId="2" srcOrd="1" destOrd="0"/>
+        <dgm:cxn modelId="7" srcId="0" destId="3" srcOrd="2" destOrd="0"/>
+        <dgm:cxn modelId="8" srcId="0" destId="4" srcOrd="3" destOrd="0"/>
+      </dgm:cxnLst>
+      <dgm:bg/>
+      <dgm:whole/>
+    </dgm:dataModel>
+  </dgm:clrData>
+  <dgm:layoutNode name="diagram">
+    <dgm:varLst>
+      <dgm:dir/>
+      <dgm:resizeHandles val="exact"/>
+    </dgm:varLst>
+    <dgm:choose name="Name0">
+      <dgm:if name="Name1" axis="ch" ptType="node" func="cnt" op="equ" val="2">
+        <dgm:choose name="Name2">
+          <dgm:if name="Name3" func="var" arg="dir" op="equ" val="norm">
+            <dgm:alg type="cycle">
+              <dgm:param type="rotPath" val="alongPath"/>
+              <dgm:param type="stAng" val="270"/>
+            </dgm:alg>
+          </dgm:if>
+          <dgm:else name="Name4">
+            <dgm:alg type="cycle">
+              <dgm:param type="rotPath" val="alongPath"/>
+              <dgm:param type="stAng" val="90"/>
+              <dgm:param type="spanAng" val="-360"/>
+            </dgm:alg>
+          </dgm:else>
+        </dgm:choose>
+      </dgm:if>
+      <dgm:else name="Name5">
+        <dgm:choose name="Name6">
+          <dgm:if name="Name7" func="var" arg="dir" op="equ" val="norm">
+            <dgm:alg type="cycle">
+              <dgm:param type="rotPath" val="alongPath"/>
+            </dgm:alg>
+          </dgm:if>
+          <dgm:else name="Name8">
+            <dgm:alg type="cycle">
+              <dgm:param type="rotPath" val="alongPath"/>
+              <dgm:param type="spanAng" val="-360"/>
+            </dgm:alg>
+          </dgm:else>
+        </dgm:choose>
+      </dgm:else>
+    </dgm:choose>
+    <dgm:shape xmlns:r="http://schemas.openxmlformats.org/officeDocument/2006/relationships" r:blip="">
+      <dgm:adjLst/>
+    </dgm:shape>
+    <dgm:presOf/>
+    <dgm:choose name="Name9">
+      <dgm:if name="Name10" axis="ch" ptType="node" func="cnt" op="lte" val="2">
+        <dgm:constrLst>
+          <dgm:constr type="primFontSz" for="ch" ptType="node" op="equ" val="65"/>
+          <dgm:constr type="w" for="ch" ptType="node" refType="w"/>
+          <dgm:constr type="h" for="ch" ptType="node" refType="w" refFor="ch" refPtType="node" op="equ"/>
+          <dgm:constr type="sibSp" refType="w" refFor="ch" refPtType="node" fact="0.1"/>
+          <dgm:constr type="sibSp" refType="h" op="lte" fact="0.1"/>
+          <dgm:constr type="diam" refType="w" refFor="ch" refPtType="node" op="equ" fact="1.1"/>
+        </dgm:constrLst>
+      </dgm:if>
+      <dgm:if name="Name11" axis="ch" ptType="node" func="cnt" op="equ" val="5">
+        <dgm:constrLst>
+          <dgm:constr type="primFontSz" for="ch" ptType="node" op="equ" val="65"/>
+          <dgm:constr type="w" for="ch" ptType="node" refType="w"/>
+          <dgm:constr type="h" for="ch" ptType="node" refType="w" refFor="ch" refPtType="node" op="equ"/>
+          <dgm:constr type="sibSp" refType="w" refFor="ch" refPtType="node" fact="-0.2"/>
+          <dgm:constr type="sibSp" refType="h" op="lte" fact="0.1"/>
+        </dgm:constrLst>
+      </dgm:if>
+      <dgm:if name="Name12" axis="ch" ptType="node" func="cnt" op="equ" val="6">
+        <dgm:constrLst>
+          <dgm:constr type="primFontSz" for="ch" ptType="node" op="equ" val="65"/>
+          <dgm:constr type="w" for="ch" ptType="node" refType="w"/>
+          <dgm:constr type="h" for="ch" ptType="node" refType="w" refFor="ch" refPtType="node" op="equ"/>
+          <dgm:constr type="sibSp" refType="w" refFor="ch" refPtType="node" fact="-0.1"/>
+          <dgm:constr type="sibSp" refType="h" op="lte" fact="0.1"/>
+        </dgm:constrLst>
+      </dgm:if>
+      <dgm:if name="Name13" axis="ch" ptType="node" func="cnt" op="equ" val="7">
+        <dgm:constrLst>
+          <dgm:constr type="primFontSz" for="ch" ptType="node" op="equ" val="65"/>
+          <dgm:constr type="w" for="ch" ptType="node" refType="w"/>
+          <dgm:constr type="h" for="ch" ptType="node" refType="w" refFor="ch" refPtType="node" op="equ"/>
+          <dgm:constr type="sibSp" refType="w" refFor="ch" refPtType="node" fact="-0.1"/>
+          <dgm:constr type="sibSp" refType="h" op="lte" fact="0.1"/>
+        </dgm:constrLst>
+      </dgm:if>
+      <dgm:if name="Name14" axis="ch" ptType="node" func="cnt" op="equ" val="8">
+        <dgm:constrLst>
+          <dgm:constr type="primFontSz" for="ch" ptType="node" op="equ" val="65"/>
+          <dgm:constr type="w" for="ch" ptType="node" refType="w"/>
+          <dgm:constr type="h" for="ch" ptType="node" refType="w" refFor="ch" refPtType="node" op="equ"/>
+          <dgm:constr type="sibSp"/>
+          <dgm:constr type="sibSp" refType="h" op="lte" fact="0.1"/>
+        </dgm:constrLst>
+      </dgm:if>
+      <dgm:if name="Name15" axis="ch" ptType="node" func="cnt" op="gte" val="9">
+        <dgm:constrLst>
+          <dgm:constr type="primFontSz" for="ch" ptType="node" op="equ" val="65"/>
+          <dgm:constr type="w" for="ch" ptType="node" refType="w"/>
+          <dgm:constr type="h" for="ch" ptType="node" refType="w" refFor="ch" refPtType="node" op="equ"/>
+          <dgm:constr type="sibSp" refType="w" refFor="ch" refPtType="node" fact="-0.1"/>
+          <dgm:constr type="sibSp" refType="h" op="lte" fact="0.1"/>
+        </dgm:constrLst>
+      </dgm:if>
+      <dgm:else name="Name16">
+        <dgm:constrLst>
+          <dgm:constr type="primFontSz" for="ch" ptType="node" op="equ" val="65"/>
+          <dgm:constr type="w" for="ch" ptType="node" refType="w"/>
+          <dgm:constr type="h" for="ch" ptType="node" refType="w" refFor="ch" refPtType="node" op="equ"/>
+          <dgm:constr type="sibSp" refType="w" refFor="ch" refPtType="node" fact="-0.35"/>
+        </dgm:constrLst>
+      </dgm:else>
+    </dgm:choose>
+    <dgm:ruleLst/>
+    <dgm:forEach name="Name17" axis="ch" ptType="node">
+      <dgm:layoutNode name="arrow">
+        <dgm:varLst>
+          <dgm:bulletEnabled val="1"/>
+        </dgm:varLst>
+        <dgm:alg type="tx"/>
+        <dgm:shape xmlns:r="http://schemas.openxmlformats.org/officeDocument/2006/relationships" type="downArrow" r:blip="">
+          <dgm:adjLst>
+            <dgm:adj idx="2" val="0.35"/>
+          </dgm:adjLst>
+        </dgm:shape>
+        <dgm:presOf axis="desOrSelf" ptType="node"/>
+        <dgm:constrLst/>
+        <dgm:ruleLst>
+          <dgm:rule type="primFontSz" val="5" fact="NaN" max="NaN"/>
+        </dgm:ruleLst>
+      </dgm:layoutNode>
+    </dgm:forEach>
+  </dgm:layoutNode>
+</dgm:layoutDef>
+</file>
+
 <file path=ppt/diagrams/quickStyle1.xml><?xml version="1.0" encoding="utf-8"?>
+<dgm:styleDef xmlns:dgm="http://schemas.openxmlformats.org/drawingml/2006/diagram" xmlns:a="http://schemas.openxmlformats.org/drawingml/2006/main" uniqueId="urn:microsoft.com/office/officeart/2005/8/quickstyle/simple1">
+  <dgm:title val=""/>
+  <dgm:desc val=""/>
+  <dgm:catLst>
+    <dgm:cat type="simple" pri="10100"/>
+  </dgm:catLst>
+  <dgm:scene3d>
+    <a:camera prst="orthographicFront"/>
+    <a:lightRig rig="threePt" dir="t"/>
+  </dgm:scene3d>
+  <dgm:styleLbl name="node0">
+    <dgm:scene3d>
+      <a:camera prst="orthographicFront"/>
+      <a:lightRig rig="threePt" dir="t"/>
+    </dgm:scene3d>
+    <dgm:sp3d/>
+    <dgm:txPr/>
+    <dgm:style>
+      <a:lnRef idx="2">
+        <a:scrgbClr r="0" g="0" b="0"/>
+      </a:lnRef>
+      <a:fillRef idx="1">
+        <a:scrgbClr r="0" g="0" b="0"/>
+      </a:fillRef>
+      <a:effectRef idx="0">
+        <a:scrgbClr r="0" g="0" b="0"/>
+      </a:effectRef>
+      <a:fontRef idx="minor">
+        <a:schemeClr val="lt1"/>
+      </a:fontRef>
+    </dgm:style>
+  </dgm:styleLbl>
+  <dgm:styleLbl name="lnNode1">
+    <dgm:scene3d>
+      <a:camera prst="orthographicFront"/>
+      <a:lightRig rig="threePt" dir="t"/>
+    </dgm:scene3d>
+    <dgm:sp3d/>
+    <dgm:txPr/>
+    <dgm:style>
+      <a:lnRef idx="2">
+        <a:scrgbClr r="0" g="0" b="0"/>
+      </a:lnRef>
+      <a:fillRef idx="1">
+        <a:scrgbClr r="0" g="0" b="0"/>
+      </a:fillRef>
+      <a:effectRef idx="0">
+        <a:scrgbClr r="0" g="0" b="0"/>
+      </a:effectRef>
+      <a:fontRef idx="minor">
+        <a:schemeClr val="lt1"/>
+      </a:fontRef>
+    </dgm:style>
+  </dgm:styleLbl>
+  <dgm:styleLbl name="vennNode1">
+    <dgm:scene3d>
+      <a:camera prst="orthographicFront"/>
+      <a:lightRig rig="threePt" dir="t"/>
+    </dgm:scene3d>
+    <dgm:sp3d/>
+    <dgm:txPr/>
+    <dgm:style>
+      <a:lnRef idx="2">
+        <a:scrgbClr r="0" g="0" b="0"/>
+      </a:lnRef>
+      <a:fillRef idx="1">
+        <a:scrgbClr r="0" g="0" b="0"/>
+      </a:fillRef>
+      <a:effectRef idx="0">
+        <a:scrgbClr r="0" g="0" b="0"/>
+      </a:effectRef>
+      <a:fontRef idx="minor">
+        <a:schemeClr val="tx1"/>
+      </a:fontRef>
+    </dgm:style>
+  </dgm:styleLbl>
+  <dgm:styleLbl name="alignNode1">
+    <dgm:scene3d>
+      <a:camera prst="orthographicFront"/>
+      <a:lightRig rig="threePt" dir="t"/>
+    </dgm:scene3d>
+    <dgm:sp3d/>
+    <dgm:txPr/>
+    <dgm:style>
+      <a:lnRef idx="2">
+        <a:scrgbClr r="0" g="0" b="0"/>
+      </a:lnRef>
+      <a:fillRef idx="1">
+        <a:scrgbClr r="0" g="0" b="0"/>
+      </a:fillRef>
+      <a:effectRef idx="0">
+        <a:scrgbClr r="0" g="0" b="0"/>
+      </a:effectRef>
+      <a:fontRef idx="minor">
+        <a:schemeClr val="lt1"/>
+      </a:fontRef>
+    </dgm:style>
+  </dgm:styleLbl>
+  <dgm:styleLbl name="node1">
+    <dgm:scene3d>
+      <a:camera prst="orthographicFront"/>
+      <a:lightRig rig="threePt" dir="t"/>
+    </dgm:scene3d>
+    <dgm:sp3d/>
+    <dgm:txPr/>
+    <dgm:style>
+      <a:lnRef idx="2">
+        <a:scrgbClr r="0" g="0" b="0"/>
+      </a:lnRef>
+      <a:fillRef idx="1">
+        <a:scrgbClr r="0" g="0" b="0"/>
+      </a:fillRef>
+      <a:effectRef idx="0">
+        <a:scrgbClr r="0" g="0" b="0"/>
+      </a:effectRef>
+      <a:fontRef idx="minor">
+        <a:schemeClr val="lt1"/>
+      </a:fontRef>
+    </dgm:style>
+  </dgm:styleLbl>
+  <dgm:styleLbl name="node2">
+    <dgm:scene3d>
+      <a:camera prst="orthographicFront"/>
+      <a:lightRig rig="threePt" dir="t"/>
+    </dgm:scene3d>
+    <dgm:sp3d/>
+    <dgm:txPr/>
+    <dgm:style>
+      <a:lnRef idx="2">
+        <a:scrgbClr r="0" g="0" b="0"/>
+      </a:lnRef>
+      <a:fillRef idx="1">
+        <a:scrgbClr r="0" g="0" b="0"/>
+      </a:fillRef>
+      <a:effectRef idx="0">
+        <a:scrgbClr r="0" g="0" b="0"/>
+      </a:effectRef>
+      <a:fontRef idx="minor">
+        <a:schemeClr val="lt1"/>
+      </a:fontRef>
+    </dgm:style>
+  </dgm:styleLbl>
+  <dgm:styleLbl name="node3">
+    <dgm:scene3d>
+      <a:camera prst="orthographicFront"/>
+      <a:lightRig rig="threePt" dir="t"/>
+    </dgm:scene3d>
+    <dgm:sp3d/>
+    <dgm:txPr/>
+    <dgm:style>
+      <a:lnRef idx="2">
+        <a:scrgbClr r="0" g="0" b="0"/>
+      </a:lnRef>
+      <a:fillRef idx="1">
+        <a:scrgbClr r="0" g="0" b="0"/>
+      </a:fillRef>
+      <a:effectRef idx="0">
+        <a:scrgbClr r="0" g="0" b="0"/>
+      </a:effectRef>
+      <a:fontRef idx="minor">
+        <a:schemeClr val="lt1"/>
+      </a:fontRef>
+    </dgm:style>
+  </dgm:styleLbl>
+  <dgm:styleLbl name="node4">
+    <dgm:scene3d>
+      <a:camera prst="orthographicFront"/>
+      <a:lightRig rig="threePt" dir="t"/>
+    </dgm:scene3d>
+    <dgm:sp3d/>
+    <dgm:txPr/>
+    <dgm:style>
+      <a:lnRef idx="2">
+        <a:scrgbClr r="0" g="0" b="0"/>
+      </a:lnRef>
+      <a:fillRef idx="1">
+        <a:scrgbClr r="0" g="0" b="0"/>
+      </a:fillRef>
+      <a:effectRef idx="0">
+        <a:scrgbClr r="0" g="0" b="0"/>
+      </a:effectRef>
+      <a:fontRef idx="minor">
+        <a:schemeClr val="lt1"/>
+      </a:fontRef>
+    </dgm:style>
+  </dgm:styleLbl>
+  <dgm:styleLbl name="fgImgPlace1">
+    <dgm:scene3d>
+      <a:camera prst="orthographicFront"/>
+      <a:lightRig rig="threePt" dir="t"/>
+    </dgm:scene3d>
+    <dgm:sp3d/>
+    <dgm:txPr/>
+    <dgm:style>
+      <a:lnRef idx="2">
+        <a:scrgbClr r="0" g="0" b="0"/>
+      </a:lnRef>
+      <a:fillRef idx="1">
+        <a:scrgbClr r="0" g="0" b="0"/>
+      </a:fillRef>
+      <a:effectRef idx="0">
+        <a:scrgbClr r="0" g="0" b="0"/>
+      </a:effectRef>
+      <a:fontRef idx="minor"/>
+    </dgm:style>
+  </dgm:styleLbl>
+  <dgm:styleLbl name="alignImgPlace1">
+    <dgm:scene3d>
+      <a:camera prst="orthographicFront"/>
+      <a:lightRig rig="threePt" dir="t"/>
+    </dgm:scene3d>
+    <dgm:sp3d/>
+    <dgm:txPr/>
+    <dgm:style>
+      <a:lnRef idx="2">
+        <a:scrgbClr r="0" g="0" b="0"/>
+      </a:lnRef>
+      <a:fillRef idx="1">
+        <a:scrgbClr r="0" g="0" b="0"/>
+      </a:fillRef>
+      <a:effectRef idx="0">
+        <a:scrgbClr r="0" g="0" b="0"/>
+      </a:effectRef>
+      <a:fontRef idx="minor"/>
+    </dgm:style>
+  </dgm:styleLbl>
+  <dgm:styleLbl name="bgImgPlace1">
+    <dgm:scene3d>
+      <a:camera prst="orthographicFront"/>
+      <a:lightRig rig="threePt" dir="t"/>
+    </dgm:scene3d>
+    <dgm:sp3d/>
+    <dgm:txPr/>
+    <dgm:style>
+      <a:lnRef idx="2">
+        <a:scrgbClr r="0" g="0" b="0"/>
+      </a:lnRef>
+      <a:fillRef idx="1">
+        <a:scrgbClr r="0" g="0" b="0"/>
+      </a:fillRef>
+      <a:effectRef idx="0">
+        <a:scrgbClr r="0" g="0" b="0"/>
+      </a:effectRef>
+      <a:fontRef idx="minor"/>
+    </dgm:style>
+  </dgm:styleLbl>
+  <dgm:styleLbl name="sibTrans2D1">
+    <dgm:scene3d>
+      <a:camera prst="orthographicFront"/>
+      <a:lightRig rig="threePt" dir="t"/>
+    </dgm:scene3d>
+    <dgm:sp3d/>
+    <dgm:txPr/>
+    <dgm:style>
+      <a:lnRef idx="0">
+        <a:scrgbClr r="0" g="0" b="0"/>
+      </a:lnRef>
+      <a:fillRef idx="1">
+        <a:scrgbClr r="0" g="0" b="0"/>
+      </a:fillRef>
+      <a:effectRef idx="0">
+        <a:scrgbClr r="0" g="0" b="0"/>
+      </a:effectRef>
+      <a:fontRef idx="minor">
+        <a:schemeClr val="lt1"/>
+      </a:fontRef>
+    </dgm:style>
+  </dgm:styleLbl>
+  <dgm:styleLbl name="fgSibTrans2D1">
+    <dgm:scene3d>
+      <a:camera prst="orthographicFront"/>
+      <a:lightRig rig="threePt" dir="t"/>
+    </dgm:scene3d>
+    <dgm:sp3d/>
+    <dgm:txPr/>
+    <dgm:style>
+      <a:lnRef idx="0">
+        <a:scrgbClr r="0" g="0" b="0"/>
+      </a:lnRef>
+      <a:fillRef idx="1">
+        <a:scrgbClr r="0" g="0" b="0"/>
+      </a:fillRef>
+      <a:effectRef idx="0">
+        <a:scrgbClr r="0" g="0" b="0"/>
+      </a:effectRef>
+      <a:fontRef idx="minor">
+        <a:schemeClr val="lt1"/>
+      </a:fontRef>
+    </dgm:style>
+  </dgm:styleLbl>
+  <dgm:styleLbl name="bgSibTrans2D1">
+    <dgm:scene3d>
+      <a:camera prst="orthographicFront"/>
+      <a:lightRig rig="threePt" dir="t"/>
+    </dgm:scene3d>
+    <dgm:sp3d/>
+    <dgm:txPr/>
+    <dgm:style>
+      <a:lnRef idx="0">
+        <a:scrgbClr r="0" g="0" b="0"/>
+      </a:lnRef>
+      <a:fillRef idx="1">
+        <a:scrgbClr r="0" g="0" b="0"/>
+      </a:fillRef>
+      <a:effectRef idx="0">
+        <a:scrgbClr r="0" g="0" b="0"/>
+      </a:effectRef>
+      <a:fontRef idx="minor">
+        <a:schemeClr val="lt1"/>
+      </a:fontRef>
+    </dgm:style>
+  </dgm:styleLbl>
+  <dgm:styleLbl name="sibTrans1D1">
+    <dgm:scene3d>
+      <a:camera prst="orthographicFront"/>
+      <a:lightRig rig="threePt" dir="t"/>
+    </dgm:scene3d>
+    <dgm:sp3d/>
+    <dgm:txPr/>
+    <dgm:style>
+      <a:lnRef idx="1">
+        <a:scrgbClr r="0" g="0" b="0"/>
+      </a:lnRef>
+      <a:fillRef idx="0">
+        <a:scrgbClr r="0" g="0" b="0"/>
+      </a:fillRef>
+      <a:effectRef idx="0">
+        <a:scrgbClr r="0" g="0" b="0"/>
+      </a:effectRef>
+      <a:fontRef idx="minor"/>
+    </dgm:style>
+  </dgm:styleLbl>
+  <dgm:styleLbl name="callout">
+    <dgm:scene3d>
+      <a:camera prst="orthographicFront"/>
+      <a:lightRig rig="threePt" dir="t"/>
+    </dgm:scene3d>
+    <dgm:sp3d/>
+    <dgm:txPr/>
+    <dgm:style>
+      <a:lnRef idx="2">
+        <a:scrgbClr r="0" g="0" b="0"/>
+      </a:lnRef>
+      <a:fillRef idx="1">
+        <a:scrgbClr r="0" g="0" b="0"/>
+      </a:fillRef>
+      <a:effectRef idx="0">
+        <a:scrgbClr r="0" g="0" b="0"/>
+      </a:effectRef>
+      <a:fontRef idx="minor"/>
+    </dgm:style>
+  </dgm:styleLbl>
+  <dgm:styleLbl name="asst0">
+    <dgm:scene3d>
+      <a:camera prst="orthographicFront"/>
+      <a:lightRig rig="threePt" dir="t"/>
+    </dgm:scene3d>
+    <dgm:sp3d/>
+    <dgm:txPr/>
+    <dgm:style>
+      <a:lnRef idx="2">
+        <a:scrgbClr r="0" g="0" b="0"/>
+      </a:lnRef>
+      <a:fillRef idx="1">
+        <a:scrgbClr r="0" g="0" b="0"/>
+      </a:fillRef>
+      <a:effectRef idx="0">
+        <a:scrgbClr r="0" g="0" b="0"/>
+      </a:effectRef>
+      <a:fontRef idx="minor">
+        <a:schemeClr val="lt1"/>
+      </a:fontRef>
+    </dgm:style>
+  </dgm:styleLbl>
+  <dgm:styleLbl name="asst1">
+    <dgm:scene3d>
+      <a:camera prst="orthographicFront"/>
+      <a:lightRig rig="threePt" dir="t"/>
+    </dgm:scene3d>
+    <dgm:sp3d/>
+    <dgm:txPr/>
+    <dgm:style>
+      <a:lnRef idx="2">
+        <a:scrgbClr r="0" g="0" b="0"/>
+      </a:lnRef>
+      <a:fillRef idx="1">
+        <a:scrgbClr r="0" g="0" b="0"/>
+      </a:fillRef>
+      <a:effectRef idx="0">
+        <a:scrgbClr r="0" g="0" b="0"/>
+      </a:effectRef>
+      <a:fontRef idx="minor">
+        <a:schemeClr val="lt1"/>
+      </a:fontRef>
+    </dgm:style>
+  </dgm:styleLbl>
+  <dgm:styleLbl name="asst2">
+    <dgm:scene3d>
+      <a:camera prst="orthographicFront"/>
+      <a:lightRig rig="threePt" dir="t"/>
+    </dgm:scene3d>
+    <dgm:sp3d/>
+    <dgm:txPr/>
+    <dgm:style>
+      <a:lnRef idx="2">
+        <a:scrgbClr r="0" g="0" b="0"/>
+      </a:lnRef>
+      <a:fillRef idx="1">
+        <a:scrgbClr r="0" g="0" b="0"/>
+      </a:fillRef>
+      <a:effectRef idx="0">
+        <a:scrgbClr r="0" g="0" b="0"/>
+      </a:effectRef>
+      <a:fontRef idx="minor">
+        <a:schemeClr val="lt1"/>
+      </a:fontRef>
+    </dgm:style>
+  </dgm:styleLbl>
+  <dgm:styleLbl name="asst3">
+    <dgm:scene3d>
+      <a:camera prst="orthographicFront"/>
+      <a:lightRig rig="threePt" dir="t"/>
+    </dgm:scene3d>
+    <dgm:sp3d/>
+    <dgm:txPr/>
+    <dgm:style>
+      <a:lnRef idx="2">
+        <a:scrgbClr r="0" g="0" b="0"/>
+      </a:lnRef>
+      <a:fillRef idx="1">
+        <a:scrgbClr r="0" g="0" b="0"/>
+      </a:fillRef>
+      <a:effectRef idx="0">
+        <a:scrgbClr r="0" g="0" b="0"/>
+      </a:effectRef>
+      <a:fontRef idx="minor">
+        <a:schemeClr val="lt1"/>
+      </a:fontRef>
+    </dgm:style>
+  </dgm:styleLbl>
+  <dgm:styleLbl name="asst4">
+    <dgm:scene3d>
+      <a:camera prst="orthographicFront"/>
+      <a:lightRig rig="threePt" dir="t"/>
+    </dgm:scene3d>
+    <dgm:sp3d/>
+    <dgm:txPr/>
+    <dgm:style>
+      <a:lnRef idx="2">
+        <a:scrgbClr r="0" g="0" b="0"/>
+      </a:lnRef>
+      <a:fillRef idx="1">
+        <a:scrgbClr r="0" g="0" b="0"/>
+      </a:fillRef>
+      <a:effectRef idx="0">
+        <a:scrgbClr r="0" g="0" b="0"/>
+      </a:effectRef>
+      <a:fontRef idx="minor">
+        <a:schemeClr val="lt1"/>
+      </a:fontRef>
+    </dgm:style>
+  </dgm:styleLbl>
+  <dgm:styleLbl name="parChTrans2D1">
+    <dgm:scene3d>
+      <a:camera prst="orthographicFront"/>
+      <a:lightRig rig="threePt" dir="t"/>
+    </dgm:scene3d>
+    <dgm:sp3d/>
+    <dgm:txPr/>
+    <dgm:style>
+      <a:lnRef idx="2">
+        <a:scrgbClr r="0" g="0" b="0"/>
+      </a:lnRef>
+      <a:fillRef idx="1">
+        <a:scrgbClr r="0" g="0" b="0"/>
+      </a:fillRef>
+      <a:effectRef idx="0">
+        <a:scrgbClr r="0" g="0" b="0"/>
+      </a:effectRef>
+      <a:fontRef idx="minor">
+        <a:schemeClr val="lt1"/>
+      </a:fontRef>
+    </dgm:style>
+  </dgm:styleLbl>
+  <dgm:styleLbl name="parChTrans2D2">
+    <dgm:scene3d>
+      <a:camera prst="orthographicFront"/>
+      <a:lightRig rig="threePt" dir="t"/>
+    </dgm:scene3d>
+    <dgm:sp3d/>
+    <dgm:txPr/>
+    <dgm:style>
+      <a:lnRef idx="2">
+        <a:scrgbClr r="0" g="0" b="0"/>
+      </a:lnRef>
+      <a:fillRef idx="1">
+        <a:scrgbClr r="0" g="0" b="0"/>
+      </a:fillRef>
+      <a:effectRef idx="0">
+        <a:scrgbClr r="0" g="0" b="0"/>
+      </a:effectRef>
+      <a:fontRef idx="minor">
+        <a:schemeClr val="lt1"/>
+      </a:fontRef>
+    </dgm:style>
+  </dgm:styleLbl>
+  <dgm:styleLbl name="parChTrans2D3">
+    <dgm:scene3d>
+      <a:camera prst="orthographicFront"/>
+      <a:lightRig rig="threePt" dir="t"/>
+    </dgm:scene3d>
+    <dgm:sp3d/>
+    <dgm:txPr/>
+    <dgm:style>
+      <a:lnRef idx="2">
+        <a:scrgbClr r="0" g="0" b="0"/>
+      </a:lnRef>
+      <a:fillRef idx="1">
+        <a:scrgbClr r="0" g="0" b="0"/>
+      </a:fillRef>
+      <a:effectRef idx="0">
+        <a:scrgbClr r="0" g="0" b="0"/>
+      </a:effectRef>
+      <a:fontRef idx="minor">
+        <a:schemeClr val="lt1"/>
+      </a:fontRef>
+    </dgm:style>
+  </dgm:styleLbl>
+  <dgm:styleLbl name="parChTrans2D4">
+    <dgm:scene3d>
+      <a:camera prst="orthographicFront"/>
+      <a:lightRig rig="threePt" dir="t"/>
+    </dgm:scene3d>
+    <dgm:sp3d/>
+    <dgm:txPr/>
+    <dgm:style>
+      <a:lnRef idx="2">
+        <a:scrgbClr r="0" g="0" b="0"/>
+      </a:lnRef>
+      <a:fillRef idx="1">
+        <a:scrgbClr r="0" g="0" b="0"/>
+      </a:fillRef>
+      <a:effectRef idx="0">
+        <a:scrgbClr r="0" g="0" b="0"/>
+      </a:effectRef>
+      <a:fontRef idx="minor">
+        <a:schemeClr val="lt1"/>
+      </a:fontRef>
+    </dgm:style>
+  </dgm:styleLbl>
+  <dgm:styleLbl name="parChTrans1D1">
+    <dgm:scene3d>
+      <a:camera prst="orthographicFront"/>
+      <a:lightRig rig="threePt" dir="t"/>
+    </dgm:scene3d>
+    <dgm:sp3d/>
+    <dgm:txPr/>
+    <dgm:style>
+      <a:lnRef idx="2">
+        <a:scrgbClr r="0" g="0" b="0"/>
+      </a:lnRef>
+      <a:fillRef idx="0">
+        <a:scrgbClr r="0" g="0" b="0"/>
+      </a:fillRef>
+      <a:effectRef idx="0">
+        <a:scrgbClr r="0" g="0" b="0"/>
+      </a:effectRef>
+      <a:fontRef idx="minor"/>
+    </dgm:style>
+  </dgm:styleLbl>
+  <dgm:styleLbl name="parChTrans1D2">
+    <dgm:scene3d>
+      <a:camera prst="orthographicFront"/>
+      <a:lightRig rig="threePt" dir="t"/>
+    </dgm:scene3d>
+    <dgm:sp3d/>
+    <dgm:txPr/>
+    <dgm:style>
+      <a:lnRef idx="2">
+        <a:scrgbClr r="0" g="0" b="0"/>
+      </a:lnRef>
+      <a:fillRef idx="0">
+        <a:scrgbClr r="0" g="0" b="0"/>
+      </a:fillRef>
+      <a:effectRef idx="0">
+        <a:scrgbClr r="0" g="0" b="0"/>
+      </a:effectRef>
+      <a:fontRef idx="minor"/>
+    </dgm:style>
+  </dgm:styleLbl>
+  <dgm:styleLbl name="parChTrans1D3">
+    <dgm:scene3d>
+      <a:camera prst="orthographicFront"/>
+      <a:lightRig rig="threePt" dir="t"/>
+    </dgm:scene3d>
+    <dgm:sp3d/>
+    <dgm:txPr/>
+    <dgm:style>
+      <a:lnRef idx="2">
+        <a:scrgbClr r="0" g="0" b="0"/>
+      </a:lnRef>
+      <a:fillRef idx="0">
+        <a:scrgbClr r="0" g="0" b="0"/>
+      </a:fillRef>
+      <a:effectRef idx="0">
+        <a:scrgbClr r="0" g="0" b="0"/>
+      </a:effectRef>
+      <a:fontRef idx="minor"/>
+    </dgm:style>
+  </dgm:styleLbl>
+  <dgm:styleLbl name="parChTrans1D4">
+    <dgm:scene3d>
+      <a:camera prst="orthographicFront"/>
+      <a:lightRig rig="threePt" dir="t"/>
+    </dgm:scene3d>
+    <dgm:sp3d/>
+    <dgm:txPr/>
+    <dgm:style>
+      <a:lnRef idx="2">
+        <a:scrgbClr r="0" g="0" b="0"/>
+      </a:lnRef>
+      <a:fillRef idx="0">
+        <a:scrgbClr r="0" g="0" b="0"/>
+      </a:fillRef>
+      <a:effectRef idx="0">
+        <a:scrgbClr r="0" g="0" b="0"/>
+      </a:effectRef>
+      <a:fontRef idx="minor"/>
+    </dgm:style>
+  </dgm:styleLbl>
+  <dgm:styleLbl name="fgAcc1">
+    <dgm:scene3d>
+      <a:camera prst="orthographicFront"/>
+      <a:lightRig rig="threePt" dir="t"/>
+    </dgm:scene3d>
+    <dgm:sp3d/>
+    <dgm:txPr/>
+    <dgm:style>
+      <a:lnRef idx="2">
+        <a:scrgbClr r="0" g="0" b="0"/>
+      </a:lnRef>
+      <a:fillRef idx="1">
+        <a:scrgbClr r="0" g="0" b="0"/>
+      </a:fillRef>
+      <a:effectRef idx="0">
+        <a:scrgbClr r="0" g="0" b="0"/>
+      </a:effectRef>
+      <a:fontRef idx="minor"/>
+    </dgm:style>
+  </dgm:styleLbl>
+  <dgm:styleLbl name="conFgAcc1">
+    <dgm:scene3d>
+      <a:camera prst="orthographicFront"/>
+      <a:lightRig rig="threePt" dir="t"/>
+    </dgm:scene3d>
+    <dgm:sp3d/>
+    <dgm:txPr/>
+    <dgm:style>
+      <a:lnRef idx="2">
+        <a:scrgbClr r="0" g="0" b="0"/>
+      </a:lnRef>
+      <a:fillRef idx="1">
+        <a:scrgbClr r="0" g="0" b="0"/>
+      </a:fillRef>
+      <a:effectRef idx="0">
+        <a:scrgbClr r="0" g="0" b="0"/>
+      </a:effectRef>
+      <a:fontRef idx="minor"/>
+    </dgm:style>
+  </dgm:styleLbl>
+  <dgm:styleLbl name="alignAcc1">
+    <dgm:scene3d>
+      <a:camera prst="orthographicFront"/>
+      <a:lightRig rig="threePt" dir="t"/>
+    </dgm:scene3d>
+    <dgm:sp3d/>
+    <dgm:txPr/>
+    <dgm:style>
+      <a:lnRef idx="2">
+        <a:scrgbClr r="0" g="0" b="0"/>
+      </a:lnRef>
+      <a:fillRef idx="1">
+        <a:scrgbClr r="0" g="0" b="0"/>
+      </a:fillRef>
+      <a:effectRef idx="0">
+        <a:scrgbClr r="0" g="0" b="0"/>
+      </a:effectRef>
+      <a:fontRef idx="minor"/>
+    </dgm:style>
+  </dgm:styleLbl>
+  <dgm:styleLbl name="trAlignAcc1">
+    <dgm:scene3d>
+      <a:camera prst="orthographicFront"/>
+      <a:lightRig rig="threePt" dir="t"/>
+    </dgm:scene3d>
+    <dgm:sp3d/>
+    <dgm:txPr/>
+    <dgm:style>
+      <a:lnRef idx="1">
+        <a:scrgbClr r="0" g="0" b="0"/>
+      </a:lnRef>
+      <a:fillRef idx="1">
+        <a:scrgbClr r="0" g="0" b="0"/>
+      </a:fillRef>
+      <a:effectRef idx="0">
+        <a:scrgbClr r="0" g="0" b="0"/>
+      </a:effectRef>
+      <a:fontRef idx="minor"/>
+    </dgm:style>
+  </dgm:styleLbl>
+  <dgm:styleLbl name="bgAcc1">
+    <dgm:scene3d>
+      <a:camera prst="orthographicFront"/>
+      <a:lightRig rig="threePt" dir="t"/>
+    </dgm:scene3d>
+    <dgm:sp3d/>
+    <dgm:txPr/>
+    <dgm:style>
+      <a:lnRef idx="2">
+        <a:scrgbClr r="0" g="0" b="0"/>
+      </a:lnRef>
+      <a:fillRef idx="1">
+        <a:scrgbClr r="0" g="0" b="0"/>
+      </a:fillRef>
+      <a:effectRef idx="0">
+        <a:scrgbClr r="0" g="0" b="0"/>
+      </a:effectRef>
+      <a:fontRef idx="minor"/>
+    </dgm:style>
+  </dgm:styleLbl>
+  <dgm:styleLbl name="solidFgAcc1">
+    <dgm:scene3d>
+      <a:camera prst="orthographicFront"/>
+      <a:lightRig rig="threePt" dir="t"/>
+    </dgm:scene3d>
+    <dgm:sp3d/>
+    <dgm:txPr/>
+    <dgm:style>
+      <a:lnRef idx="2">
+        <a:scrgbClr r="0" g="0" b="0"/>
+      </a:lnRef>
+      <a:fillRef idx="1">
+        <a:scrgbClr r="0" g="0" b="0"/>
+      </a:fillRef>
+      <a:effectRef idx="0">
+        <a:scrgbClr r="0" g="0" b="0"/>
+      </a:effectRef>
+      <a:fontRef idx="minor"/>
+    </dgm:style>
+  </dgm:styleLbl>
+  <dgm:styleLbl name="solidAlignAcc1">
+    <dgm:scene3d>
+      <a:camera prst="orthographicFront"/>
+      <a:lightRig rig="threePt" dir="t"/>
+    </dgm:scene3d>
+    <dgm:sp3d/>
+    <dgm:txPr/>
+    <dgm:style>
+      <a:lnRef idx="2">
+        <a:scrgbClr r="0" g="0" b="0"/>
+      </a:lnRef>
+      <a:fillRef idx="1">
+        <a:scrgbClr r="0" g="0" b="0"/>
+      </a:fillRef>
+      <a:effectRef idx="0">
+        <a:scrgbClr r="0" g="0" b="0"/>
+      </a:effectRef>
+      <a:fontRef idx="minor"/>
+    </dgm:style>
+  </dgm:styleLbl>
+  <dgm:styleLbl name="solidBgAcc1">
+    <dgm:scene3d>
+      <a:camera prst="orthographicFront"/>
+      <a:lightRig rig="threePt" dir="t"/>
+    </dgm:scene3d>
+    <dgm:sp3d/>
+    <dgm:txPr/>
+    <dgm:style>
+      <a:lnRef idx="2">
+        <a:scrgbClr r="0" g="0" b="0"/>
+      </a:lnRef>
+      <a:fillRef idx="1">
+        <a:scrgbClr r="0" g="0" b="0"/>
+      </a:fillRef>
+      <a:effectRef idx="0">
+        <a:scrgbClr r="0" g="0" b="0"/>
+      </a:effectRef>
+      <a:fontRef idx="minor"/>
+    </dgm:style>
+  </dgm:styleLbl>
+  <dgm:styleLbl name="fgAccFollowNode1">
+    <dgm:scene3d>
+      <a:camera prst="orthographicFront"/>
+      <a:lightRig rig="threePt" dir="t"/>
+    </dgm:scene3d>
+    <dgm:sp3d/>
+    <dgm:txPr/>
+    <dgm:style>
+      <a:lnRef idx="2">
+        <a:scrgbClr r="0" g="0" b="0"/>
+      </a:lnRef>
+      <a:fillRef idx="1">
+        <a:scrgbClr r="0" g="0" b="0"/>
+      </a:fillRef>
+      <a:effectRef idx="0">
+        <a:scrgbClr r="0" g="0" b="0"/>
+      </a:effectRef>
+      <a:fontRef idx="minor"/>
+    </dgm:style>
+  </dgm:styleLbl>
+  <dgm:styleLbl name="alignAccFollowNode1">
+    <dgm:scene3d>
+      <a:camera prst="orthographicFront"/>
+      <a:lightRig rig="threePt" dir="t"/>
+    </dgm:scene3d>
+    <dgm:sp3d/>
+    <dgm:txPr/>
+    <dgm:style>
+      <a:lnRef idx="2">
+        <a:scrgbClr r="0" g="0" b="0"/>
+      </a:lnRef>
+      <a:fillRef idx="1">
+        <a:scrgbClr r="0" g="0" b="0"/>
+      </a:fillRef>
+      <a:effectRef idx="0">
+        <a:scrgbClr r="0" g="0" b="0"/>
+      </a:effectRef>
+      <a:fontRef idx="minor"/>
+    </dgm:style>
+  </dgm:styleLbl>
+  <dgm:styleLbl name="bgAccFollowNode1">
+    <dgm:scene3d>
+      <a:camera prst="orthographicFront"/>
+      <a:lightRig rig="threePt" dir="t"/>
+    </dgm:scene3d>
+    <dgm:sp3d/>
+    <dgm:txPr/>
+    <dgm:style>
+      <a:lnRef idx="2">
+        <a:scrgbClr r="0" g="0" b="0"/>
+      </a:lnRef>
+      <a:fillRef idx="1">
+        <a:scrgbClr r="0" g="0" b="0"/>
+      </a:fillRef>
+      <a:effectRef idx="0">
+        <a:scrgbClr r="0" g="0" b="0"/>
+      </a:effectRef>
+      <a:fontRef idx="minor"/>
+    </dgm:style>
+  </dgm:styleLbl>
+  <dgm:styleLbl name="fgAcc0">
+    <dgm:scene3d>
+      <a:camera prst="orthographicFront"/>
+      <a:lightRig rig="threePt" dir="t"/>
+    </dgm:scene3d>
+    <dgm:sp3d/>
+    <dgm:txPr/>
+    <dgm:style>
+      <a:lnRef idx="2">
+        <a:scrgbClr r="0" g="0" b="0"/>
+      </a:lnRef>
+      <a:fillRef idx="1">
+        <a:scrgbClr r="0" g="0" b="0"/>
+      </a:fillRef>
+      <a:effectRef idx="0">
+        <a:scrgbClr r="0" g="0" b="0"/>
+      </a:effectRef>
+      <a:fontRef idx="minor"/>
+    </dgm:style>
+  </dgm:styleLbl>
+  <dgm:styleLbl name="fgAcc2">
+    <dgm:scene3d>
+      <a:camera prst="orthographicFront"/>
+      <a:lightRig rig="threePt" dir="t"/>
+    </dgm:scene3d>
+    <dgm:sp3d/>
+    <dgm:txPr/>
+    <dgm:style>
+      <a:lnRef idx="2">
+        <a:scrgbClr r="0" g="0" b="0"/>
+      </a:lnRef>
+      <a:fillRef idx="1">
+        <a:scrgbClr r="0" g="0" b="0"/>
+      </a:fillRef>
+      <a:effectRef idx="0">
+        <a:scrgbClr r="0" g="0" b="0"/>
+      </a:effectRef>
+      <a:fontRef idx="minor"/>
+    </dgm:style>
+  </dgm:styleLbl>
+  <dgm:styleLbl name="fgAcc3">
+    <dgm:scene3d>
+      <a:camera prst="orthographicFront"/>
+      <a:lightRig rig="threePt" dir="t"/>
+    </dgm:scene3d>
+    <dgm:sp3d/>
+    <dgm:txPr/>
+    <dgm:style>
+      <a:lnRef idx="2">
+        <a:scrgbClr r="0" g="0" b="0"/>
+      </a:lnRef>
+      <a:fillRef idx="1">
+        <a:scrgbClr r="0" g="0" b="0"/>
+      </a:fillRef>
+      <a:effectRef idx="0">
+        <a:scrgbClr r="0" g="0" b="0"/>
+      </a:effectRef>
+      <a:fontRef idx="minor"/>
+    </dgm:style>
+  </dgm:styleLbl>
+  <dgm:styleLbl name="fgAcc4">
+    <dgm:scene3d>
+      <a:camera prst="orthographicFront"/>
+      <a:lightRig rig="threePt" dir="t"/>
+    </dgm:scene3d>
+    <dgm:sp3d/>
+    <dgm:txPr/>
+    <dgm:style>
+      <a:lnRef idx="2">
+        <a:scrgbClr r="0" g="0" b="0"/>
+      </a:lnRef>
+      <a:fillRef idx="1">
+        <a:scrgbClr r="0" g="0" b="0"/>
+      </a:fillRef>
+      <a:effectRef idx="0">
+        <a:scrgbClr r="0" g="0" b="0"/>
+      </a:effectRef>
+      <a:fontRef idx="minor"/>
+    </dgm:style>
+  </dgm:styleLbl>
+  <dgm:styleLbl name="bgShp">
+    <dgm:scene3d>
+      <a:camera prst="orthographicFront"/>
+      <a:lightRig rig="threePt" dir="t"/>
+    </dgm:scene3d>
+    <dgm:sp3d/>
+    <dgm:txPr/>
+    <dgm:style>
+      <a:lnRef idx="0">
+        <a:scrgbClr r="0" g="0" b="0"/>
+      </a:lnRef>
+      <a:fillRef idx="1">
+        <a:scrgbClr r="0" g="0" b="0"/>
+      </a:fillRef>
+      <a:effectRef idx="0">
+        <a:scrgbClr r="0" g="0" b="0"/>
+      </a:effectRef>
+      <a:fontRef idx="minor"/>
+    </dgm:style>
+  </dgm:styleLbl>
+  <dgm:styleLbl name="dkBgShp">
+    <dgm:scene3d>
+      <a:camera prst="orthographicFront"/>
+      <a:lightRig rig="threePt" dir="t"/>
+    </dgm:scene3d>
+    <dgm:sp3d/>
+    <dgm:txPr/>
+    <dgm:style>
+      <a:lnRef idx="0">
+        <a:scrgbClr r="0" g="0" b="0"/>
+      </a:lnRef>
+      <a:fillRef idx="1">
+        <a:scrgbClr r="0" g="0" b="0"/>
+      </a:fillRef>
+      <a:effectRef idx="0">
+        <a:scrgbClr r="0" g="0" b="0"/>
+      </a:effectRef>
+      <a:fontRef idx="minor"/>
+    </dgm:style>
+  </dgm:styleLbl>
+  <dgm:styleLbl name="trBgShp">
+    <dgm:scene3d>
+      <a:camera prst="orthographicFront"/>
+      <a:lightRig rig="threePt" dir="t"/>
+    </dgm:scene3d>
+    <dgm:sp3d/>
+    <dgm:txPr/>
+    <dgm:style>
+      <a:lnRef idx="0">
+        <a:scrgbClr r="0" g="0" b="0"/>
+      </a:lnRef>
+      <a:fillRef idx="1">
+        <a:scrgbClr r="0" g="0" b="0"/>
+      </a:fillRef>
+      <a:effectRef idx="0">
+        <a:scrgbClr r="0" g="0" b="0"/>
+      </a:effectRef>
+      <a:fontRef idx="minor"/>
+    </dgm:style>
+  </dgm:styleLbl>
+  <dgm:styleLbl name="fgShp">
+    <dgm:scene3d>
+      <a:camera prst="orthographicFront"/>
+      <a:lightRig rig="threePt" dir="t"/>
+    </dgm:scene3d>
+    <dgm:sp3d/>
+    <dgm:txPr/>
+    <dgm:style>
+      <a:lnRef idx="2">
+        <a:scrgbClr r="0" g="0" b="0"/>
+      </a:lnRef>
+      <a:fillRef idx="1">
+        <a:scrgbClr r="0" g="0" b="0"/>
+      </a:fillRef>
+      <a:effectRef idx="0">
+        <a:scrgbClr r="0" g="0" b="0"/>
+      </a:effectRef>
+      <a:fontRef idx="minor"/>
+    </dgm:style>
+  </dgm:styleLbl>
+  <dgm:styleLbl name="revTx">
+    <dgm:scene3d>
+      <a:camera prst="orthographicFront"/>
+      <a:lightRig rig="threePt" dir="t"/>
+    </dgm:scene3d>
+    <dgm:sp3d/>
+    <dgm:txPr/>
+    <dgm:style>
+      <a:lnRef idx="0">
+        <a:scrgbClr r="0" g="0" b="0"/>
+      </a:lnRef>
+      <a:fillRef idx="0">
+        <a:scrgbClr r="0" g="0" b="0"/>
+      </a:fillRef>
+      <a:effectRef idx="0">
+        <a:scrgbClr r="0" g="0" b="0"/>
+      </a:effectRef>
+      <a:fontRef idx="minor"/>
+    </dgm:style>
+  </dgm:styleLbl>
+</dgm:styleDef>
+</file>
+
+<file path=ppt/diagrams/quickStyle2.xml><?xml version="1.0" encoding="utf-8"?>
 <dgm:styleDef xmlns:dgm="http://schemas.openxmlformats.org/drawingml/2006/diagram" xmlns:a="http://schemas.openxmlformats.org/drawingml/2006/main" uniqueId="urn:microsoft.com/office/officeart/2005/8/quickstyle/simple1">
   <dgm:title val=""/>
   <dgm:desc val=""/>
@@ -7612,6 +10031,90 @@
 </p:sld>
 </file>
 
+<file path=ppt/slides/slide10.xml><?xml version="1.0" encoding="utf-8"?>
+<p:sld xmlns:a="http://schemas.openxmlformats.org/drawingml/2006/main" xmlns:r="http://schemas.openxmlformats.org/officeDocument/2006/relationships" xmlns:p="http://schemas.openxmlformats.org/presentationml/2006/main">
+  <p:cSld>
+    <p:spTree>
+      <p:nvGrpSpPr>
+        <p:cNvPr id="1" name=""/>
+        <p:cNvGrpSpPr/>
+        <p:nvPr/>
+      </p:nvGrpSpPr>
+      <p:grpSpPr>
+        <a:xfrm>
+          <a:off x="0" y="0"/>
+          <a:ext cx="0" cy="0"/>
+          <a:chOff x="0" y="0"/>
+          <a:chExt cx="0" cy="0"/>
+        </a:xfrm>
+      </p:grpSpPr>
+      <p:sp>
+        <p:nvSpPr>
+          <p:cNvPr id="2" name="Title 1">
+            <a:extLst>
+              <a:ext uri="{FF2B5EF4-FFF2-40B4-BE49-F238E27FC236}">
+                <a16:creationId xmlns:a16="http://schemas.microsoft.com/office/drawing/2014/main" id="{3EE24A2F-9997-431F-B27F-BAF9F5A4CD26}"/>
+              </a:ext>
+            </a:extLst>
+          </p:cNvPr>
+          <p:cNvSpPr>
+            <a:spLocks noGrp="1"/>
+          </p:cNvSpPr>
+          <p:nvPr>
+            <p:ph type="title"/>
+          </p:nvPr>
+        </p:nvSpPr>
+        <p:spPr/>
+        <p:txBody>
+          <a:bodyPr/>
+          <a:lstStyle/>
+          <a:p>
+            <a:r>
+              <a:rPr lang="en-US" dirty="0"/>
+              <a:t>Summary</a:t>
+            </a:r>
+            <a:endParaRPr lang="en-CA" dirty="0"/>
+          </a:p>
+        </p:txBody>
+      </p:sp>
+      <p:sp>
+        <p:nvSpPr>
+          <p:cNvPr id="3" name="Content Placeholder 2">
+            <a:extLst>
+              <a:ext uri="{FF2B5EF4-FFF2-40B4-BE49-F238E27FC236}">
+                <a16:creationId xmlns:a16="http://schemas.microsoft.com/office/drawing/2014/main" id="{70B56692-824B-4FA6-BD9C-2B9D47129C08}"/>
+              </a:ext>
+            </a:extLst>
+          </p:cNvPr>
+          <p:cNvSpPr>
+            <a:spLocks noGrp="1"/>
+          </p:cNvSpPr>
+          <p:nvPr>
+            <p:ph idx="1"/>
+          </p:nvPr>
+        </p:nvSpPr>
+        <p:spPr/>
+        <p:txBody>
+          <a:bodyPr/>
+          <a:lstStyle/>
+          <a:p>
+            <a:endParaRPr lang="en-CA" dirty="0"/>
+          </a:p>
+        </p:txBody>
+      </p:sp>
+    </p:spTree>
+    <p:extLst>
+      <p:ext uri="{BB962C8B-B14F-4D97-AF65-F5344CB8AC3E}">
+        <p14:creationId xmlns:p14="http://schemas.microsoft.com/office/powerpoint/2010/main" val="70357331"/>
+      </p:ext>
+    </p:extLst>
+  </p:cSld>
+  <p:clrMapOvr>
+    <a:masterClrMapping/>
+  </p:clrMapOvr>
+</p:sld>
+</file>
+
 <file path=ppt/slides/slide2.xml><?xml version="1.0" encoding="utf-8"?>
 <p:sld xmlns:a="http://schemas.openxmlformats.org/drawingml/2006/main" xmlns:r="http://schemas.openxmlformats.org/officeDocument/2006/relationships" xmlns:p="http://schemas.openxmlformats.org/presentationml/2006/main">
   <p:cSld>
@@ -8308,7 +10811,7 @@
       </p:grpSpPr>
       <p:sp>
         <p:nvSpPr>
-          <p:cNvPr id="19" name="Freeform: Shape 9">
+          <p:cNvPr id="41" name="Freeform: Shape 40">
             <a:extLst>
               <a:ext uri="{FF2B5EF4-FFF2-40B4-BE49-F238E27FC236}">
                 <a16:creationId xmlns:a16="http://schemas.microsoft.com/office/drawing/2014/main" id="{7A08E557-10DB-421A-876E-1AE58F8E07C4}"/>
@@ -8445,7 +10948,7 @@
       </p:sp>
       <p:sp useBgFill="1">
         <p:nvSpPr>
-          <p:cNvPr id="21" name="Rectangle 11">
+          <p:cNvPr id="43" name="Rectangle 42">
             <a:extLst>
               <a:ext uri="{FF2B5EF4-FFF2-40B4-BE49-F238E27FC236}">
                 <a16:creationId xmlns:a16="http://schemas.microsoft.com/office/drawing/2014/main" id="{9B9C0EA8-1D7C-4958-8088-FCCA7A14337D}"/>
@@ -8521,7 +11024,7 @@
       </p:sp>
       <p:sp>
         <p:nvSpPr>
-          <p:cNvPr id="22" name="Rectangle 13">
+          <p:cNvPr id="45" name="Rectangle 44">
             <a:extLst>
               <a:ext uri="{FF2B5EF4-FFF2-40B4-BE49-F238E27FC236}">
                 <a16:creationId xmlns:a16="http://schemas.microsoft.com/office/drawing/2014/main" id="{5000D6DE-A23B-4C22-B47F-8F693347EFE8}"/>
@@ -8587,7 +11090,7 @@
       </p:sp>
       <p:sp>
         <p:nvSpPr>
-          <p:cNvPr id="23" name="Rectangle 15">
+          <p:cNvPr id="47" name="Rectangle 46">
             <a:extLst>
               <a:ext uri="{FF2B5EF4-FFF2-40B4-BE49-F238E27FC236}">
                 <a16:creationId xmlns:a16="http://schemas.microsoft.com/office/drawing/2014/main" id="{24D14FB4-6458-4E1D-B46C-BBE29EDFC23C}"/>
@@ -8656,7 +11159,7 @@
       </p:sp>
       <p:sp>
         <p:nvSpPr>
-          <p:cNvPr id="18" name="Freeform: Shape 17">
+          <p:cNvPr id="49" name="Freeform: Shape 48">
             <a:extLst>
               <a:ext uri="{FF2B5EF4-FFF2-40B4-BE49-F238E27FC236}">
                 <a16:creationId xmlns:a16="http://schemas.microsoft.com/office/drawing/2014/main" id="{3CF0F7CE-15DE-4549-B1AD-71D91FB52CF6}"/>
@@ -8829,9 +11332,51 @@
           </a:p>
         </p:txBody>
       </p:sp>
+      <p:sp>
+        <p:nvSpPr>
+          <p:cNvPr id="27" name="Content Placeholder 26">
+            <a:extLst>
+              <a:ext uri="{FF2B5EF4-FFF2-40B4-BE49-F238E27FC236}">
+                <a16:creationId xmlns:a16="http://schemas.microsoft.com/office/drawing/2014/main" id="{283BC622-650A-4D1F-B53A-D993CE4479EA}"/>
+              </a:ext>
+            </a:extLst>
+          </p:cNvPr>
+          <p:cNvSpPr>
+            <a:spLocks noGrp="1"/>
+          </p:cNvSpPr>
+          <p:nvPr>
+            <p:ph idx="1"/>
+          </p:nvPr>
+        </p:nvSpPr>
+        <p:spPr>
+          <a:xfrm>
+            <a:off x="8107725" y="4923313"/>
+            <a:ext cx="3466531" cy="1201004"/>
+          </a:xfrm>
+        </p:spPr>
+        <p:txBody>
+          <a:bodyPr vert="horz" lIns="91440" tIns="45720" rIns="91440" bIns="45720" rtlCol="0">
+            <a:normAutofit/>
+          </a:bodyPr>
+          <a:lstStyle/>
+          <a:p>
+            <a:pPr marL="0" indent="0">
+              <a:buNone/>
+            </a:pPr>
+            <a:r>
+              <a:rPr lang="en-US" sz="1600" b="1" cap="all" spc="300" dirty="0">
+                <a:solidFill>
+                  <a:srgbClr val="FFFFFF"/>
+                </a:solidFill>
+              </a:rPr>
+              <a:t>E</a:t>
+            </a:r>
+          </a:p>
+        </p:txBody>
+      </p:sp>
       <p:sp useBgFill="1">
         <p:nvSpPr>
-          <p:cNvPr id="20" name="Freeform: Shape 19">
+          <p:cNvPr id="51" name="Freeform: Shape 50">
             <a:extLst>
               <a:ext uri="{FF2B5EF4-FFF2-40B4-BE49-F238E27FC236}">
                 <a16:creationId xmlns:a16="http://schemas.microsoft.com/office/drawing/2014/main" id="{3D651D50-AFE8-4258-90FE-E239C313818F}"/>
@@ -8972,11 +11517,9 @@
             </a:extLst>
           </p:cNvPr>
           <p:cNvPicPr>
-            <a:picLocks noGrp="1" noChangeAspect="1"/>
+            <a:picLocks noChangeAspect="1"/>
           </p:cNvPicPr>
-          <p:nvPr>
-            <p:ph idx="1"/>
-          </p:nvPr>
+          <p:nvPr/>
         </p:nvPicPr>
         <p:blipFill>
           <a:blip r:embed="rId2">
@@ -8992,7 +11535,7 @@
         </p:blipFill>
         <p:spPr>
           <a:xfrm>
-            <a:off x="6714699" y="1934686"/>
+            <a:off x="6733840" y="1934686"/>
             <a:ext cx="4859557" cy="2988627"/>
           </a:xfrm>
           <a:prstGeom prst="rect">
@@ -9040,7 +11583,7 @@
       </p:grpSpPr>
       <p:sp useBgFill="1">
         <p:nvSpPr>
-          <p:cNvPr id="8" name="Rectangle 7">
+          <p:cNvPr id="79" name="Rectangle 78">
             <a:extLst>
               <a:ext uri="{FF2B5EF4-FFF2-40B4-BE49-F238E27FC236}">
                 <a16:creationId xmlns:a16="http://schemas.microsoft.com/office/drawing/2014/main" id="{369DB5D3-4B63-4FD1-BA37-8EBACA587A1D}"/>
@@ -9116,10 +11659,10 @@
       </p:sp>
       <p:sp>
         <p:nvSpPr>
-          <p:cNvPr id="10" name="Rectangle 9">
+          <p:cNvPr id="81" name="Rectangle 80">
             <a:extLst>
               <a:ext uri="{FF2B5EF4-FFF2-40B4-BE49-F238E27FC236}">
-                <a16:creationId xmlns:a16="http://schemas.microsoft.com/office/drawing/2014/main" id="{B5650669-C083-4D8C-BC61-0EE74F1CC5E6}"/>
+                <a16:creationId xmlns:a16="http://schemas.microsoft.com/office/drawing/2014/main" id="{5BBDA1FD-F245-4707-9DD0-B21388E6D53F}"/>
               </a:ext>
               <a:ext uri="{C183D7F6-B498-43B3-948B-1728B52AA6E4}">
                 <adec:decorative xmlns:adec="http://schemas.microsoft.com/office/drawing/2017/decorative" val="1"/>
@@ -9179,10 +11722,10 @@
       </p:sp>
       <p:sp>
         <p:nvSpPr>
-          <p:cNvPr id="12" name="Freeform: Shape 11">
+          <p:cNvPr id="83" name="Freeform: Shape 82">
             <a:extLst>
               <a:ext uri="{FF2B5EF4-FFF2-40B4-BE49-F238E27FC236}">
-                <a16:creationId xmlns:a16="http://schemas.microsoft.com/office/drawing/2014/main" id="{C214C731-4700-4E5F-92C1-54F9C83FB5CA}"/>
+                <a16:creationId xmlns:a16="http://schemas.microsoft.com/office/drawing/2014/main" id="{4D65F7CF-078D-4DB9-942F-CA5C78C7357A}"/>
               </a:ext>
               <a:ext uri="{C183D7F6-B498-43B3-948B-1728B52AA6E4}">
                 <adec:decorative xmlns:adec="http://schemas.microsoft.com/office/drawing/2017/decorative" val="1"/>
@@ -9336,7 +11879,7 @@
           <a:lstStyle/>
           <a:p>
             <a:pPr algn="ctr"/>
-            <a:endParaRPr lang="en-US" dirty="0"/>
+            <a:endParaRPr lang="en-US"/>
           </a:p>
         </p:txBody>
       </p:sp>
@@ -9386,10 +11929,10 @@
       </p:sp>
       <p:sp useBgFill="1">
         <p:nvSpPr>
-          <p:cNvPr id="24" name="Freeform: Shape 13">
+          <p:cNvPr id="85" name="Freeform: Shape 84">
             <a:extLst>
               <a:ext uri="{FF2B5EF4-FFF2-40B4-BE49-F238E27FC236}">
-                <a16:creationId xmlns:a16="http://schemas.microsoft.com/office/drawing/2014/main" id="{26C151D7-1FA6-4D02-9CDD-5C3205DB2B92}"/>
+                <a16:creationId xmlns:a16="http://schemas.microsoft.com/office/drawing/2014/main" id="{7C754B97-BF4D-4E8F-8EC3-4906E36CEA22}"/>
               </a:ext>
               <a:ext uri="{C183D7F6-B498-43B3-948B-1728B52AA6E4}">
                 <adec:decorative xmlns:adec="http://schemas.microsoft.com/office/drawing/2017/decorative" val="1"/>
@@ -9571,8 +12114,8 @@
         </p:nvSpPr>
         <p:spPr>
           <a:xfrm>
-            <a:off x="5181600" y="685800"/>
-            <a:ext cx="6096000" cy="5491163"/>
+            <a:off x="4681538" y="685800"/>
+            <a:ext cx="3780074" cy="5491163"/>
           </a:xfrm>
         </p:spPr>
         <p:txBody>
@@ -9581,44 +12124,66 @@
           </a:bodyPr>
           <a:lstStyle/>
           <a:p>
+            <a:pPr marL="0" indent="0">
+              <a:buNone/>
+            </a:pPr>
             <a:r>
-              <a:rPr lang="en-US"/>
-              <a:t>Step 1:  Continue to add datasets from last topic of Sugar Analysis.</a:t>
+              <a:rPr lang="en-US" dirty="0"/>
+              <a:t>The</a:t>
             </a:r>
-          </a:p>
-          <a:p>
             <a:r>
-              <a:rPr lang="en-US"/>
-              <a:t>Step 2:  Define which datasets to use.</a:t>
+              <a:rPr lang="en-US" b="1" dirty="0"/>
+              <a:t> </a:t>
             </a:r>
-          </a:p>
-          <a:p>
             <a:r>
-              <a:rPr lang="en-US"/>
-              <a:t>Step 3:  Research more on additional datasets that can be used for SQL.</a:t>
+              <a:rPr lang="en-US" dirty="0"/>
+              <a:t>process of reading data from a database. In this stage, the data is collected, often from multiple and different types of sources.</a:t>
             </a:r>
           </a:p>
           <a:p>
+            <a:pPr marL="0" indent="0">
+              <a:buNone/>
+            </a:pPr>
             <a:r>
-              <a:rPr lang="en-US"/>
-              <a:t>Step 4:  Finalize which datasets to use.</a:t>
+              <a:rPr lang="en-US" dirty="0"/>
+              <a:t>The next few slides show the steps on how extract data.</a:t>
             </a:r>
-          </a:p>
-          <a:p>
-            <a:r>
-              <a:rPr lang="en-US"/>
-              <a:t>Step 5:  Drew an ERD to determine how the datasets are related to one another.</a:t>
-            </a:r>
-          </a:p>
-          <a:p>
-            <a:endParaRPr lang="en-CA"/>
           </a:p>
         </p:txBody>
       </p:sp>
+      <p:pic>
+        <p:nvPicPr>
+          <p:cNvPr id="64" name="Picture 63">
+            <a:extLst>
+              <a:ext uri="{FF2B5EF4-FFF2-40B4-BE49-F238E27FC236}">
+                <a16:creationId xmlns:a16="http://schemas.microsoft.com/office/drawing/2014/main" id="{956B073F-3444-4E1B-86EA-1B7D5D786514}"/>
+              </a:ext>
+            </a:extLst>
+          </p:cNvPr>
+          <p:cNvPicPr>
+            <a:picLocks noChangeAspect="1"/>
+          </p:cNvPicPr>
+          <p:nvPr/>
+        </p:nvPicPr>
+        <p:blipFill rotWithShape="1">
+          <a:blip r:embed="rId2"/>
+          <a:srcRect l="18527" r="49015"/>
+          <a:stretch/>
+        </p:blipFill>
+        <p:spPr>
+          <a:xfrm>
+            <a:off x="8855996" y="-8467"/>
+            <a:ext cx="3338900" cy="6866467"/>
+          </a:xfrm>
+          <a:prstGeom prst="rect">
+            <a:avLst/>
+          </a:prstGeom>
+        </p:spPr>
+      </p:pic>
     </p:spTree>
     <p:extLst>
       <p:ext uri="{BB962C8B-B14F-4D97-AF65-F5344CB8AC3E}">
-        <p14:creationId xmlns:p14="http://schemas.microsoft.com/office/powerpoint/2010/main" val="1687269289"/>
+        <p14:creationId xmlns:p14="http://schemas.microsoft.com/office/powerpoint/2010/main" val="2229215162"/>
       </p:ext>
     </p:extLst>
   </p:cSld>
@@ -9631,6 +12196,14 @@
 <file path=ppt/slides/slide5.xml><?xml version="1.0" encoding="utf-8"?>
 <p:sld xmlns:a="http://schemas.openxmlformats.org/drawingml/2006/main" xmlns:r="http://schemas.openxmlformats.org/officeDocument/2006/relationships" xmlns:p="http://schemas.openxmlformats.org/presentationml/2006/main">
   <p:cSld>
+    <p:bg>
+      <p:bgPr>
+        <a:solidFill>
+          <a:schemeClr val="bg2"/>
+        </a:solidFill>
+        <a:effectLst/>
+      </p:bgPr>
+    </p:bg>
     <p:spTree>
       <p:nvGrpSpPr>
         <p:cNvPr id="1" name=""/>
@@ -9645,12 +12218,314 @@
           <a:chExt cx="0" cy="0"/>
         </a:xfrm>
       </p:grpSpPr>
+      <p:sp useBgFill="1">
+        <p:nvSpPr>
+          <p:cNvPr id="34" name="Rectangle 33">
+            <a:extLst>
+              <a:ext uri="{FF2B5EF4-FFF2-40B4-BE49-F238E27FC236}">
+                <a16:creationId xmlns:a16="http://schemas.microsoft.com/office/drawing/2014/main" id="{369DB5D3-4B63-4FD1-BA37-8EBACA587A1D}"/>
+              </a:ext>
+              <a:ext uri="{C183D7F6-B498-43B3-948B-1728B52AA6E4}">
+                <adec:decorative xmlns:adec="http://schemas.microsoft.com/office/drawing/2017/decorative" val="1"/>
+              </a:ext>
+            </a:extLst>
+          </p:cNvPr>
+          <p:cNvSpPr>
+            <a:spLocks noGrp="1" noRot="1" noChangeAspect="1" noMove="1" noResize="1" noEditPoints="1" noAdjustHandles="1" noChangeArrowheads="1" noChangeShapeType="1" noTextEdit="1"/>
+          </p:cNvSpPr>
+          <p:nvPr>
+            <p:extLst>
+              <p:ext uri="{386F3935-93C4-4BCD-93E2-E3B085C9AB24}">
+                <p16:designElem xmlns:p16="http://schemas.microsoft.com/office/powerpoint/2015/main" val="1"/>
+              </p:ext>
+            </p:extLst>
+          </p:nvPr>
+        </p:nvSpPr>
+        <p:spPr>
+          <a:xfrm>
+            <a:off x="0" y="0"/>
+            <a:ext cx="12192000" cy="6858000"/>
+          </a:xfrm>
+          <a:prstGeom prst="rect">
+            <a:avLst/>
+          </a:prstGeom>
+          <a:ln w="12700" cap="flat" cmpd="sng" algn="ctr">
+            <a:noFill/>
+            <a:prstDash val="solid"/>
+            <a:miter lim="800000"/>
+          </a:ln>
+          <a:effectLst/>
+          <a:extLst>
+            <a:ext uri="{91240B29-F687-4F45-9708-019B960494DF}">
+              <a14:hiddenLine xmlns:a14="http://schemas.microsoft.com/office/drawing/2010/main" w="12700" cap="flat" cmpd="sng" algn="ctr">
+                <a:solidFill>
+                  <a:schemeClr val="accent1">
+                    <a:shade val="50000"/>
+                  </a:schemeClr>
+                </a:solidFill>
+                <a:prstDash val="solid"/>
+                <a:miter lim="800000"/>
+              </a14:hiddenLine>
+            </a:ext>
+          </a:extLst>
+        </p:spPr>
+        <p:style>
+          <a:lnRef idx="2">
+            <a:schemeClr val="accent1">
+              <a:shade val="50000"/>
+            </a:schemeClr>
+          </a:lnRef>
+          <a:fillRef idx="1">
+            <a:schemeClr val="accent1"/>
+          </a:fillRef>
+          <a:effectRef idx="0">
+            <a:schemeClr val="accent1"/>
+          </a:effectRef>
+          <a:fontRef idx="minor">
+            <a:schemeClr val="lt1"/>
+          </a:fontRef>
+        </p:style>
+        <p:txBody>
+          <a:bodyPr rtlCol="0" anchor="ctr"/>
+          <a:lstStyle/>
+          <a:p>
+            <a:pPr algn="ctr"/>
+            <a:endParaRPr lang="en-US"/>
+          </a:p>
+        </p:txBody>
+      </p:sp>
+      <p:sp>
+        <p:nvSpPr>
+          <p:cNvPr id="36" name="Rectangle 35">
+            <a:extLst>
+              <a:ext uri="{FF2B5EF4-FFF2-40B4-BE49-F238E27FC236}">
+                <a16:creationId xmlns:a16="http://schemas.microsoft.com/office/drawing/2014/main" id="{E7958C06-3C04-49E5-ADC2-F87376A5887C}"/>
+              </a:ext>
+              <a:ext uri="{C183D7F6-B498-43B3-948B-1728B52AA6E4}">
+                <adec:decorative xmlns:adec="http://schemas.microsoft.com/office/drawing/2017/decorative" val="1"/>
+              </a:ext>
+            </a:extLst>
+          </p:cNvPr>
+          <p:cNvSpPr>
+            <a:spLocks noGrp="1" noRot="1" noChangeAspect="1" noMove="1" noResize="1" noEditPoints="1" noAdjustHandles="1" noChangeArrowheads="1" noChangeShapeType="1" noTextEdit="1"/>
+          </p:cNvSpPr>
+          <p:nvPr>
+            <p:extLst>
+              <p:ext uri="{386F3935-93C4-4BCD-93E2-E3B085C9AB24}">
+                <p16:designElem xmlns:p16="http://schemas.microsoft.com/office/powerpoint/2015/main" val="1"/>
+              </p:ext>
+            </p:extLst>
+          </p:nvPr>
+        </p:nvSpPr>
+        <p:spPr>
+          <a:xfrm>
+            <a:off x="-10288" y="0"/>
+            <a:ext cx="7875323" cy="6853236"/>
+          </a:xfrm>
+          <a:prstGeom prst="rect">
+            <a:avLst/>
+          </a:prstGeom>
+          <a:solidFill>
+            <a:schemeClr val="accent2"/>
+          </a:solidFill>
+          <a:ln>
+            <a:noFill/>
+          </a:ln>
+        </p:spPr>
+        <p:style>
+          <a:lnRef idx="2">
+            <a:schemeClr val="accent1">
+              <a:shade val="50000"/>
+            </a:schemeClr>
+          </a:lnRef>
+          <a:fillRef idx="1">
+            <a:schemeClr val="accent1"/>
+          </a:fillRef>
+          <a:effectRef idx="0">
+            <a:schemeClr val="accent1"/>
+          </a:effectRef>
+          <a:fontRef idx="minor">
+            <a:schemeClr val="lt1"/>
+          </a:fontRef>
+        </p:style>
+        <p:txBody>
+          <a:bodyPr rtlCol="0" anchor="ctr"/>
+          <a:lstStyle/>
+          <a:p>
+            <a:pPr algn="ctr"/>
+            <a:endParaRPr lang="en-US"/>
+          </a:p>
+        </p:txBody>
+      </p:sp>
+      <p:sp>
+        <p:nvSpPr>
+          <p:cNvPr id="38" name="Freeform: Shape 37">
+            <a:extLst>
+              <a:ext uri="{FF2B5EF4-FFF2-40B4-BE49-F238E27FC236}">
+                <a16:creationId xmlns:a16="http://schemas.microsoft.com/office/drawing/2014/main" id="{FD4F8B04-08DD-4011-96EC-6196277E6003}"/>
+              </a:ext>
+              <a:ext uri="{C183D7F6-B498-43B3-948B-1728B52AA6E4}">
+                <adec:decorative xmlns:adec="http://schemas.microsoft.com/office/drawing/2017/decorative" val="1"/>
+              </a:ext>
+            </a:extLst>
+          </p:cNvPr>
+          <p:cNvSpPr>
+            <a:spLocks noGrp="1" noRot="1" noChangeAspect="1" noMove="1" noResize="1" noEditPoints="1" noAdjustHandles="1" noChangeArrowheads="1" noChangeShapeType="1" noTextEdit="1"/>
+          </p:cNvSpPr>
+          <p:nvPr>
+            <p:extLst>
+              <p:ext uri="{386F3935-93C4-4BCD-93E2-E3B085C9AB24}">
+                <p16:designElem xmlns:p16="http://schemas.microsoft.com/office/powerpoint/2015/main" val="1"/>
+              </p:ext>
+            </p:extLst>
+          </p:nvPr>
+        </p:nvSpPr>
+        <p:spPr>
+          <a:xfrm rot="10800000">
+            <a:off x="468624" y="0"/>
+            <a:ext cx="7351628" cy="6858000"/>
+          </a:xfrm>
+          <a:custGeom>
+            <a:avLst/>
+            <a:gdLst>
+              <a:gd name="connsiteX0" fmla="*/ 0 w 7351628"/>
+              <a:gd name="connsiteY0" fmla="*/ 0 h 6858000"/>
+              <a:gd name="connsiteX1" fmla="*/ 1482273 w 7351628"/>
+              <a:gd name="connsiteY1" fmla="*/ 0 h 6858000"/>
+              <a:gd name="connsiteX2" fmla="*/ 2438400 w 7351628"/>
+              <a:gd name="connsiteY2" fmla="*/ 0 h 6858000"/>
+              <a:gd name="connsiteX3" fmla="*/ 7351628 w 7351628"/>
+              <a:gd name="connsiteY3" fmla="*/ 0 h 6858000"/>
+              <a:gd name="connsiteX4" fmla="*/ 3920673 w 7351628"/>
+              <a:gd name="connsiteY4" fmla="*/ 3430955 h 6858000"/>
+              <a:gd name="connsiteX5" fmla="*/ 7175072 w 7351628"/>
+              <a:gd name="connsiteY5" fmla="*/ 6857446 h 6858000"/>
+              <a:gd name="connsiteX6" fmla="*/ 7196984 w 7351628"/>
+              <a:gd name="connsiteY6" fmla="*/ 6858000 h 6858000"/>
+              <a:gd name="connsiteX7" fmla="*/ 2438400 w 7351628"/>
+              <a:gd name="connsiteY7" fmla="*/ 6858000 h 6858000"/>
+              <a:gd name="connsiteX8" fmla="*/ 1482273 w 7351628"/>
+              <a:gd name="connsiteY8" fmla="*/ 6858000 h 6858000"/>
+              <a:gd name="connsiteX9" fmla="*/ 0 w 7351628"/>
+              <a:gd name="connsiteY9" fmla="*/ 6858000 h 6858000"/>
+            </a:gdLst>
+            <a:ahLst/>
+            <a:cxnLst>
+              <a:cxn ang="0">
+                <a:pos x="connsiteX0" y="connsiteY0"/>
+              </a:cxn>
+              <a:cxn ang="0">
+                <a:pos x="connsiteX1" y="connsiteY1"/>
+              </a:cxn>
+              <a:cxn ang="0">
+                <a:pos x="connsiteX2" y="connsiteY2"/>
+              </a:cxn>
+              <a:cxn ang="0">
+                <a:pos x="connsiteX3" y="connsiteY3"/>
+              </a:cxn>
+              <a:cxn ang="0">
+                <a:pos x="connsiteX4" y="connsiteY4"/>
+              </a:cxn>
+              <a:cxn ang="0">
+                <a:pos x="connsiteX5" y="connsiteY5"/>
+              </a:cxn>
+              <a:cxn ang="0">
+                <a:pos x="connsiteX6" y="connsiteY6"/>
+              </a:cxn>
+              <a:cxn ang="0">
+                <a:pos x="connsiteX7" y="connsiteY7"/>
+              </a:cxn>
+              <a:cxn ang="0">
+                <a:pos x="connsiteX8" y="connsiteY8"/>
+              </a:cxn>
+              <a:cxn ang="0">
+                <a:pos x="connsiteX9" y="connsiteY9"/>
+              </a:cxn>
+            </a:cxnLst>
+            <a:rect l="l" t="t" r="r" b="b"/>
+            <a:pathLst>
+              <a:path w="7351628" h="6858000">
+                <a:moveTo>
+                  <a:pt x="0" y="0"/>
+                </a:moveTo>
+                <a:lnTo>
+                  <a:pt x="1482273" y="0"/>
+                </a:lnTo>
+                <a:lnTo>
+                  <a:pt x="2438400" y="0"/>
+                </a:lnTo>
+                <a:lnTo>
+                  <a:pt x="7351628" y="0"/>
+                </a:lnTo>
+                <a:cubicBezTo>
+                  <a:pt x="5456764" y="0"/>
+                  <a:pt x="3920673" y="1536091"/>
+                  <a:pt x="3920673" y="3430955"/>
+                </a:cubicBezTo>
+                <a:cubicBezTo>
+                  <a:pt x="3920673" y="5266604"/>
+                  <a:pt x="5362258" y="6765554"/>
+                  <a:pt x="7175072" y="6857446"/>
+                </a:cubicBezTo>
+                <a:lnTo>
+                  <a:pt x="7196984" y="6858000"/>
+                </a:lnTo>
+                <a:lnTo>
+                  <a:pt x="2438400" y="6858000"/>
+                </a:lnTo>
+                <a:lnTo>
+                  <a:pt x="1482273" y="6858000"/>
+                </a:lnTo>
+                <a:lnTo>
+                  <a:pt x="0" y="6858000"/>
+                </a:lnTo>
+                <a:close/>
+              </a:path>
+            </a:pathLst>
+          </a:custGeom>
+          <a:solidFill>
+            <a:schemeClr val="accent2">
+              <a:lumMod val="75000"/>
+              <a:alpha val="70000"/>
+            </a:schemeClr>
+          </a:solidFill>
+          <a:ln>
+            <a:noFill/>
+          </a:ln>
+        </p:spPr>
+        <p:style>
+          <a:lnRef idx="2">
+            <a:schemeClr val="accent1">
+              <a:shade val="50000"/>
+            </a:schemeClr>
+          </a:lnRef>
+          <a:fillRef idx="1">
+            <a:schemeClr val="accent1"/>
+          </a:fillRef>
+          <a:effectRef idx="0">
+            <a:schemeClr val="accent1"/>
+          </a:effectRef>
+          <a:fontRef idx="minor">
+            <a:schemeClr val="lt1"/>
+          </a:fontRef>
+        </p:style>
+        <p:txBody>
+          <a:bodyPr wrap="square" rtlCol="0" anchor="ctr">
+            <a:noAutofit/>
+          </a:bodyPr>
+          <a:lstStyle/>
+          <a:p>
+            <a:pPr algn="ctr"/>
+            <a:endParaRPr lang="en-US" dirty="0"/>
+          </a:p>
+        </p:txBody>
+      </p:sp>
       <p:sp>
         <p:nvSpPr>
           <p:cNvPr id="2" name="Title 1">
             <a:extLst>
               <a:ext uri="{FF2B5EF4-FFF2-40B4-BE49-F238E27FC236}">
-                <a16:creationId xmlns:a16="http://schemas.microsoft.com/office/drawing/2014/main" id="{1F28C1BB-7A4D-478A-A61E-D63EEC5A069D}"/>
+                <a16:creationId xmlns:a16="http://schemas.microsoft.com/office/drawing/2014/main" id="{9F873911-94EA-4BC6-A678-B9B68084618D}"/>
               </a:ext>
             </a:extLst>
           </p:cNvPr>
@@ -9661,48 +12536,635 @@
             <p:ph type="title"/>
           </p:nvPr>
         </p:nvSpPr>
-        <p:spPr/>
+        <p:spPr>
+          <a:xfrm>
+            <a:off x="609600" y="685800"/>
+            <a:ext cx="2952465" cy="5486400"/>
+          </a:xfrm>
+        </p:spPr>
         <p:txBody>
-          <a:bodyPr/>
+          <a:bodyPr vert="horz" lIns="91440" tIns="45720" rIns="91440" bIns="45720" rtlCol="0" anchor="ctr">
+            <a:normAutofit/>
+          </a:bodyPr>
           <a:lstStyle/>
           <a:p>
             <a:r>
-              <a:rPr lang="en-US" dirty="0"/>
-              <a:t>ERD Diagram</a:t>
+              <a:rPr lang="en-US" dirty="0">
+                <a:solidFill>
+                  <a:srgbClr val="FFFFFF"/>
+                </a:solidFill>
+              </a:rPr>
+              <a:t>Step 1: Find Relevant Data Sources</a:t>
             </a:r>
-            <a:endParaRPr lang="en-CA" dirty="0"/>
+          </a:p>
+        </p:txBody>
+      </p:sp>
+      <p:sp useBgFill="1">
+        <p:nvSpPr>
+          <p:cNvPr id="40" name="Freeform: Shape 39">
+            <a:extLst>
+              <a:ext uri="{FF2B5EF4-FFF2-40B4-BE49-F238E27FC236}">
+                <a16:creationId xmlns:a16="http://schemas.microsoft.com/office/drawing/2014/main" id="{068666C8-2303-425E-AD7D-7978AF7FA454}"/>
+              </a:ext>
+              <a:ext uri="{C183D7F6-B498-43B3-948B-1728B52AA6E4}">
+                <adec:decorative xmlns:adec="http://schemas.microsoft.com/office/drawing/2017/decorative" val="1"/>
+              </a:ext>
+            </a:extLst>
+          </p:cNvPr>
+          <p:cNvSpPr>
+            <a:spLocks noGrp="1" noRot="1" noChangeAspect="1" noMove="1" noResize="1" noEditPoints="1" noAdjustHandles="1" noChangeArrowheads="1" noChangeShapeType="1" noTextEdit="1"/>
+          </p:cNvSpPr>
+          <p:nvPr>
+            <p:extLst>
+              <p:ext uri="{386F3935-93C4-4BCD-93E2-E3B085C9AB24}">
+                <p16:designElem xmlns:p16="http://schemas.microsoft.com/office/powerpoint/2015/main" val="1"/>
+              </p:ext>
+            </p:extLst>
+          </p:nvPr>
+        </p:nvSpPr>
+        <p:spPr>
+          <a:xfrm rot="10800000">
+            <a:off x="3904573" y="0"/>
+            <a:ext cx="5963231" cy="6861910"/>
+          </a:xfrm>
+          <a:custGeom>
+            <a:avLst/>
+            <a:gdLst>
+              <a:gd name="connsiteX0" fmla="*/ 2532276 w 5963231"/>
+              <a:gd name="connsiteY0" fmla="*/ 6861910 h 6861910"/>
+              <a:gd name="connsiteX1" fmla="*/ 2377645 w 5963231"/>
+              <a:gd name="connsiteY1" fmla="*/ 6858000 h 6861910"/>
+              <a:gd name="connsiteX2" fmla="*/ 0 w 5963231"/>
+              <a:gd name="connsiteY2" fmla="*/ 6858000 h 6861910"/>
+              <a:gd name="connsiteX3" fmla="*/ 0 w 5963231"/>
+              <a:gd name="connsiteY3" fmla="*/ 0 h 6861910"/>
+              <a:gd name="connsiteX4" fmla="*/ 2532276 w 5963231"/>
+              <a:gd name="connsiteY4" fmla="*/ 0 h 6861910"/>
+              <a:gd name="connsiteX5" fmla="*/ 2547568 w 5963231"/>
+              <a:gd name="connsiteY5" fmla="*/ 0 h 6861910"/>
+              <a:gd name="connsiteX6" fmla="*/ 2547568 w 5963231"/>
+              <a:gd name="connsiteY6" fmla="*/ 387 h 6861910"/>
+              <a:gd name="connsiteX7" fmla="*/ 2708832 w 5963231"/>
+              <a:gd name="connsiteY7" fmla="*/ 4464 h 6861910"/>
+              <a:gd name="connsiteX8" fmla="*/ 5963231 w 5963231"/>
+              <a:gd name="connsiteY8" fmla="*/ 3430955 h 6861910"/>
+              <a:gd name="connsiteX9" fmla="*/ 2532276 w 5963231"/>
+              <a:gd name="connsiteY9" fmla="*/ 6861910 h 6861910"/>
+              <a:gd name="connsiteX0" fmla="*/ 2532276 w 5963231"/>
+              <a:gd name="connsiteY0" fmla="*/ 6861910 h 6861910"/>
+              <a:gd name="connsiteX1" fmla="*/ 0 w 5963231"/>
+              <a:gd name="connsiteY1" fmla="*/ 6858000 h 6861910"/>
+              <a:gd name="connsiteX2" fmla="*/ 0 w 5963231"/>
+              <a:gd name="connsiteY2" fmla="*/ 0 h 6861910"/>
+              <a:gd name="connsiteX3" fmla="*/ 2532276 w 5963231"/>
+              <a:gd name="connsiteY3" fmla="*/ 0 h 6861910"/>
+              <a:gd name="connsiteX4" fmla="*/ 2547568 w 5963231"/>
+              <a:gd name="connsiteY4" fmla="*/ 0 h 6861910"/>
+              <a:gd name="connsiteX5" fmla="*/ 2547568 w 5963231"/>
+              <a:gd name="connsiteY5" fmla="*/ 387 h 6861910"/>
+              <a:gd name="connsiteX6" fmla="*/ 2708832 w 5963231"/>
+              <a:gd name="connsiteY6" fmla="*/ 4464 h 6861910"/>
+              <a:gd name="connsiteX7" fmla="*/ 5963231 w 5963231"/>
+              <a:gd name="connsiteY7" fmla="*/ 3430955 h 6861910"/>
+              <a:gd name="connsiteX8" fmla="*/ 2532276 w 5963231"/>
+              <a:gd name="connsiteY8" fmla="*/ 6861910 h 6861910"/>
+            </a:gdLst>
+            <a:ahLst/>
+            <a:cxnLst>
+              <a:cxn ang="0">
+                <a:pos x="connsiteX0" y="connsiteY0"/>
+              </a:cxn>
+              <a:cxn ang="0">
+                <a:pos x="connsiteX1" y="connsiteY1"/>
+              </a:cxn>
+              <a:cxn ang="0">
+                <a:pos x="connsiteX2" y="connsiteY2"/>
+              </a:cxn>
+              <a:cxn ang="0">
+                <a:pos x="connsiteX3" y="connsiteY3"/>
+              </a:cxn>
+              <a:cxn ang="0">
+                <a:pos x="connsiteX4" y="connsiteY4"/>
+              </a:cxn>
+              <a:cxn ang="0">
+                <a:pos x="connsiteX5" y="connsiteY5"/>
+              </a:cxn>
+              <a:cxn ang="0">
+                <a:pos x="connsiteX6" y="connsiteY6"/>
+              </a:cxn>
+              <a:cxn ang="0">
+                <a:pos x="connsiteX7" y="connsiteY7"/>
+              </a:cxn>
+              <a:cxn ang="0">
+                <a:pos x="connsiteX8" y="connsiteY8"/>
+              </a:cxn>
+            </a:cxnLst>
+            <a:rect l="l" t="t" r="r" b="b"/>
+            <a:pathLst>
+              <a:path w="5963231" h="6861910">
+                <a:moveTo>
+                  <a:pt x="2532276" y="6861910"/>
+                </a:moveTo>
+                <a:lnTo>
+                  <a:pt x="0" y="6858000"/>
+                </a:lnTo>
+                <a:lnTo>
+                  <a:pt x="0" y="0"/>
+                </a:lnTo>
+                <a:lnTo>
+                  <a:pt x="2532276" y="0"/>
+                </a:lnTo>
+                <a:lnTo>
+                  <a:pt x="2547568" y="0"/>
+                </a:lnTo>
+                <a:lnTo>
+                  <a:pt x="2547568" y="387"/>
+                </a:lnTo>
+                <a:lnTo>
+                  <a:pt x="2708832" y="4464"/>
+                </a:lnTo>
+                <a:cubicBezTo>
+                  <a:pt x="4521646" y="96356"/>
+                  <a:pt x="5963231" y="1595306"/>
+                  <a:pt x="5963231" y="3430955"/>
+                </a:cubicBezTo>
+                <a:cubicBezTo>
+                  <a:pt x="5963231" y="5325819"/>
+                  <a:pt x="4427140" y="6861910"/>
+                  <a:pt x="2532276" y="6861910"/>
+                </a:cubicBezTo>
+                <a:close/>
+              </a:path>
+            </a:pathLst>
+          </a:custGeom>
+          <a:ln w="3175">
+            <a:noFill/>
+          </a:ln>
+        </p:spPr>
+        <p:style>
+          <a:lnRef idx="2">
+            <a:schemeClr val="accent1">
+              <a:shade val="50000"/>
+            </a:schemeClr>
+          </a:lnRef>
+          <a:fillRef idx="1">
+            <a:schemeClr val="accent1"/>
+          </a:fillRef>
+          <a:effectRef idx="0">
+            <a:schemeClr val="accent1"/>
+          </a:effectRef>
+          <a:fontRef idx="minor">
+            <a:schemeClr val="lt1"/>
+          </a:fontRef>
+        </p:style>
+        <p:txBody>
+          <a:bodyPr wrap="square" rtlCol="0" anchor="ctr">
+            <a:noAutofit/>
+          </a:bodyPr>
+          <a:lstStyle/>
+          <a:p>
+            <a:pPr algn="ctr"/>
+            <a:endParaRPr lang="en-US"/>
           </a:p>
         </p:txBody>
       </p:sp>
       <p:sp>
         <p:nvSpPr>
-          <p:cNvPr id="3" name="Content Placeholder 2">
+          <p:cNvPr id="16" name="Rectangle 15">
             <a:extLst>
               <a:ext uri="{FF2B5EF4-FFF2-40B4-BE49-F238E27FC236}">
-                <a16:creationId xmlns:a16="http://schemas.microsoft.com/office/drawing/2014/main" id="{449A76A1-E0CA-4EAF-AA2F-FA4E54B17D33}"/>
+                <a16:creationId xmlns:a16="http://schemas.microsoft.com/office/drawing/2014/main" id="{8CC60054-A2CF-43FA-8459-0F263B4B5A8E}"/>
               </a:ext>
             </a:extLst>
           </p:cNvPr>
-          <p:cNvSpPr>
-            <a:spLocks noGrp="1"/>
-          </p:cNvSpPr>
-          <p:nvPr>
-            <p:ph idx="1"/>
-          </p:nvPr>
+          <p:cNvSpPr/>
+          <p:nvPr/>
         </p:nvSpPr>
-        <p:spPr/>
+        <p:spPr>
+          <a:xfrm>
+            <a:off x="7976638" y="2860590"/>
+            <a:ext cx="1524513" cy="638381"/>
+          </a:xfrm>
+          <a:prstGeom prst="rect">
+            <a:avLst/>
+          </a:prstGeom>
+          <a:solidFill>
+            <a:srgbClr val="0070C0"/>
+          </a:solidFill>
+        </p:spPr>
+        <p:style>
+          <a:lnRef idx="2">
+            <a:schemeClr val="accent1">
+              <a:shade val="50000"/>
+            </a:schemeClr>
+          </a:lnRef>
+          <a:fillRef idx="1">
+            <a:schemeClr val="accent1"/>
+          </a:fillRef>
+          <a:effectRef idx="0">
+            <a:schemeClr val="accent1"/>
+          </a:effectRef>
+          <a:fontRef idx="minor">
+            <a:schemeClr val="lt1"/>
+          </a:fontRef>
+        </p:style>
         <p:txBody>
-          <a:bodyPr/>
+          <a:bodyPr rtlCol="0" anchor="ctr"/>
           <a:lstStyle/>
           <a:p>
-            <a:endParaRPr lang="en-CA"/>
+            <a:pPr algn="ctr"/>
+            <a:r>
+              <a:rPr lang="en-US" b="1" dirty="0"/>
+              <a:t>Datasets</a:t>
+            </a:r>
+            <a:endParaRPr lang="en-CA" b="1" dirty="0"/>
+          </a:p>
+        </p:txBody>
+      </p:sp>
+      <p:sp>
+        <p:nvSpPr>
+          <p:cNvPr id="17" name="Oval 16">
+            <a:extLst>
+              <a:ext uri="{FF2B5EF4-FFF2-40B4-BE49-F238E27FC236}">
+                <a16:creationId xmlns:a16="http://schemas.microsoft.com/office/drawing/2014/main" id="{745BCC27-733B-4DB1-BFB7-2103BB5C0873}"/>
+              </a:ext>
+            </a:extLst>
+          </p:cNvPr>
+          <p:cNvSpPr/>
+          <p:nvPr/>
+        </p:nvSpPr>
+        <p:spPr>
+          <a:xfrm>
+            <a:off x="5931312" y="2011524"/>
+            <a:ext cx="1509834" cy="893919"/>
+          </a:xfrm>
+          <a:prstGeom prst="ellipse">
+            <a:avLst/>
+          </a:prstGeom>
+          <a:solidFill>
+            <a:srgbClr val="0070C0"/>
+          </a:solidFill>
+        </p:spPr>
+        <p:style>
+          <a:lnRef idx="2">
+            <a:schemeClr val="accent1">
+              <a:shade val="50000"/>
+            </a:schemeClr>
+          </a:lnRef>
+          <a:fillRef idx="1">
+            <a:schemeClr val="accent1"/>
+          </a:fillRef>
+          <a:effectRef idx="0">
+            <a:schemeClr val="accent1"/>
+          </a:effectRef>
+          <a:fontRef idx="minor">
+            <a:schemeClr val="lt1"/>
+          </a:fontRef>
+        </p:style>
+        <p:txBody>
+          <a:bodyPr rtlCol="0" anchor="ctr"/>
+          <a:lstStyle/>
+          <a:p>
+            <a:pPr algn="ctr"/>
+            <a:r>
+              <a:rPr lang="en-US" sz="1400" dirty="0"/>
+              <a:t>FAO</a:t>
+            </a:r>
+            <a:endParaRPr lang="en-CA" sz="1400" dirty="0"/>
+          </a:p>
+        </p:txBody>
+      </p:sp>
+      <p:sp>
+        <p:nvSpPr>
+          <p:cNvPr id="18" name="Oval 17">
+            <a:extLst>
+              <a:ext uri="{FF2B5EF4-FFF2-40B4-BE49-F238E27FC236}">
+                <a16:creationId xmlns:a16="http://schemas.microsoft.com/office/drawing/2014/main" id="{381FC745-6828-4301-8805-D03F3888183C}"/>
+              </a:ext>
+            </a:extLst>
+          </p:cNvPr>
+          <p:cNvSpPr/>
+          <p:nvPr/>
+        </p:nvSpPr>
+        <p:spPr>
+          <a:xfrm>
+            <a:off x="5931312" y="3734908"/>
+            <a:ext cx="1545223" cy="875081"/>
+          </a:xfrm>
+          <a:prstGeom prst="ellipse">
+            <a:avLst/>
+          </a:prstGeom>
+          <a:solidFill>
+            <a:srgbClr val="0070C0"/>
+          </a:solidFill>
+        </p:spPr>
+        <p:style>
+          <a:lnRef idx="2">
+            <a:schemeClr val="accent1">
+              <a:shade val="50000"/>
+            </a:schemeClr>
+          </a:lnRef>
+          <a:fillRef idx="1">
+            <a:schemeClr val="accent1"/>
+          </a:fillRef>
+          <a:effectRef idx="0">
+            <a:schemeClr val="accent1"/>
+          </a:effectRef>
+          <a:fontRef idx="minor">
+            <a:schemeClr val="lt1"/>
+          </a:fontRef>
+        </p:style>
+        <p:txBody>
+          <a:bodyPr rtlCol="0" anchor="ctr"/>
+          <a:lstStyle/>
+          <a:p>
+            <a:pPr algn="ctr"/>
+            <a:r>
+              <a:rPr lang="en-US" sz="1400" dirty="0"/>
+              <a:t>WHO</a:t>
+            </a:r>
+            <a:endParaRPr lang="en-CA" sz="1400" dirty="0"/>
+          </a:p>
+        </p:txBody>
+      </p:sp>
+      <p:sp>
+        <p:nvSpPr>
+          <p:cNvPr id="19" name="Oval 18">
+            <a:extLst>
+              <a:ext uri="{FF2B5EF4-FFF2-40B4-BE49-F238E27FC236}">
+                <a16:creationId xmlns:a16="http://schemas.microsoft.com/office/drawing/2014/main" id="{4C429383-9238-4FC8-AAC2-954BF841018F}"/>
+              </a:ext>
+            </a:extLst>
+          </p:cNvPr>
+          <p:cNvSpPr/>
+          <p:nvPr/>
+        </p:nvSpPr>
+        <p:spPr>
+          <a:xfrm>
+            <a:off x="10037555" y="3734908"/>
+            <a:ext cx="1545223" cy="879870"/>
+          </a:xfrm>
+          <a:prstGeom prst="ellipse">
+            <a:avLst/>
+          </a:prstGeom>
+          <a:solidFill>
+            <a:srgbClr val="0070C0"/>
+          </a:solidFill>
+        </p:spPr>
+        <p:style>
+          <a:lnRef idx="2">
+            <a:schemeClr val="accent1">
+              <a:shade val="50000"/>
+            </a:schemeClr>
+          </a:lnRef>
+          <a:fillRef idx="1">
+            <a:schemeClr val="accent1"/>
+          </a:fillRef>
+          <a:effectRef idx="0">
+            <a:schemeClr val="accent1"/>
+          </a:effectRef>
+          <a:fontRef idx="minor">
+            <a:schemeClr val="lt1"/>
+          </a:fontRef>
+        </p:style>
+        <p:txBody>
+          <a:bodyPr rtlCol="0" anchor="ctr"/>
+          <a:lstStyle/>
+          <a:p>
+            <a:pPr algn="ctr"/>
+            <a:r>
+              <a:rPr lang="en-US" sz="1300" dirty="0"/>
+              <a:t>World-bank</a:t>
+            </a:r>
+            <a:endParaRPr lang="en-CA" sz="1300" dirty="0"/>
+          </a:p>
+        </p:txBody>
+      </p:sp>
+      <p:cxnSp>
+        <p:nvCxnSpPr>
+          <p:cNvPr id="20" name="Straight Arrow Connector 19">
+            <a:extLst>
+              <a:ext uri="{FF2B5EF4-FFF2-40B4-BE49-F238E27FC236}">
+                <a16:creationId xmlns:a16="http://schemas.microsoft.com/office/drawing/2014/main" id="{21E2A7BD-07A9-4B87-A744-D8908E965866}"/>
+              </a:ext>
+            </a:extLst>
+          </p:cNvPr>
+          <p:cNvCxnSpPr>
+            <a:cxnSpLocks/>
+            <a:stCxn id="18" idx="6"/>
+          </p:cNvCxnSpPr>
+          <p:nvPr/>
+        </p:nvCxnSpPr>
+        <p:spPr>
+          <a:xfrm flipV="1">
+            <a:off x="7476535" y="3498971"/>
+            <a:ext cx="496234" cy="673478"/>
+          </a:xfrm>
+          <a:prstGeom prst="straightConnector1">
+            <a:avLst/>
+          </a:prstGeom>
+          <a:ln>
+            <a:tailEnd type="triangle"/>
+          </a:ln>
+        </p:spPr>
+        <p:style>
+          <a:lnRef idx="1">
+            <a:schemeClr val="accent1"/>
+          </a:lnRef>
+          <a:fillRef idx="0">
+            <a:schemeClr val="accent1"/>
+          </a:fillRef>
+          <a:effectRef idx="0">
+            <a:schemeClr val="accent1"/>
+          </a:effectRef>
+          <a:fontRef idx="minor">
+            <a:schemeClr val="tx1"/>
+          </a:fontRef>
+        </p:style>
+      </p:cxnSp>
+      <p:cxnSp>
+        <p:nvCxnSpPr>
+          <p:cNvPr id="21" name="Straight Arrow Connector 20">
+            <a:extLst>
+              <a:ext uri="{FF2B5EF4-FFF2-40B4-BE49-F238E27FC236}">
+                <a16:creationId xmlns:a16="http://schemas.microsoft.com/office/drawing/2014/main" id="{3D88C592-2BE9-461F-85EF-6EA059C83884}"/>
+              </a:ext>
+            </a:extLst>
+          </p:cNvPr>
+          <p:cNvCxnSpPr>
+            <a:cxnSpLocks/>
+            <a:stCxn id="17" idx="6"/>
+          </p:cNvCxnSpPr>
+          <p:nvPr/>
+        </p:nvCxnSpPr>
+        <p:spPr>
+          <a:xfrm>
+            <a:off x="7441146" y="2458484"/>
+            <a:ext cx="531623" cy="402106"/>
+          </a:xfrm>
+          <a:prstGeom prst="straightConnector1">
+            <a:avLst/>
+          </a:prstGeom>
+          <a:ln>
+            <a:tailEnd type="triangle"/>
+          </a:ln>
+        </p:spPr>
+        <p:style>
+          <a:lnRef idx="1">
+            <a:schemeClr val="accent1"/>
+          </a:lnRef>
+          <a:fillRef idx="0">
+            <a:schemeClr val="accent1"/>
+          </a:fillRef>
+          <a:effectRef idx="0">
+            <a:schemeClr val="accent1"/>
+          </a:effectRef>
+          <a:fontRef idx="minor">
+            <a:schemeClr val="tx1"/>
+          </a:fontRef>
+        </p:style>
+      </p:cxnSp>
+      <p:cxnSp>
+        <p:nvCxnSpPr>
+          <p:cNvPr id="22" name="Straight Arrow Connector 21">
+            <a:extLst>
+              <a:ext uri="{FF2B5EF4-FFF2-40B4-BE49-F238E27FC236}">
+                <a16:creationId xmlns:a16="http://schemas.microsoft.com/office/drawing/2014/main" id="{F7544CF2-EF8E-47D0-AF44-ECE204E12109}"/>
+              </a:ext>
+            </a:extLst>
+          </p:cNvPr>
+          <p:cNvCxnSpPr>
+            <a:cxnSpLocks/>
+            <a:stCxn id="24" idx="2"/>
+          </p:cNvCxnSpPr>
+          <p:nvPr/>
+        </p:nvCxnSpPr>
+        <p:spPr>
+          <a:xfrm flipH="1">
+            <a:off x="9495963" y="2465508"/>
+            <a:ext cx="541214" cy="419059"/>
+          </a:xfrm>
+          <a:prstGeom prst="straightConnector1">
+            <a:avLst/>
+          </a:prstGeom>
+          <a:ln>
+            <a:tailEnd type="triangle"/>
+          </a:ln>
+        </p:spPr>
+        <p:style>
+          <a:lnRef idx="1">
+            <a:schemeClr val="accent1"/>
+          </a:lnRef>
+          <a:fillRef idx="0">
+            <a:schemeClr val="accent1"/>
+          </a:fillRef>
+          <a:effectRef idx="0">
+            <a:schemeClr val="accent1"/>
+          </a:effectRef>
+          <a:fontRef idx="minor">
+            <a:schemeClr val="tx1"/>
+          </a:fontRef>
+        </p:style>
+      </p:cxnSp>
+      <p:cxnSp>
+        <p:nvCxnSpPr>
+          <p:cNvPr id="23" name="Straight Arrow Connector 22">
+            <a:extLst>
+              <a:ext uri="{FF2B5EF4-FFF2-40B4-BE49-F238E27FC236}">
+                <a16:creationId xmlns:a16="http://schemas.microsoft.com/office/drawing/2014/main" id="{427D6E78-D2EC-4544-8122-AE9719D89EA6}"/>
+              </a:ext>
+            </a:extLst>
+          </p:cNvPr>
+          <p:cNvCxnSpPr>
+            <a:cxnSpLocks/>
+            <a:stCxn id="19" idx="2"/>
+          </p:cNvCxnSpPr>
+          <p:nvPr/>
+        </p:nvCxnSpPr>
+        <p:spPr>
+          <a:xfrm flipH="1" flipV="1">
+            <a:off x="9517993" y="3498973"/>
+            <a:ext cx="519562" cy="675870"/>
+          </a:xfrm>
+          <a:prstGeom prst="straightConnector1">
+            <a:avLst/>
+          </a:prstGeom>
+          <a:ln>
+            <a:tailEnd type="triangle"/>
+          </a:ln>
+        </p:spPr>
+        <p:style>
+          <a:lnRef idx="1">
+            <a:schemeClr val="accent1"/>
+          </a:lnRef>
+          <a:fillRef idx="0">
+            <a:schemeClr val="accent1"/>
+          </a:fillRef>
+          <a:effectRef idx="0">
+            <a:schemeClr val="accent1"/>
+          </a:effectRef>
+          <a:fontRef idx="minor">
+            <a:schemeClr val="tx1"/>
+          </a:fontRef>
+        </p:style>
+      </p:cxnSp>
+      <p:sp>
+        <p:nvSpPr>
+          <p:cNvPr id="24" name="Oval 23">
+            <a:extLst>
+              <a:ext uri="{FF2B5EF4-FFF2-40B4-BE49-F238E27FC236}">
+                <a16:creationId xmlns:a16="http://schemas.microsoft.com/office/drawing/2014/main" id="{2219F525-70C5-44AB-808E-A04B3C958E2C}"/>
+              </a:ext>
+            </a:extLst>
+          </p:cNvPr>
+          <p:cNvSpPr/>
+          <p:nvPr/>
+        </p:nvSpPr>
+        <p:spPr>
+          <a:xfrm>
+            <a:off x="10037177" y="2025573"/>
+            <a:ext cx="1545223" cy="879870"/>
+          </a:xfrm>
+          <a:prstGeom prst="ellipse">
+            <a:avLst/>
+          </a:prstGeom>
+          <a:solidFill>
+            <a:srgbClr val="0070C0"/>
+          </a:solidFill>
+        </p:spPr>
+        <p:style>
+          <a:lnRef idx="2">
+            <a:schemeClr val="accent1">
+              <a:shade val="50000"/>
+            </a:schemeClr>
+          </a:lnRef>
+          <a:fillRef idx="1">
+            <a:schemeClr val="accent1"/>
+          </a:fillRef>
+          <a:effectRef idx="0">
+            <a:schemeClr val="accent1"/>
+          </a:effectRef>
+          <a:fontRef idx="minor">
+            <a:schemeClr val="lt1"/>
+          </a:fontRef>
+        </p:style>
+        <p:txBody>
+          <a:bodyPr rtlCol="0" anchor="ctr"/>
+          <a:lstStyle/>
+          <a:p>
+            <a:pPr algn="ctr"/>
+            <a:r>
+              <a:rPr lang="en-US" sz="1300" dirty="0"/>
+              <a:t>Kaggle</a:t>
+            </a:r>
+            <a:endParaRPr lang="en-CA" sz="1300" dirty="0"/>
           </a:p>
         </p:txBody>
       </p:sp>
     </p:spTree>
     <p:extLst>
       <p:ext uri="{BB962C8B-B14F-4D97-AF65-F5344CB8AC3E}">
-        <p14:creationId xmlns:p14="http://schemas.microsoft.com/office/powerpoint/2010/main" val="2977742429"/>
+        <p14:creationId xmlns:p14="http://schemas.microsoft.com/office/powerpoint/2010/main" val="2526825129"/>
       </p:ext>
     </p:extLst>
   </p:cSld>
@@ -9715,6 +13177,14 @@
 <file path=ppt/slides/slide6.xml><?xml version="1.0" encoding="utf-8"?>
 <p:sld xmlns:a="http://schemas.openxmlformats.org/drawingml/2006/main" xmlns:r="http://schemas.openxmlformats.org/officeDocument/2006/relationships" xmlns:p="http://schemas.openxmlformats.org/presentationml/2006/main">
   <p:cSld>
+    <p:bg>
+      <p:bgPr>
+        <a:solidFill>
+          <a:schemeClr val="bg2"/>
+        </a:solidFill>
+        <a:effectLst/>
+      </p:bgPr>
+    </p:bg>
     <p:spTree>
       <p:nvGrpSpPr>
         <p:cNvPr id="1" name=""/>
@@ -9729,12 +13199,411 @@
           <a:chExt cx="0" cy="0"/>
         </a:xfrm>
       </p:grpSpPr>
+      <p:sp useBgFill="1">
+        <p:nvSpPr>
+          <p:cNvPr id="9" name="Rectangle 8">
+            <a:extLst>
+              <a:ext uri="{FF2B5EF4-FFF2-40B4-BE49-F238E27FC236}">
+                <a16:creationId xmlns:a16="http://schemas.microsoft.com/office/drawing/2014/main" id="{C4DD10E6-914E-4F17-ABD5-8F016C23EE57}"/>
+              </a:ext>
+              <a:ext uri="{C183D7F6-B498-43B3-948B-1728B52AA6E4}">
+                <adec:decorative xmlns:adec="http://schemas.microsoft.com/office/drawing/2017/decorative" val="1"/>
+              </a:ext>
+            </a:extLst>
+          </p:cNvPr>
+          <p:cNvSpPr>
+            <a:spLocks noGrp="1" noRot="1" noChangeAspect="1" noMove="1" noResize="1" noEditPoints="1" noAdjustHandles="1" noChangeArrowheads="1" noChangeShapeType="1" noTextEdit="1"/>
+          </p:cNvSpPr>
+          <p:nvPr>
+            <p:extLst>
+              <p:ext uri="{386F3935-93C4-4BCD-93E2-E3B085C9AB24}">
+                <p16:designElem xmlns:p16="http://schemas.microsoft.com/office/powerpoint/2015/main" val="1"/>
+              </p:ext>
+            </p:extLst>
+          </p:nvPr>
+        </p:nvSpPr>
+        <p:spPr>
+          <a:xfrm>
+            <a:off x="0" y="0"/>
+            <a:ext cx="12192000" cy="6858000"/>
+          </a:xfrm>
+          <a:prstGeom prst="rect">
+            <a:avLst/>
+          </a:prstGeom>
+          <a:ln w="12700" cap="flat" cmpd="sng" algn="ctr">
+            <a:noFill/>
+            <a:prstDash val="solid"/>
+            <a:miter lim="800000"/>
+          </a:ln>
+          <a:effectLst/>
+          <a:extLst>
+            <a:ext uri="{91240B29-F687-4F45-9708-019B960494DF}">
+              <a14:hiddenLine xmlns:a14="http://schemas.microsoft.com/office/drawing/2010/main" w="12700" cap="flat" cmpd="sng" algn="ctr">
+                <a:solidFill>
+                  <a:schemeClr val="accent1">
+                    <a:shade val="50000"/>
+                  </a:schemeClr>
+                </a:solidFill>
+                <a:prstDash val="solid"/>
+                <a:miter lim="800000"/>
+              </a14:hiddenLine>
+            </a:ext>
+          </a:extLst>
+        </p:spPr>
+        <p:style>
+          <a:lnRef idx="2">
+            <a:schemeClr val="accent1">
+              <a:shade val="50000"/>
+            </a:schemeClr>
+          </a:lnRef>
+          <a:fillRef idx="1">
+            <a:schemeClr val="accent1"/>
+          </a:fillRef>
+          <a:effectRef idx="0">
+            <a:schemeClr val="accent1"/>
+          </a:effectRef>
+          <a:fontRef idx="minor">
+            <a:schemeClr val="lt1"/>
+          </a:fontRef>
+        </p:style>
+        <p:txBody>
+          <a:bodyPr rtlCol="0" anchor="ctr"/>
+          <a:lstStyle/>
+          <a:p>
+            <a:pPr algn="ctr"/>
+            <a:endParaRPr lang="en-US"/>
+          </a:p>
+        </p:txBody>
+      </p:sp>
+      <p:sp>
+        <p:nvSpPr>
+          <p:cNvPr id="11" name="Freeform: Shape 10">
+            <a:extLst>
+              <a:ext uri="{FF2B5EF4-FFF2-40B4-BE49-F238E27FC236}">
+                <a16:creationId xmlns:a16="http://schemas.microsoft.com/office/drawing/2014/main" id="{F9023182-6D3E-438B-8E1A-DBF47C70D73B}"/>
+              </a:ext>
+              <a:ext uri="{C183D7F6-B498-43B3-948B-1728B52AA6E4}">
+                <adec:decorative xmlns:adec="http://schemas.microsoft.com/office/drawing/2017/decorative" val="1"/>
+              </a:ext>
+            </a:extLst>
+          </p:cNvPr>
+          <p:cNvSpPr>
+            <a:spLocks noGrp="1" noRot="1" noChangeAspect="1" noMove="1" noResize="1" noEditPoints="1" noAdjustHandles="1" noChangeArrowheads="1" noChangeShapeType="1" noTextEdit="1"/>
+          </p:cNvSpPr>
+          <p:nvPr>
+            <p:extLst>
+              <p:ext uri="{386F3935-93C4-4BCD-93E2-E3B085C9AB24}">
+                <p16:designElem xmlns:p16="http://schemas.microsoft.com/office/powerpoint/2015/main" val="1"/>
+              </p:ext>
+            </p:extLst>
+          </p:nvPr>
+        </p:nvSpPr>
+        <p:spPr>
+          <a:xfrm>
+            <a:off x="0" y="0"/>
+            <a:ext cx="7351628" cy="6858000"/>
+          </a:xfrm>
+          <a:custGeom>
+            <a:avLst/>
+            <a:gdLst>
+              <a:gd name="connsiteX0" fmla="*/ 0 w 7351628"/>
+              <a:gd name="connsiteY0" fmla="*/ 0 h 6858000"/>
+              <a:gd name="connsiteX1" fmla="*/ 1482273 w 7351628"/>
+              <a:gd name="connsiteY1" fmla="*/ 0 h 6858000"/>
+              <a:gd name="connsiteX2" fmla="*/ 2438400 w 7351628"/>
+              <a:gd name="connsiteY2" fmla="*/ 0 h 6858000"/>
+              <a:gd name="connsiteX3" fmla="*/ 7351628 w 7351628"/>
+              <a:gd name="connsiteY3" fmla="*/ 0 h 6858000"/>
+              <a:gd name="connsiteX4" fmla="*/ 3920673 w 7351628"/>
+              <a:gd name="connsiteY4" fmla="*/ 3430955 h 6858000"/>
+              <a:gd name="connsiteX5" fmla="*/ 7175072 w 7351628"/>
+              <a:gd name="connsiteY5" fmla="*/ 6857446 h 6858000"/>
+              <a:gd name="connsiteX6" fmla="*/ 7196984 w 7351628"/>
+              <a:gd name="connsiteY6" fmla="*/ 6858000 h 6858000"/>
+              <a:gd name="connsiteX7" fmla="*/ 2438400 w 7351628"/>
+              <a:gd name="connsiteY7" fmla="*/ 6858000 h 6858000"/>
+              <a:gd name="connsiteX8" fmla="*/ 1482273 w 7351628"/>
+              <a:gd name="connsiteY8" fmla="*/ 6858000 h 6858000"/>
+              <a:gd name="connsiteX9" fmla="*/ 0 w 7351628"/>
+              <a:gd name="connsiteY9" fmla="*/ 6858000 h 6858000"/>
+            </a:gdLst>
+            <a:ahLst/>
+            <a:cxnLst>
+              <a:cxn ang="0">
+                <a:pos x="connsiteX0" y="connsiteY0"/>
+              </a:cxn>
+              <a:cxn ang="0">
+                <a:pos x="connsiteX1" y="connsiteY1"/>
+              </a:cxn>
+              <a:cxn ang="0">
+                <a:pos x="connsiteX2" y="connsiteY2"/>
+              </a:cxn>
+              <a:cxn ang="0">
+                <a:pos x="connsiteX3" y="connsiteY3"/>
+              </a:cxn>
+              <a:cxn ang="0">
+                <a:pos x="connsiteX4" y="connsiteY4"/>
+              </a:cxn>
+              <a:cxn ang="0">
+                <a:pos x="connsiteX5" y="connsiteY5"/>
+              </a:cxn>
+              <a:cxn ang="0">
+                <a:pos x="connsiteX6" y="connsiteY6"/>
+              </a:cxn>
+              <a:cxn ang="0">
+                <a:pos x="connsiteX7" y="connsiteY7"/>
+              </a:cxn>
+              <a:cxn ang="0">
+                <a:pos x="connsiteX8" y="connsiteY8"/>
+              </a:cxn>
+              <a:cxn ang="0">
+                <a:pos x="connsiteX9" y="connsiteY9"/>
+              </a:cxn>
+            </a:cxnLst>
+            <a:rect l="l" t="t" r="r" b="b"/>
+            <a:pathLst>
+              <a:path w="7351628" h="6858000">
+                <a:moveTo>
+                  <a:pt x="0" y="0"/>
+                </a:moveTo>
+                <a:lnTo>
+                  <a:pt x="1482273" y="0"/>
+                </a:lnTo>
+                <a:lnTo>
+                  <a:pt x="2438400" y="0"/>
+                </a:lnTo>
+                <a:lnTo>
+                  <a:pt x="7351628" y="0"/>
+                </a:lnTo>
+                <a:cubicBezTo>
+                  <a:pt x="5456764" y="0"/>
+                  <a:pt x="3920673" y="1536091"/>
+                  <a:pt x="3920673" y="3430955"/>
+                </a:cubicBezTo>
+                <a:cubicBezTo>
+                  <a:pt x="3920673" y="5266604"/>
+                  <a:pt x="5362258" y="6765554"/>
+                  <a:pt x="7175072" y="6857446"/>
+                </a:cubicBezTo>
+                <a:lnTo>
+                  <a:pt x="7196984" y="6858000"/>
+                </a:lnTo>
+                <a:lnTo>
+                  <a:pt x="2438400" y="6858000"/>
+                </a:lnTo>
+                <a:lnTo>
+                  <a:pt x="1482273" y="6858000"/>
+                </a:lnTo>
+                <a:lnTo>
+                  <a:pt x="0" y="6858000"/>
+                </a:lnTo>
+                <a:close/>
+              </a:path>
+            </a:pathLst>
+          </a:custGeom>
+          <a:solidFill>
+            <a:schemeClr val="accent2"/>
+          </a:solidFill>
+          <a:ln>
+            <a:noFill/>
+          </a:ln>
+        </p:spPr>
+        <p:style>
+          <a:lnRef idx="2">
+            <a:schemeClr val="accent1">
+              <a:shade val="50000"/>
+            </a:schemeClr>
+          </a:lnRef>
+          <a:fillRef idx="1">
+            <a:schemeClr val="accent1"/>
+          </a:fillRef>
+          <a:effectRef idx="0">
+            <a:schemeClr val="accent1"/>
+          </a:effectRef>
+          <a:fontRef idx="minor">
+            <a:schemeClr val="lt1"/>
+          </a:fontRef>
+        </p:style>
+        <p:txBody>
+          <a:bodyPr wrap="square" rtlCol="0" anchor="ctr">
+            <a:noAutofit/>
+          </a:bodyPr>
+          <a:lstStyle/>
+          <a:p>
+            <a:pPr algn="ctr"/>
+            <a:endParaRPr lang="en-US"/>
+          </a:p>
+        </p:txBody>
+      </p:sp>
+      <p:sp>
+        <p:nvSpPr>
+          <p:cNvPr id="13" name="Freeform: Shape 12">
+            <a:extLst>
+              <a:ext uri="{FF2B5EF4-FFF2-40B4-BE49-F238E27FC236}">
+                <a16:creationId xmlns:a16="http://schemas.microsoft.com/office/drawing/2014/main" id="{66989A7B-378A-4C5A-83D3-92770B761BE4}"/>
+              </a:ext>
+              <a:ext uri="{C183D7F6-B498-43B3-948B-1728B52AA6E4}">
+                <adec:decorative xmlns:adec="http://schemas.microsoft.com/office/drawing/2017/decorative" val="1"/>
+              </a:ext>
+            </a:extLst>
+          </p:cNvPr>
+          <p:cNvSpPr>
+            <a:spLocks noGrp="1" noRot="1" noChangeAspect="1" noMove="1" noResize="1" noEditPoints="1" noAdjustHandles="1" noChangeArrowheads="1" noChangeShapeType="1" noTextEdit="1"/>
+          </p:cNvSpPr>
+          <p:nvPr>
+            <p:extLst>
+              <p:ext uri="{386F3935-93C4-4BCD-93E2-E3B085C9AB24}">
+                <p16:designElem xmlns:p16="http://schemas.microsoft.com/office/powerpoint/2015/main" val="1"/>
+              </p:ext>
+            </p:extLst>
+          </p:nvPr>
+        </p:nvSpPr>
+        <p:spPr>
+          <a:xfrm rot="10800000">
+            <a:off x="456350" y="0"/>
+            <a:ext cx="7351628" cy="6858000"/>
+          </a:xfrm>
+          <a:custGeom>
+            <a:avLst/>
+            <a:gdLst>
+              <a:gd name="connsiteX0" fmla="*/ 0 w 7351628"/>
+              <a:gd name="connsiteY0" fmla="*/ 0 h 6858000"/>
+              <a:gd name="connsiteX1" fmla="*/ 1482273 w 7351628"/>
+              <a:gd name="connsiteY1" fmla="*/ 0 h 6858000"/>
+              <a:gd name="connsiteX2" fmla="*/ 2438400 w 7351628"/>
+              <a:gd name="connsiteY2" fmla="*/ 0 h 6858000"/>
+              <a:gd name="connsiteX3" fmla="*/ 7351628 w 7351628"/>
+              <a:gd name="connsiteY3" fmla="*/ 0 h 6858000"/>
+              <a:gd name="connsiteX4" fmla="*/ 3920673 w 7351628"/>
+              <a:gd name="connsiteY4" fmla="*/ 3430955 h 6858000"/>
+              <a:gd name="connsiteX5" fmla="*/ 7175072 w 7351628"/>
+              <a:gd name="connsiteY5" fmla="*/ 6857446 h 6858000"/>
+              <a:gd name="connsiteX6" fmla="*/ 7196984 w 7351628"/>
+              <a:gd name="connsiteY6" fmla="*/ 6858000 h 6858000"/>
+              <a:gd name="connsiteX7" fmla="*/ 2438400 w 7351628"/>
+              <a:gd name="connsiteY7" fmla="*/ 6858000 h 6858000"/>
+              <a:gd name="connsiteX8" fmla="*/ 1482273 w 7351628"/>
+              <a:gd name="connsiteY8" fmla="*/ 6858000 h 6858000"/>
+              <a:gd name="connsiteX9" fmla="*/ 0 w 7351628"/>
+              <a:gd name="connsiteY9" fmla="*/ 6858000 h 6858000"/>
+            </a:gdLst>
+            <a:ahLst/>
+            <a:cxnLst>
+              <a:cxn ang="0">
+                <a:pos x="connsiteX0" y="connsiteY0"/>
+              </a:cxn>
+              <a:cxn ang="0">
+                <a:pos x="connsiteX1" y="connsiteY1"/>
+              </a:cxn>
+              <a:cxn ang="0">
+                <a:pos x="connsiteX2" y="connsiteY2"/>
+              </a:cxn>
+              <a:cxn ang="0">
+                <a:pos x="connsiteX3" y="connsiteY3"/>
+              </a:cxn>
+              <a:cxn ang="0">
+                <a:pos x="connsiteX4" y="connsiteY4"/>
+              </a:cxn>
+              <a:cxn ang="0">
+                <a:pos x="connsiteX5" y="connsiteY5"/>
+              </a:cxn>
+              <a:cxn ang="0">
+                <a:pos x="connsiteX6" y="connsiteY6"/>
+              </a:cxn>
+              <a:cxn ang="0">
+                <a:pos x="connsiteX7" y="connsiteY7"/>
+              </a:cxn>
+              <a:cxn ang="0">
+                <a:pos x="connsiteX8" y="connsiteY8"/>
+              </a:cxn>
+              <a:cxn ang="0">
+                <a:pos x="connsiteX9" y="connsiteY9"/>
+              </a:cxn>
+            </a:cxnLst>
+            <a:rect l="l" t="t" r="r" b="b"/>
+            <a:pathLst>
+              <a:path w="7351628" h="6858000">
+                <a:moveTo>
+                  <a:pt x="0" y="0"/>
+                </a:moveTo>
+                <a:lnTo>
+                  <a:pt x="1482273" y="0"/>
+                </a:lnTo>
+                <a:lnTo>
+                  <a:pt x="2438400" y="0"/>
+                </a:lnTo>
+                <a:lnTo>
+                  <a:pt x="7351628" y="0"/>
+                </a:lnTo>
+                <a:cubicBezTo>
+                  <a:pt x="5456764" y="0"/>
+                  <a:pt x="3920673" y="1536091"/>
+                  <a:pt x="3920673" y="3430955"/>
+                </a:cubicBezTo>
+                <a:cubicBezTo>
+                  <a:pt x="3920673" y="5266604"/>
+                  <a:pt x="5362258" y="6765554"/>
+                  <a:pt x="7175072" y="6857446"/>
+                </a:cubicBezTo>
+                <a:lnTo>
+                  <a:pt x="7196984" y="6858000"/>
+                </a:lnTo>
+                <a:lnTo>
+                  <a:pt x="2438400" y="6858000"/>
+                </a:lnTo>
+                <a:lnTo>
+                  <a:pt x="1482273" y="6858000"/>
+                </a:lnTo>
+                <a:lnTo>
+                  <a:pt x="0" y="6858000"/>
+                </a:lnTo>
+                <a:close/>
+              </a:path>
+            </a:pathLst>
+          </a:custGeom>
+          <a:solidFill>
+            <a:schemeClr val="accent2">
+              <a:lumMod val="75000"/>
+              <a:alpha val="70000"/>
+            </a:schemeClr>
+          </a:solidFill>
+          <a:ln>
+            <a:noFill/>
+          </a:ln>
+        </p:spPr>
+        <p:style>
+          <a:lnRef idx="2">
+            <a:schemeClr val="accent1">
+              <a:shade val="50000"/>
+            </a:schemeClr>
+          </a:lnRef>
+          <a:fillRef idx="1">
+            <a:schemeClr val="accent1"/>
+          </a:fillRef>
+          <a:effectRef idx="0">
+            <a:schemeClr val="accent1"/>
+          </a:effectRef>
+          <a:fontRef idx="minor">
+            <a:schemeClr val="lt1"/>
+          </a:fontRef>
+        </p:style>
+        <p:txBody>
+          <a:bodyPr wrap="square" rtlCol="0" anchor="ctr">
+            <a:noAutofit/>
+          </a:bodyPr>
+          <a:lstStyle/>
+          <a:p>
+            <a:pPr algn="ctr"/>
+            <a:endParaRPr lang="en-US"/>
+          </a:p>
+        </p:txBody>
+      </p:sp>
       <p:sp>
         <p:nvSpPr>
           <p:cNvPr id="2" name="Title 1">
             <a:extLst>
               <a:ext uri="{FF2B5EF4-FFF2-40B4-BE49-F238E27FC236}">
-                <a16:creationId xmlns:a16="http://schemas.microsoft.com/office/drawing/2014/main" id="{1F28C1BB-7A4D-478A-A61E-D63EEC5A069D}"/>
+                <a16:creationId xmlns:a16="http://schemas.microsoft.com/office/drawing/2014/main" id="{57ADC746-991E-4F92-9783-2BC0DD6508BD}"/>
               </a:ext>
             </a:extLst>
           </p:cNvPr>
@@ -9745,48 +13614,226 @@
             <p:ph type="title"/>
           </p:nvPr>
         </p:nvSpPr>
-        <p:spPr/>
+        <p:spPr>
+          <a:xfrm>
+            <a:off x="609601" y="685800"/>
+            <a:ext cx="2984390" cy="5486400"/>
+          </a:xfrm>
+        </p:spPr>
         <p:txBody>
-          <a:bodyPr/>
+          <a:bodyPr anchor="ctr">
+            <a:normAutofit/>
+          </a:bodyPr>
           <a:lstStyle/>
           <a:p>
             <a:r>
-              <a:rPr lang="en-US" dirty="0"/>
-              <a:t>Data Sources</a:t>
+              <a:rPr lang="en-US">
+                <a:solidFill>
+                  <a:srgbClr val="FFFFFF"/>
+                </a:solidFill>
+              </a:rPr>
+              <a:t>Step 2:  Decide Which Datasets to Use</a:t>
             </a:r>
-            <a:endParaRPr lang="en-CA" dirty="0"/>
+            <a:endParaRPr lang="en-CA">
+              <a:solidFill>
+                <a:srgbClr val="FFFFFF"/>
+              </a:solidFill>
+            </a:endParaRPr>
           </a:p>
         </p:txBody>
       </p:sp>
-      <p:sp>
+      <p:sp useBgFill="1">
         <p:nvSpPr>
-          <p:cNvPr id="3" name="Content Placeholder 2">
+          <p:cNvPr id="15" name="Freeform: Shape 14">
             <a:extLst>
               <a:ext uri="{FF2B5EF4-FFF2-40B4-BE49-F238E27FC236}">
-                <a16:creationId xmlns:a16="http://schemas.microsoft.com/office/drawing/2014/main" id="{449A76A1-E0CA-4EAF-AA2F-FA4E54B17D33}"/>
+                <a16:creationId xmlns:a16="http://schemas.microsoft.com/office/drawing/2014/main" id="{D493E550-6182-46EC-9D62-577FCFBA6037}"/>
+              </a:ext>
+              <a:ext uri="{C183D7F6-B498-43B3-948B-1728B52AA6E4}">
+                <adec:decorative xmlns:adec="http://schemas.microsoft.com/office/drawing/2017/decorative" val="1"/>
               </a:ext>
             </a:extLst>
           </p:cNvPr>
           <p:cNvSpPr>
-            <a:spLocks noGrp="1"/>
+            <a:spLocks noGrp="1" noRot="1" noChangeAspect="1" noMove="1" noResize="1" noEditPoints="1" noAdjustHandles="1" noChangeArrowheads="1" noChangeShapeType="1" noTextEdit="1"/>
           </p:cNvSpPr>
           <p:nvPr>
-            <p:ph idx="1"/>
+            <p:extLst>
+              <p:ext uri="{386F3935-93C4-4BCD-93E2-E3B085C9AB24}">
+                <p16:designElem xmlns:p16="http://schemas.microsoft.com/office/powerpoint/2015/main" val="1"/>
+              </p:ext>
+            </p:extLst>
           </p:nvPr>
         </p:nvSpPr>
-        <p:spPr/>
+        <p:spPr>
+          <a:xfrm rot="10800000">
+            <a:off x="3898035" y="-3910"/>
+            <a:ext cx="5963231" cy="6861910"/>
+          </a:xfrm>
+          <a:custGeom>
+            <a:avLst/>
+            <a:gdLst>
+              <a:gd name="connsiteX0" fmla="*/ 2532276 w 5963231"/>
+              <a:gd name="connsiteY0" fmla="*/ 6861910 h 6861910"/>
+              <a:gd name="connsiteX1" fmla="*/ 2377645 w 5963231"/>
+              <a:gd name="connsiteY1" fmla="*/ 6858000 h 6861910"/>
+              <a:gd name="connsiteX2" fmla="*/ 0 w 5963231"/>
+              <a:gd name="connsiteY2" fmla="*/ 6858000 h 6861910"/>
+              <a:gd name="connsiteX3" fmla="*/ 0 w 5963231"/>
+              <a:gd name="connsiteY3" fmla="*/ 0 h 6861910"/>
+              <a:gd name="connsiteX4" fmla="*/ 2532276 w 5963231"/>
+              <a:gd name="connsiteY4" fmla="*/ 0 h 6861910"/>
+              <a:gd name="connsiteX5" fmla="*/ 2547568 w 5963231"/>
+              <a:gd name="connsiteY5" fmla="*/ 0 h 6861910"/>
+              <a:gd name="connsiteX6" fmla="*/ 2547568 w 5963231"/>
+              <a:gd name="connsiteY6" fmla="*/ 387 h 6861910"/>
+              <a:gd name="connsiteX7" fmla="*/ 2708832 w 5963231"/>
+              <a:gd name="connsiteY7" fmla="*/ 4464 h 6861910"/>
+              <a:gd name="connsiteX8" fmla="*/ 5963231 w 5963231"/>
+              <a:gd name="connsiteY8" fmla="*/ 3430955 h 6861910"/>
+              <a:gd name="connsiteX9" fmla="*/ 2532276 w 5963231"/>
+              <a:gd name="connsiteY9" fmla="*/ 6861910 h 6861910"/>
+            </a:gdLst>
+            <a:ahLst/>
+            <a:cxnLst>
+              <a:cxn ang="0">
+                <a:pos x="connsiteX0" y="connsiteY0"/>
+              </a:cxn>
+              <a:cxn ang="0">
+                <a:pos x="connsiteX1" y="connsiteY1"/>
+              </a:cxn>
+              <a:cxn ang="0">
+                <a:pos x="connsiteX2" y="connsiteY2"/>
+              </a:cxn>
+              <a:cxn ang="0">
+                <a:pos x="connsiteX3" y="connsiteY3"/>
+              </a:cxn>
+              <a:cxn ang="0">
+                <a:pos x="connsiteX4" y="connsiteY4"/>
+              </a:cxn>
+              <a:cxn ang="0">
+                <a:pos x="connsiteX5" y="connsiteY5"/>
+              </a:cxn>
+              <a:cxn ang="0">
+                <a:pos x="connsiteX6" y="connsiteY6"/>
+              </a:cxn>
+              <a:cxn ang="0">
+                <a:pos x="connsiteX7" y="connsiteY7"/>
+              </a:cxn>
+              <a:cxn ang="0">
+                <a:pos x="connsiteX8" y="connsiteY8"/>
+              </a:cxn>
+              <a:cxn ang="0">
+                <a:pos x="connsiteX9" y="connsiteY9"/>
+              </a:cxn>
+            </a:cxnLst>
+            <a:rect l="l" t="t" r="r" b="b"/>
+            <a:pathLst>
+              <a:path w="5963231" h="6861910">
+                <a:moveTo>
+                  <a:pt x="2532276" y="6861910"/>
+                </a:moveTo>
+                <a:lnTo>
+                  <a:pt x="2377645" y="6858000"/>
+                </a:lnTo>
+                <a:lnTo>
+                  <a:pt x="0" y="6858000"/>
+                </a:lnTo>
+                <a:lnTo>
+                  <a:pt x="0" y="0"/>
+                </a:lnTo>
+                <a:lnTo>
+                  <a:pt x="2532276" y="0"/>
+                </a:lnTo>
+                <a:lnTo>
+                  <a:pt x="2547568" y="0"/>
+                </a:lnTo>
+                <a:lnTo>
+                  <a:pt x="2547568" y="387"/>
+                </a:lnTo>
+                <a:lnTo>
+                  <a:pt x="2708832" y="4464"/>
+                </a:lnTo>
+                <a:cubicBezTo>
+                  <a:pt x="4521646" y="96356"/>
+                  <a:pt x="5963231" y="1595306"/>
+                  <a:pt x="5963231" y="3430955"/>
+                </a:cubicBezTo>
+                <a:cubicBezTo>
+                  <a:pt x="5963231" y="5325819"/>
+                  <a:pt x="4427140" y="6861910"/>
+                  <a:pt x="2532276" y="6861910"/>
+                </a:cubicBezTo>
+                <a:close/>
+              </a:path>
+            </a:pathLst>
+          </a:custGeom>
+          <a:ln w="3175">
+            <a:noFill/>
+          </a:ln>
+        </p:spPr>
+        <p:style>
+          <a:lnRef idx="2">
+            <a:schemeClr val="accent1">
+              <a:shade val="50000"/>
+            </a:schemeClr>
+          </a:lnRef>
+          <a:fillRef idx="1">
+            <a:schemeClr val="accent1"/>
+          </a:fillRef>
+          <a:effectRef idx="0">
+            <a:schemeClr val="accent1"/>
+          </a:effectRef>
+          <a:fontRef idx="minor">
+            <a:schemeClr val="lt1"/>
+          </a:fontRef>
+        </p:style>
         <p:txBody>
-          <a:bodyPr/>
+          <a:bodyPr wrap="square" rtlCol="0" anchor="ctr">
+            <a:noAutofit/>
+          </a:bodyPr>
           <a:lstStyle/>
           <a:p>
-            <a:endParaRPr lang="en-CA"/>
+            <a:pPr algn="ctr"/>
+            <a:endParaRPr lang="en-US"/>
           </a:p>
         </p:txBody>
       </p:sp>
+      <p:graphicFrame>
+        <p:nvGraphicFramePr>
+          <p:cNvPr id="10" name="Content Placeholder 9">
+            <a:extLst>
+              <a:ext uri="{FF2B5EF4-FFF2-40B4-BE49-F238E27FC236}">
+                <a16:creationId xmlns:a16="http://schemas.microsoft.com/office/drawing/2014/main" id="{34158F40-8823-4CD2-83ED-DCA243F6B8D0}"/>
+              </a:ext>
+            </a:extLst>
+          </p:cNvPr>
+          <p:cNvGraphicFramePr>
+            <a:graphicFrameLocks noGrp="1"/>
+          </p:cNvGraphicFramePr>
+          <p:nvPr>
+            <p:ph idx="1"/>
+            <p:extLst>
+              <p:ext uri="{D42A27DB-BD31-4B8C-83A1-F6EECF244321}">
+                <p14:modId xmlns:p14="http://schemas.microsoft.com/office/powerpoint/2010/main" val="3574511290"/>
+              </p:ext>
+            </p:extLst>
+          </p:nvPr>
+        </p:nvGraphicFramePr>
+        <p:xfrm>
+          <a:off x="4935705" y="1330914"/>
+          <a:ext cx="6799946" cy="3828915"/>
+        </p:xfrm>
+        <a:graphic>
+          <a:graphicData uri="http://schemas.openxmlformats.org/drawingml/2006/diagram">
+            <dgm:relIds xmlns:dgm="http://schemas.openxmlformats.org/drawingml/2006/diagram" xmlns:r="http://schemas.openxmlformats.org/officeDocument/2006/relationships" r:dm="rId2" r:lo="rId3" r:qs="rId4" r:cs="rId5"/>
+          </a:graphicData>
+        </a:graphic>
+      </p:graphicFrame>
     </p:spTree>
     <p:extLst>
       <p:ext uri="{BB962C8B-B14F-4D97-AF65-F5344CB8AC3E}">
-        <p14:creationId xmlns:p14="http://schemas.microsoft.com/office/powerpoint/2010/main" val="3823370807"/>
+        <p14:creationId xmlns:p14="http://schemas.microsoft.com/office/powerpoint/2010/main" val="1484841070"/>
       </p:ext>
     </p:extLst>
   </p:cSld>
@@ -9818,7 +13865,7 @@
           <p:cNvPr id="2" name="Title 1">
             <a:extLst>
               <a:ext uri="{FF2B5EF4-FFF2-40B4-BE49-F238E27FC236}">
-                <a16:creationId xmlns:a16="http://schemas.microsoft.com/office/drawing/2014/main" id="{3EE24A2F-9997-431F-B27F-BAF9F5A4CD26}"/>
+                <a16:creationId xmlns:a16="http://schemas.microsoft.com/office/drawing/2014/main" id="{1F28C1BB-7A4D-478A-A61E-D63EEC5A069D}"/>
               </a:ext>
             </a:extLst>
           </p:cNvPr>
@@ -9836,7 +13883,7 @@
           <a:p>
             <a:r>
               <a:rPr lang="en-US" dirty="0"/>
-              <a:t>Transform</a:t>
+              <a:t>Step 3:  Determine Relationship of Datasets</a:t>
             </a:r>
             <a:endParaRPr lang="en-CA" dirty="0"/>
           </a:p>
@@ -9847,7 +13894,7 @@
           <p:cNvPr id="3" name="Content Placeholder 2">
             <a:extLst>
               <a:ext uri="{FF2B5EF4-FFF2-40B4-BE49-F238E27FC236}">
-                <a16:creationId xmlns:a16="http://schemas.microsoft.com/office/drawing/2014/main" id="{70B56692-824B-4FA6-BD9C-2B9D47129C08}"/>
+                <a16:creationId xmlns:a16="http://schemas.microsoft.com/office/drawing/2014/main" id="{449A76A1-E0CA-4EAF-AA2F-FA4E54B17D33}"/>
               </a:ext>
             </a:extLst>
           </p:cNvPr>
@@ -9863,14 +13910,14 @@
           <a:bodyPr/>
           <a:lstStyle/>
           <a:p>
-            <a:endParaRPr lang="en-CA" dirty="0"/>
+            <a:endParaRPr lang="en-CA"/>
           </a:p>
         </p:txBody>
       </p:sp>
     </p:spTree>
     <p:extLst>
       <p:ext uri="{BB962C8B-B14F-4D97-AF65-F5344CB8AC3E}">
-        <p14:creationId xmlns:p14="http://schemas.microsoft.com/office/powerpoint/2010/main" val="1542771243"/>
+        <p14:creationId xmlns:p14="http://schemas.microsoft.com/office/powerpoint/2010/main" val="2977742429"/>
       </p:ext>
     </p:extLst>
   </p:cSld>
@@ -9920,7 +13967,7 @@
           <a:p>
             <a:r>
               <a:rPr lang="en-US" dirty="0"/>
-              <a:t>Load</a:t>
+              <a:t>Transform</a:t>
             </a:r>
             <a:endParaRPr lang="en-CA" dirty="0"/>
           </a:p>
@@ -9954,7 +14001,7 @@
     </p:spTree>
     <p:extLst>
       <p:ext uri="{BB962C8B-B14F-4D97-AF65-F5344CB8AC3E}">
-        <p14:creationId xmlns:p14="http://schemas.microsoft.com/office/powerpoint/2010/main" val="509606186"/>
+        <p14:creationId xmlns:p14="http://schemas.microsoft.com/office/powerpoint/2010/main" val="1542771243"/>
       </p:ext>
     </p:extLst>
   </p:cSld>
@@ -10004,7 +14051,7 @@
           <a:p>
             <a:r>
               <a:rPr lang="en-US" dirty="0"/>
-              <a:t>Summary</a:t>
+              <a:t>Load</a:t>
             </a:r>
             <a:endParaRPr lang="en-CA" dirty="0"/>
           </a:p>
@@ -10038,7 +14085,7 @@
     </p:spTree>
     <p:extLst>
       <p:ext uri="{BB962C8B-B14F-4D97-AF65-F5344CB8AC3E}">
-        <p14:creationId xmlns:p14="http://schemas.microsoft.com/office/powerpoint/2010/main" val="70357331"/>
+        <p14:creationId xmlns:p14="http://schemas.microsoft.com/office/powerpoint/2010/main" val="509606186"/>
       </p:ext>
     </p:extLst>
   </p:cSld>

--- a/ETL Project Write-up.pptx
+++ b/ETL Project Write-up.pptx
@@ -12901,7 +12901,7 @@
         </p:nvSpPr>
         <p:spPr>
           <a:xfrm>
-            <a:off x="10037555" y="3734908"/>
+            <a:off x="10037554" y="3734908"/>
             <a:ext cx="1545223" cy="879870"/>
           </a:xfrm>
           <a:prstGeom prst="ellipse">
@@ -13035,13 +13035,12 @@
           </p:cNvPr>
           <p:cNvCxnSpPr>
             <a:cxnSpLocks/>
-            <a:stCxn id="24" idx="2"/>
           </p:cNvCxnSpPr>
           <p:nvPr/>
         </p:nvCxnSpPr>
         <p:spPr>
           <a:xfrm flipH="1">
-            <a:off x="9495963" y="2465508"/>
+            <a:off x="9500931" y="2470145"/>
             <a:ext cx="541214" cy="419059"/>
           </a:xfrm>
           <a:prstGeom prst="straightConnector1">
@@ -13083,7 +13082,7 @@
         </p:nvCxnSpPr>
         <p:spPr>
           <a:xfrm flipH="1" flipV="1">
-            <a:off x="9517993" y="3498973"/>
+            <a:off x="9517992" y="3498973"/>
             <a:ext cx="519562" cy="675870"/>
           </a:xfrm>
           <a:prstGeom prst="straightConnector1">
@@ -13122,7 +13121,7 @@
         </p:nvSpPr>
         <p:spPr>
           <a:xfrm>
-            <a:off x="10037177" y="2025573"/>
+            <a:off x="7961229" y="1259424"/>
             <a:ext cx="1545223" cy="879870"/>
           </a:xfrm>
           <a:prstGeom prst="ellipse">
@@ -13161,6 +13160,101 @@
           </a:p>
         </p:txBody>
       </p:sp>
+      <p:sp>
+        <p:nvSpPr>
+          <p:cNvPr id="25" name="Oval 24">
+            <a:extLst>
+              <a:ext uri="{FF2B5EF4-FFF2-40B4-BE49-F238E27FC236}">
+                <a16:creationId xmlns:a16="http://schemas.microsoft.com/office/drawing/2014/main" id="{FA3F15A6-0B32-4813-B7D2-759D84AED92D}"/>
+              </a:ext>
+            </a:extLst>
+          </p:cNvPr>
+          <p:cNvSpPr/>
+          <p:nvPr/>
+        </p:nvSpPr>
+        <p:spPr>
+          <a:xfrm>
+            <a:off x="10037177" y="2011524"/>
+            <a:ext cx="1545223" cy="879870"/>
+          </a:xfrm>
+          <a:prstGeom prst="ellipse">
+            <a:avLst/>
+          </a:prstGeom>
+          <a:solidFill>
+            <a:srgbClr val="0070C0"/>
+          </a:solidFill>
+        </p:spPr>
+        <p:style>
+          <a:lnRef idx="2">
+            <a:schemeClr val="accent1">
+              <a:shade val="50000"/>
+            </a:schemeClr>
+          </a:lnRef>
+          <a:fillRef idx="1">
+            <a:schemeClr val="accent1"/>
+          </a:fillRef>
+          <a:effectRef idx="0">
+            <a:schemeClr val="accent1"/>
+          </a:effectRef>
+          <a:fontRef idx="minor">
+            <a:schemeClr val="lt1"/>
+          </a:fontRef>
+        </p:style>
+        <p:txBody>
+          <a:bodyPr rtlCol="0" anchor="ctr"/>
+          <a:lstStyle/>
+          <a:p>
+            <a:pPr algn="ctr"/>
+            <a:r>
+              <a:rPr lang="en-US" sz="1300" dirty="0"/>
+              <a:t>Wikipedia</a:t>
+            </a:r>
+            <a:endParaRPr lang="en-CA" sz="1300" dirty="0"/>
+          </a:p>
+        </p:txBody>
+      </p:sp>
+      <p:cxnSp>
+        <p:nvCxnSpPr>
+          <p:cNvPr id="4" name="Straight Arrow Connector 3">
+            <a:extLst>
+              <a:ext uri="{FF2B5EF4-FFF2-40B4-BE49-F238E27FC236}">
+                <a16:creationId xmlns:a16="http://schemas.microsoft.com/office/drawing/2014/main" id="{57562717-4DA2-48A8-89A0-210EF5DC2CAA}"/>
+              </a:ext>
+            </a:extLst>
+          </p:cNvPr>
+          <p:cNvCxnSpPr>
+            <a:stCxn id="24" idx="4"/>
+            <a:endCxn id="16" idx="0"/>
+          </p:cNvCxnSpPr>
+          <p:nvPr/>
+        </p:nvCxnSpPr>
+        <p:spPr>
+          <a:xfrm>
+            <a:off x="8733841" y="2139294"/>
+            <a:ext cx="5054" cy="721296"/>
+          </a:xfrm>
+          <a:prstGeom prst="straightConnector1">
+            <a:avLst/>
+          </a:prstGeom>
+          <a:ln>
+            <a:tailEnd type="triangle"/>
+          </a:ln>
+        </p:spPr>
+        <p:style>
+          <a:lnRef idx="1">
+            <a:schemeClr val="accent1"/>
+          </a:lnRef>
+          <a:fillRef idx="0">
+            <a:schemeClr val="accent1"/>
+          </a:fillRef>
+          <a:effectRef idx="0">
+            <a:schemeClr val="accent1"/>
+          </a:effectRef>
+          <a:fontRef idx="minor">
+            <a:schemeClr val="tx1"/>
+          </a:fontRef>
+        </p:style>
+      </p:cxnSp>
     </p:spTree>
     <p:extLst>
       <p:ext uri="{BB962C8B-B14F-4D97-AF65-F5344CB8AC3E}">

--- a/ETL Project Write-up.pptx
+++ b/ETL Project Write-up.pptx
@@ -12,9 +12,10 @@
     <p:sldId id="270" r:id="rId6"/>
     <p:sldId id="266" r:id="rId7"/>
     <p:sldId id="263" r:id="rId8"/>
-    <p:sldId id="259" r:id="rId9"/>
-    <p:sldId id="260" r:id="rId10"/>
-    <p:sldId id="261" r:id="rId11"/>
+    <p:sldId id="271" r:id="rId9"/>
+    <p:sldId id="259" r:id="rId10"/>
+    <p:sldId id="260" r:id="rId11"/>
+    <p:sldId id="261" r:id="rId12"/>
   </p:sldIdLst>
   <p:sldSz cx="12192000" cy="6858000"/>
   <p:notesSz cx="6858000" cy="9144000"/>
@@ -6094,7 +6095,7 @@
           <a:p>
             <a:fld id="{32637B58-87C1-446D-BDA9-B06F4BCF7782}" type="datetimeFigureOut">
               <a:rPr lang="en-US" smtClean="0"/>
-              <a:t>12/14/2020</a:t>
+              <a:t>12/15/2020</a:t>
             </a:fld>
             <a:endParaRPr lang="en-US"/>
           </a:p>
@@ -6297,7 +6298,7 @@
           <a:p>
             <a:fld id="{32637B58-87C1-446D-BDA9-B06F4BCF7782}" type="datetimeFigureOut">
               <a:rPr lang="en-US" smtClean="0"/>
-              <a:t>12/14/2020</a:t>
+              <a:t>12/15/2020</a:t>
             </a:fld>
             <a:endParaRPr lang="en-US"/>
           </a:p>
@@ -6505,7 +6506,7 @@
           <a:p>
             <a:fld id="{32637B58-87C1-446D-BDA9-B06F4BCF7782}" type="datetimeFigureOut">
               <a:rPr lang="en-US" smtClean="0"/>
-              <a:t>12/14/2020</a:t>
+              <a:t>12/15/2020</a:t>
             </a:fld>
             <a:endParaRPr lang="en-US"/>
           </a:p>
@@ -6754,7 +6755,7 @@
           <a:p>
             <a:fld id="{32637B58-87C1-446D-BDA9-B06F4BCF7782}" type="datetimeFigureOut">
               <a:rPr lang="en-US" smtClean="0"/>
-              <a:t>12/14/2020</a:t>
+              <a:t>12/15/2020</a:t>
             </a:fld>
             <a:endParaRPr lang="en-US"/>
           </a:p>
@@ -7058,7 +7059,7 @@
           <a:p>
             <a:fld id="{32637B58-87C1-446D-BDA9-B06F4BCF7782}" type="datetimeFigureOut">
               <a:rPr lang="en-US" smtClean="0"/>
-              <a:t>12/14/2020</a:t>
+              <a:t>12/15/2020</a:t>
             </a:fld>
             <a:endParaRPr lang="en-US"/>
           </a:p>
@@ -7325,7 +7326,7 @@
           <a:p>
             <a:fld id="{32637B58-87C1-446D-BDA9-B06F4BCF7782}" type="datetimeFigureOut">
               <a:rPr lang="en-US" smtClean="0"/>
-              <a:t>12/14/2020</a:t>
+              <a:t>12/15/2020</a:t>
             </a:fld>
             <a:endParaRPr lang="en-US"/>
           </a:p>
@@ -7780,7 +7781,7 @@
           <a:p>
             <a:fld id="{32637B58-87C1-446D-BDA9-B06F4BCF7782}" type="datetimeFigureOut">
               <a:rPr lang="en-US" smtClean="0"/>
-              <a:t>12/14/2020</a:t>
+              <a:t>12/15/2020</a:t>
             </a:fld>
             <a:endParaRPr lang="en-US"/>
           </a:p>
@@ -7921,7 +7922,7 @@
           <a:p>
             <a:fld id="{32637B58-87C1-446D-BDA9-B06F4BCF7782}" type="datetimeFigureOut">
               <a:rPr lang="en-US" smtClean="0"/>
-              <a:t>12/14/2020</a:t>
+              <a:t>12/15/2020</a:t>
             </a:fld>
             <a:endParaRPr lang="en-US"/>
           </a:p>
@@ -8034,7 +8035,7 @@
           <a:p>
             <a:fld id="{32637B58-87C1-446D-BDA9-B06F4BCF7782}" type="datetimeFigureOut">
               <a:rPr lang="en-US" smtClean="0"/>
-              <a:t>12/14/2020</a:t>
+              <a:t>12/15/2020</a:t>
             </a:fld>
             <a:endParaRPr lang="en-US"/>
           </a:p>
@@ -8345,7 +8346,7 @@
           <a:p>
             <a:fld id="{32637B58-87C1-446D-BDA9-B06F4BCF7782}" type="datetimeFigureOut">
               <a:rPr lang="en-US" smtClean="0"/>
-              <a:t>12/14/2020</a:t>
+              <a:t>12/15/2020</a:t>
             </a:fld>
             <a:endParaRPr lang="en-US"/>
           </a:p>
@@ -8636,7 +8637,7 @@
           <a:p>
             <a:fld id="{32637B58-87C1-446D-BDA9-B06F4BCF7782}" type="datetimeFigureOut">
               <a:rPr lang="en-US" smtClean="0"/>
-              <a:t>12/14/2020</a:t>
+              <a:t>12/15/2020</a:t>
             </a:fld>
             <a:endParaRPr lang="en-US"/>
           </a:p>
@@ -9045,7 +9046,7 @@
             <a:fld id="{32637B58-87C1-446D-BDA9-B06F4BCF7782}" type="datetimeFigureOut">
               <a:rPr lang="en-US" smtClean="0"/>
               <a:pPr/>
-              <a:t>12/14/2020</a:t>
+              <a:t>12/15/2020</a:t>
             </a:fld>
             <a:endParaRPr lang="en-US" dirty="0"/>
           </a:p>
@@ -10071,6 +10072,90 @@
           <a:p>
             <a:r>
               <a:rPr lang="en-US" dirty="0"/>
+              <a:t>Load</a:t>
+            </a:r>
+            <a:endParaRPr lang="en-CA" dirty="0"/>
+          </a:p>
+        </p:txBody>
+      </p:sp>
+      <p:sp>
+        <p:nvSpPr>
+          <p:cNvPr id="3" name="Content Placeholder 2">
+            <a:extLst>
+              <a:ext uri="{FF2B5EF4-FFF2-40B4-BE49-F238E27FC236}">
+                <a16:creationId xmlns:a16="http://schemas.microsoft.com/office/drawing/2014/main" id="{70B56692-824B-4FA6-BD9C-2B9D47129C08}"/>
+              </a:ext>
+            </a:extLst>
+          </p:cNvPr>
+          <p:cNvSpPr>
+            <a:spLocks noGrp="1"/>
+          </p:cNvSpPr>
+          <p:nvPr>
+            <p:ph idx="1"/>
+          </p:nvPr>
+        </p:nvSpPr>
+        <p:spPr/>
+        <p:txBody>
+          <a:bodyPr/>
+          <a:lstStyle/>
+          <a:p>
+            <a:endParaRPr lang="en-CA" dirty="0"/>
+          </a:p>
+        </p:txBody>
+      </p:sp>
+    </p:spTree>
+    <p:extLst>
+      <p:ext uri="{BB962C8B-B14F-4D97-AF65-F5344CB8AC3E}">
+        <p14:creationId xmlns:p14="http://schemas.microsoft.com/office/powerpoint/2010/main" val="509606186"/>
+      </p:ext>
+    </p:extLst>
+  </p:cSld>
+  <p:clrMapOvr>
+    <a:masterClrMapping/>
+  </p:clrMapOvr>
+</p:sld>
+</file>
+
+<file path=ppt/slides/slide11.xml><?xml version="1.0" encoding="utf-8"?>
+<p:sld xmlns:a="http://schemas.openxmlformats.org/drawingml/2006/main" xmlns:r="http://schemas.openxmlformats.org/officeDocument/2006/relationships" xmlns:p="http://schemas.openxmlformats.org/presentationml/2006/main">
+  <p:cSld>
+    <p:spTree>
+      <p:nvGrpSpPr>
+        <p:cNvPr id="1" name=""/>
+        <p:cNvGrpSpPr/>
+        <p:nvPr/>
+      </p:nvGrpSpPr>
+      <p:grpSpPr>
+        <a:xfrm>
+          <a:off x="0" y="0"/>
+          <a:ext cx="0" cy="0"/>
+          <a:chOff x="0" y="0"/>
+          <a:chExt cx="0" cy="0"/>
+        </a:xfrm>
+      </p:grpSpPr>
+      <p:sp>
+        <p:nvSpPr>
+          <p:cNvPr id="2" name="Title 1">
+            <a:extLst>
+              <a:ext uri="{FF2B5EF4-FFF2-40B4-BE49-F238E27FC236}">
+                <a16:creationId xmlns:a16="http://schemas.microsoft.com/office/drawing/2014/main" id="{3EE24A2F-9997-431F-B27F-BAF9F5A4CD26}"/>
+              </a:ext>
+            </a:extLst>
+          </p:cNvPr>
+          <p:cNvSpPr>
+            <a:spLocks noGrp="1"/>
+          </p:cNvSpPr>
+          <p:nvPr>
+            <p:ph type="title"/>
+          </p:nvPr>
+        </p:nvSpPr>
+        <p:spPr/>
+        <p:txBody>
+          <a:bodyPr/>
+          <a:lstStyle/>
+          <a:p>
+            <a:r>
+              <a:rPr lang="en-US" dirty="0"/>
               <a:t>Summary</a:t>
             </a:r>
             <a:endParaRPr lang="en-CA" dirty="0"/>
@@ -14024,6 +14109,14 @@
 <file path=ppt/slides/slide8.xml><?xml version="1.0" encoding="utf-8"?>
 <p:sld xmlns:a="http://schemas.openxmlformats.org/drawingml/2006/main" xmlns:r="http://schemas.openxmlformats.org/officeDocument/2006/relationships" xmlns:p="http://schemas.openxmlformats.org/presentationml/2006/main">
   <p:cSld>
+    <p:bg>
+      <p:bgPr>
+        <a:solidFill>
+          <a:schemeClr val="bg2"/>
+        </a:solidFill>
+        <a:effectLst/>
+      </p:bgPr>
+    </p:bg>
     <p:spTree>
       <p:nvGrpSpPr>
         <p:cNvPr id="1" name=""/>
@@ -14038,6 +14131,308 @@
           <a:chExt cx="0" cy="0"/>
         </a:xfrm>
       </p:grpSpPr>
+      <p:sp useBgFill="1">
+        <p:nvSpPr>
+          <p:cNvPr id="111" name="Rectangle 102">
+            <a:extLst>
+              <a:ext uri="{FF2B5EF4-FFF2-40B4-BE49-F238E27FC236}">
+                <a16:creationId xmlns:a16="http://schemas.microsoft.com/office/drawing/2014/main" id="{369DB5D3-4B63-4FD1-BA37-8EBACA587A1D}"/>
+              </a:ext>
+              <a:ext uri="{C183D7F6-B498-43B3-948B-1728B52AA6E4}">
+                <adec:decorative xmlns:adec="http://schemas.microsoft.com/office/drawing/2017/decorative" val="1"/>
+              </a:ext>
+            </a:extLst>
+          </p:cNvPr>
+          <p:cNvSpPr>
+            <a:spLocks noGrp="1" noRot="1" noChangeAspect="1" noMove="1" noResize="1" noEditPoints="1" noAdjustHandles="1" noChangeArrowheads="1" noChangeShapeType="1" noTextEdit="1"/>
+          </p:cNvSpPr>
+          <p:nvPr>
+            <p:extLst>
+              <p:ext uri="{386F3935-93C4-4BCD-93E2-E3B085C9AB24}">
+                <p16:designElem xmlns:p16="http://schemas.microsoft.com/office/powerpoint/2015/main" val="1"/>
+              </p:ext>
+            </p:extLst>
+          </p:nvPr>
+        </p:nvSpPr>
+        <p:spPr>
+          <a:xfrm>
+            <a:off x="0" y="0"/>
+            <a:ext cx="12192000" cy="6858000"/>
+          </a:xfrm>
+          <a:prstGeom prst="rect">
+            <a:avLst/>
+          </a:prstGeom>
+          <a:ln w="12700" cap="flat" cmpd="sng" algn="ctr">
+            <a:noFill/>
+            <a:prstDash val="solid"/>
+            <a:miter lim="800000"/>
+          </a:ln>
+          <a:effectLst/>
+          <a:extLst>
+            <a:ext uri="{91240B29-F687-4F45-9708-019B960494DF}">
+              <a14:hiddenLine xmlns:a14="http://schemas.microsoft.com/office/drawing/2010/main" w="12700" cap="flat" cmpd="sng" algn="ctr">
+                <a:solidFill>
+                  <a:schemeClr val="accent1">
+                    <a:shade val="50000"/>
+                  </a:schemeClr>
+                </a:solidFill>
+                <a:prstDash val="solid"/>
+                <a:miter lim="800000"/>
+              </a14:hiddenLine>
+            </a:ext>
+          </a:extLst>
+        </p:spPr>
+        <p:style>
+          <a:lnRef idx="2">
+            <a:schemeClr val="accent1">
+              <a:shade val="50000"/>
+            </a:schemeClr>
+          </a:lnRef>
+          <a:fillRef idx="1">
+            <a:schemeClr val="accent1"/>
+          </a:fillRef>
+          <a:effectRef idx="0">
+            <a:schemeClr val="accent1"/>
+          </a:effectRef>
+          <a:fontRef idx="minor">
+            <a:schemeClr val="lt1"/>
+          </a:fontRef>
+        </p:style>
+        <p:txBody>
+          <a:bodyPr rtlCol="0" anchor="ctr"/>
+          <a:lstStyle/>
+          <a:p>
+            <a:pPr algn="ctr"/>
+            <a:endParaRPr lang="en-US"/>
+          </a:p>
+        </p:txBody>
+      </p:sp>
+      <p:sp>
+        <p:nvSpPr>
+          <p:cNvPr id="112" name="Rectangle 104">
+            <a:extLst>
+              <a:ext uri="{FF2B5EF4-FFF2-40B4-BE49-F238E27FC236}">
+                <a16:creationId xmlns:a16="http://schemas.microsoft.com/office/drawing/2014/main" id="{5BBDA1FD-F245-4707-9DD0-B21388E6D53F}"/>
+              </a:ext>
+              <a:ext uri="{C183D7F6-B498-43B3-948B-1728B52AA6E4}">
+                <adec:decorative xmlns:adec="http://schemas.microsoft.com/office/drawing/2017/decorative" val="1"/>
+              </a:ext>
+            </a:extLst>
+          </p:cNvPr>
+          <p:cNvSpPr>
+            <a:spLocks noGrp="1" noRot="1" noChangeAspect="1" noMove="1" noResize="1" noEditPoints="1" noAdjustHandles="1" noChangeArrowheads="1" noChangeShapeType="1" noTextEdit="1"/>
+          </p:cNvSpPr>
+          <p:nvPr>
+            <p:extLst>
+              <p:ext uri="{386F3935-93C4-4BCD-93E2-E3B085C9AB24}">
+                <p16:designElem xmlns:p16="http://schemas.microsoft.com/office/powerpoint/2015/main" val="1"/>
+              </p:ext>
+            </p:extLst>
+          </p:nvPr>
+        </p:nvSpPr>
+        <p:spPr>
+          <a:xfrm>
+            <a:off x="-10288" y="0"/>
+            <a:ext cx="7875323" cy="6853236"/>
+          </a:xfrm>
+          <a:prstGeom prst="rect">
+            <a:avLst/>
+          </a:prstGeom>
+          <a:solidFill>
+            <a:schemeClr val="accent2"/>
+          </a:solidFill>
+          <a:ln>
+            <a:noFill/>
+          </a:ln>
+        </p:spPr>
+        <p:style>
+          <a:lnRef idx="2">
+            <a:schemeClr val="accent1">
+              <a:shade val="50000"/>
+            </a:schemeClr>
+          </a:lnRef>
+          <a:fillRef idx="1">
+            <a:schemeClr val="accent1"/>
+          </a:fillRef>
+          <a:effectRef idx="0">
+            <a:schemeClr val="accent1"/>
+          </a:effectRef>
+          <a:fontRef idx="minor">
+            <a:schemeClr val="lt1"/>
+          </a:fontRef>
+        </p:style>
+        <p:txBody>
+          <a:bodyPr rtlCol="0" anchor="ctr"/>
+          <a:lstStyle/>
+          <a:p>
+            <a:pPr algn="ctr"/>
+            <a:endParaRPr lang="en-US"/>
+          </a:p>
+        </p:txBody>
+      </p:sp>
+      <p:sp>
+        <p:nvSpPr>
+          <p:cNvPr id="113" name="Freeform: Shape 106">
+            <a:extLst>
+              <a:ext uri="{FF2B5EF4-FFF2-40B4-BE49-F238E27FC236}">
+                <a16:creationId xmlns:a16="http://schemas.microsoft.com/office/drawing/2014/main" id="{4D65F7CF-078D-4DB9-942F-CA5C78C7357A}"/>
+              </a:ext>
+              <a:ext uri="{C183D7F6-B498-43B3-948B-1728B52AA6E4}">
+                <adec:decorative xmlns:adec="http://schemas.microsoft.com/office/drawing/2017/decorative" val="1"/>
+              </a:ext>
+            </a:extLst>
+          </p:cNvPr>
+          <p:cNvSpPr>
+            <a:spLocks noGrp="1" noRot="1" noChangeAspect="1" noMove="1" noResize="1" noEditPoints="1" noAdjustHandles="1" noChangeArrowheads="1" noChangeShapeType="1" noTextEdit="1"/>
+          </p:cNvSpPr>
+          <p:nvPr>
+            <p:extLst>
+              <p:ext uri="{386F3935-93C4-4BCD-93E2-E3B085C9AB24}">
+                <p16:designElem xmlns:p16="http://schemas.microsoft.com/office/powerpoint/2015/main" val="1"/>
+              </p:ext>
+            </p:extLst>
+          </p:nvPr>
+        </p:nvSpPr>
+        <p:spPr>
+          <a:xfrm rot="10800000">
+            <a:off x="468624" y="0"/>
+            <a:ext cx="7351628" cy="6858000"/>
+          </a:xfrm>
+          <a:custGeom>
+            <a:avLst/>
+            <a:gdLst>
+              <a:gd name="connsiteX0" fmla="*/ 0 w 7351628"/>
+              <a:gd name="connsiteY0" fmla="*/ 0 h 6858000"/>
+              <a:gd name="connsiteX1" fmla="*/ 1482273 w 7351628"/>
+              <a:gd name="connsiteY1" fmla="*/ 0 h 6858000"/>
+              <a:gd name="connsiteX2" fmla="*/ 2438400 w 7351628"/>
+              <a:gd name="connsiteY2" fmla="*/ 0 h 6858000"/>
+              <a:gd name="connsiteX3" fmla="*/ 7351628 w 7351628"/>
+              <a:gd name="connsiteY3" fmla="*/ 0 h 6858000"/>
+              <a:gd name="connsiteX4" fmla="*/ 3920673 w 7351628"/>
+              <a:gd name="connsiteY4" fmla="*/ 3430955 h 6858000"/>
+              <a:gd name="connsiteX5" fmla="*/ 7175072 w 7351628"/>
+              <a:gd name="connsiteY5" fmla="*/ 6857446 h 6858000"/>
+              <a:gd name="connsiteX6" fmla="*/ 7196984 w 7351628"/>
+              <a:gd name="connsiteY6" fmla="*/ 6858000 h 6858000"/>
+              <a:gd name="connsiteX7" fmla="*/ 2438400 w 7351628"/>
+              <a:gd name="connsiteY7" fmla="*/ 6858000 h 6858000"/>
+              <a:gd name="connsiteX8" fmla="*/ 1482273 w 7351628"/>
+              <a:gd name="connsiteY8" fmla="*/ 6858000 h 6858000"/>
+              <a:gd name="connsiteX9" fmla="*/ 0 w 7351628"/>
+              <a:gd name="connsiteY9" fmla="*/ 6858000 h 6858000"/>
+            </a:gdLst>
+            <a:ahLst/>
+            <a:cxnLst>
+              <a:cxn ang="0">
+                <a:pos x="connsiteX0" y="connsiteY0"/>
+              </a:cxn>
+              <a:cxn ang="0">
+                <a:pos x="connsiteX1" y="connsiteY1"/>
+              </a:cxn>
+              <a:cxn ang="0">
+                <a:pos x="connsiteX2" y="connsiteY2"/>
+              </a:cxn>
+              <a:cxn ang="0">
+                <a:pos x="connsiteX3" y="connsiteY3"/>
+              </a:cxn>
+              <a:cxn ang="0">
+                <a:pos x="connsiteX4" y="connsiteY4"/>
+              </a:cxn>
+              <a:cxn ang="0">
+                <a:pos x="connsiteX5" y="connsiteY5"/>
+              </a:cxn>
+              <a:cxn ang="0">
+                <a:pos x="connsiteX6" y="connsiteY6"/>
+              </a:cxn>
+              <a:cxn ang="0">
+                <a:pos x="connsiteX7" y="connsiteY7"/>
+              </a:cxn>
+              <a:cxn ang="0">
+                <a:pos x="connsiteX8" y="connsiteY8"/>
+              </a:cxn>
+              <a:cxn ang="0">
+                <a:pos x="connsiteX9" y="connsiteY9"/>
+              </a:cxn>
+            </a:cxnLst>
+            <a:rect l="l" t="t" r="r" b="b"/>
+            <a:pathLst>
+              <a:path w="7351628" h="6858000">
+                <a:moveTo>
+                  <a:pt x="0" y="0"/>
+                </a:moveTo>
+                <a:lnTo>
+                  <a:pt x="1482273" y="0"/>
+                </a:lnTo>
+                <a:lnTo>
+                  <a:pt x="2438400" y="0"/>
+                </a:lnTo>
+                <a:lnTo>
+                  <a:pt x="7351628" y="0"/>
+                </a:lnTo>
+                <a:cubicBezTo>
+                  <a:pt x="5456764" y="0"/>
+                  <a:pt x="3920673" y="1536091"/>
+                  <a:pt x="3920673" y="3430955"/>
+                </a:cubicBezTo>
+                <a:cubicBezTo>
+                  <a:pt x="3920673" y="5266604"/>
+                  <a:pt x="5362258" y="6765554"/>
+                  <a:pt x="7175072" y="6857446"/>
+                </a:cubicBezTo>
+                <a:lnTo>
+                  <a:pt x="7196984" y="6858000"/>
+                </a:lnTo>
+                <a:lnTo>
+                  <a:pt x="2438400" y="6858000"/>
+                </a:lnTo>
+                <a:lnTo>
+                  <a:pt x="1482273" y="6858000"/>
+                </a:lnTo>
+                <a:lnTo>
+                  <a:pt x="0" y="6858000"/>
+                </a:lnTo>
+                <a:close/>
+              </a:path>
+            </a:pathLst>
+          </a:custGeom>
+          <a:solidFill>
+            <a:schemeClr val="accent2">
+              <a:lumMod val="75000"/>
+              <a:alpha val="70000"/>
+            </a:schemeClr>
+          </a:solidFill>
+          <a:ln>
+            <a:noFill/>
+          </a:ln>
+        </p:spPr>
+        <p:style>
+          <a:lnRef idx="2">
+            <a:schemeClr val="accent1">
+              <a:shade val="50000"/>
+            </a:schemeClr>
+          </a:lnRef>
+          <a:fillRef idx="1">
+            <a:schemeClr val="accent1"/>
+          </a:fillRef>
+          <a:effectRef idx="0">
+            <a:schemeClr val="accent1"/>
+          </a:effectRef>
+          <a:fontRef idx="minor">
+            <a:schemeClr val="lt1"/>
+          </a:fontRef>
+        </p:style>
+        <p:txBody>
+          <a:bodyPr wrap="square" rtlCol="0" anchor="ctr">
+            <a:noAutofit/>
+          </a:bodyPr>
+          <a:lstStyle/>
+          <a:p>
+            <a:pPr algn="ctr"/>
+            <a:endParaRPr lang="en-US"/>
+          </a:p>
+        </p:txBody>
+      </p:sp>
       <p:sp>
         <p:nvSpPr>
           <p:cNvPr id="2" name="Title 1">
@@ -14054,22 +14449,206 @@
             <p:ph type="title"/>
           </p:nvPr>
         </p:nvSpPr>
-        <p:spPr/>
+        <p:spPr>
+          <a:xfrm>
+            <a:off x="609600" y="685800"/>
+            <a:ext cx="2952465" cy="5486400"/>
+          </a:xfrm>
+        </p:spPr>
         <p:txBody>
-          <a:bodyPr/>
+          <a:bodyPr anchor="ctr">
+            <a:normAutofit/>
+          </a:bodyPr>
           <a:lstStyle/>
           <a:p>
             <a:r>
-              <a:rPr lang="en-US" dirty="0"/>
-              <a:t>Transform</a:t>
+              <a:rPr lang="en-US" sz="2500">
+                <a:solidFill>
+                  <a:srgbClr val="FFFFFF"/>
+                </a:solidFill>
+              </a:rPr>
+              <a:t>Transformation</a:t>
             </a:r>
-            <a:endParaRPr lang="en-CA" dirty="0"/>
+            <a:endParaRPr lang="en-CA" sz="2500">
+              <a:solidFill>
+                <a:srgbClr val="FFFFFF"/>
+              </a:solidFill>
+            </a:endParaRPr>
+          </a:p>
+        </p:txBody>
+      </p:sp>
+      <p:sp useBgFill="1">
+        <p:nvSpPr>
+          <p:cNvPr id="114" name="Freeform: Shape 108">
+            <a:extLst>
+              <a:ext uri="{FF2B5EF4-FFF2-40B4-BE49-F238E27FC236}">
+                <a16:creationId xmlns:a16="http://schemas.microsoft.com/office/drawing/2014/main" id="{7C754B97-BF4D-4E8F-8EC3-4906E36CEA22}"/>
+              </a:ext>
+              <a:ext uri="{C183D7F6-B498-43B3-948B-1728B52AA6E4}">
+                <adec:decorative xmlns:adec="http://schemas.microsoft.com/office/drawing/2017/decorative" val="1"/>
+              </a:ext>
+            </a:extLst>
+          </p:cNvPr>
+          <p:cNvSpPr>
+            <a:spLocks noGrp="1" noRot="1" noChangeAspect="1" noMove="1" noResize="1" noEditPoints="1" noAdjustHandles="1" noChangeArrowheads="1" noChangeShapeType="1" noTextEdit="1"/>
+          </p:cNvSpPr>
+          <p:nvPr>
+            <p:extLst>
+              <p:ext uri="{386F3935-93C4-4BCD-93E2-E3B085C9AB24}">
+                <p16:designElem xmlns:p16="http://schemas.microsoft.com/office/powerpoint/2015/main" val="1"/>
+              </p:ext>
+            </p:extLst>
+          </p:nvPr>
+        </p:nvSpPr>
+        <p:spPr>
+          <a:xfrm rot="10800000">
+            <a:off x="3904573" y="0"/>
+            <a:ext cx="5963231" cy="6861910"/>
+          </a:xfrm>
+          <a:custGeom>
+            <a:avLst/>
+            <a:gdLst>
+              <a:gd name="connsiteX0" fmla="*/ 2532276 w 5963231"/>
+              <a:gd name="connsiteY0" fmla="*/ 6861910 h 6861910"/>
+              <a:gd name="connsiteX1" fmla="*/ 2377645 w 5963231"/>
+              <a:gd name="connsiteY1" fmla="*/ 6858000 h 6861910"/>
+              <a:gd name="connsiteX2" fmla="*/ 0 w 5963231"/>
+              <a:gd name="connsiteY2" fmla="*/ 6858000 h 6861910"/>
+              <a:gd name="connsiteX3" fmla="*/ 0 w 5963231"/>
+              <a:gd name="connsiteY3" fmla="*/ 0 h 6861910"/>
+              <a:gd name="connsiteX4" fmla="*/ 2532276 w 5963231"/>
+              <a:gd name="connsiteY4" fmla="*/ 0 h 6861910"/>
+              <a:gd name="connsiteX5" fmla="*/ 2547568 w 5963231"/>
+              <a:gd name="connsiteY5" fmla="*/ 0 h 6861910"/>
+              <a:gd name="connsiteX6" fmla="*/ 2547568 w 5963231"/>
+              <a:gd name="connsiteY6" fmla="*/ 387 h 6861910"/>
+              <a:gd name="connsiteX7" fmla="*/ 2708832 w 5963231"/>
+              <a:gd name="connsiteY7" fmla="*/ 4464 h 6861910"/>
+              <a:gd name="connsiteX8" fmla="*/ 5963231 w 5963231"/>
+              <a:gd name="connsiteY8" fmla="*/ 3430955 h 6861910"/>
+              <a:gd name="connsiteX9" fmla="*/ 2532276 w 5963231"/>
+              <a:gd name="connsiteY9" fmla="*/ 6861910 h 6861910"/>
+              <a:gd name="connsiteX0" fmla="*/ 2532276 w 5963231"/>
+              <a:gd name="connsiteY0" fmla="*/ 6861910 h 6861910"/>
+              <a:gd name="connsiteX1" fmla="*/ 0 w 5963231"/>
+              <a:gd name="connsiteY1" fmla="*/ 6858000 h 6861910"/>
+              <a:gd name="connsiteX2" fmla="*/ 0 w 5963231"/>
+              <a:gd name="connsiteY2" fmla="*/ 0 h 6861910"/>
+              <a:gd name="connsiteX3" fmla="*/ 2532276 w 5963231"/>
+              <a:gd name="connsiteY3" fmla="*/ 0 h 6861910"/>
+              <a:gd name="connsiteX4" fmla="*/ 2547568 w 5963231"/>
+              <a:gd name="connsiteY4" fmla="*/ 0 h 6861910"/>
+              <a:gd name="connsiteX5" fmla="*/ 2547568 w 5963231"/>
+              <a:gd name="connsiteY5" fmla="*/ 387 h 6861910"/>
+              <a:gd name="connsiteX6" fmla="*/ 2708832 w 5963231"/>
+              <a:gd name="connsiteY6" fmla="*/ 4464 h 6861910"/>
+              <a:gd name="connsiteX7" fmla="*/ 5963231 w 5963231"/>
+              <a:gd name="connsiteY7" fmla="*/ 3430955 h 6861910"/>
+              <a:gd name="connsiteX8" fmla="*/ 2532276 w 5963231"/>
+              <a:gd name="connsiteY8" fmla="*/ 6861910 h 6861910"/>
+            </a:gdLst>
+            <a:ahLst/>
+            <a:cxnLst>
+              <a:cxn ang="0">
+                <a:pos x="connsiteX0" y="connsiteY0"/>
+              </a:cxn>
+              <a:cxn ang="0">
+                <a:pos x="connsiteX1" y="connsiteY1"/>
+              </a:cxn>
+              <a:cxn ang="0">
+                <a:pos x="connsiteX2" y="connsiteY2"/>
+              </a:cxn>
+              <a:cxn ang="0">
+                <a:pos x="connsiteX3" y="connsiteY3"/>
+              </a:cxn>
+              <a:cxn ang="0">
+                <a:pos x="connsiteX4" y="connsiteY4"/>
+              </a:cxn>
+              <a:cxn ang="0">
+                <a:pos x="connsiteX5" y="connsiteY5"/>
+              </a:cxn>
+              <a:cxn ang="0">
+                <a:pos x="connsiteX6" y="connsiteY6"/>
+              </a:cxn>
+              <a:cxn ang="0">
+                <a:pos x="connsiteX7" y="connsiteY7"/>
+              </a:cxn>
+              <a:cxn ang="0">
+                <a:pos x="connsiteX8" y="connsiteY8"/>
+              </a:cxn>
+            </a:cxnLst>
+            <a:rect l="l" t="t" r="r" b="b"/>
+            <a:pathLst>
+              <a:path w="5963231" h="6861910">
+                <a:moveTo>
+                  <a:pt x="2532276" y="6861910"/>
+                </a:moveTo>
+                <a:lnTo>
+                  <a:pt x="0" y="6858000"/>
+                </a:lnTo>
+                <a:lnTo>
+                  <a:pt x="0" y="0"/>
+                </a:lnTo>
+                <a:lnTo>
+                  <a:pt x="2532276" y="0"/>
+                </a:lnTo>
+                <a:lnTo>
+                  <a:pt x="2547568" y="0"/>
+                </a:lnTo>
+                <a:lnTo>
+                  <a:pt x="2547568" y="387"/>
+                </a:lnTo>
+                <a:lnTo>
+                  <a:pt x="2708832" y="4464"/>
+                </a:lnTo>
+                <a:cubicBezTo>
+                  <a:pt x="4521646" y="96356"/>
+                  <a:pt x="5963231" y="1595306"/>
+                  <a:pt x="5963231" y="3430955"/>
+                </a:cubicBezTo>
+                <a:cubicBezTo>
+                  <a:pt x="5963231" y="5325819"/>
+                  <a:pt x="4427140" y="6861910"/>
+                  <a:pt x="2532276" y="6861910"/>
+                </a:cubicBezTo>
+                <a:close/>
+              </a:path>
+            </a:pathLst>
+          </a:custGeom>
+          <a:ln w="3175">
+            <a:noFill/>
+          </a:ln>
+        </p:spPr>
+        <p:style>
+          <a:lnRef idx="2">
+            <a:schemeClr val="accent1">
+              <a:shade val="50000"/>
+            </a:schemeClr>
+          </a:lnRef>
+          <a:fillRef idx="1">
+            <a:schemeClr val="accent1"/>
+          </a:fillRef>
+          <a:effectRef idx="0">
+            <a:schemeClr val="accent1"/>
+          </a:effectRef>
+          <a:fontRef idx="minor">
+            <a:schemeClr val="lt1"/>
+          </a:fontRef>
+        </p:style>
+        <p:txBody>
+          <a:bodyPr wrap="square" rtlCol="0" anchor="ctr">
+            <a:noAutofit/>
+          </a:bodyPr>
+          <a:lstStyle/>
+          <a:p>
+            <a:pPr algn="ctr"/>
+            <a:endParaRPr lang="en-US"/>
           </a:p>
         </p:txBody>
       </p:sp>
       <p:sp>
         <p:nvSpPr>
-          <p:cNvPr id="3" name="Content Placeholder 2">
+          <p:cNvPr id="25" name="Content Placeholder 2">
             <a:extLst>
               <a:ext uri="{FF2B5EF4-FFF2-40B4-BE49-F238E27FC236}">
                 <a16:creationId xmlns:a16="http://schemas.microsoft.com/office/drawing/2014/main" id="{70B56692-824B-4FA6-BD9C-2B9D47129C08}"/>
@@ -14083,19 +14662,70 @@
             <p:ph idx="1"/>
           </p:nvPr>
         </p:nvSpPr>
-        <p:spPr/>
+        <p:spPr>
+          <a:xfrm>
+            <a:off x="4681538" y="685800"/>
+            <a:ext cx="3780074" cy="5491163"/>
+          </a:xfrm>
+        </p:spPr>
         <p:txBody>
-          <a:bodyPr/>
+          <a:bodyPr anchor="ctr">
+            <a:normAutofit/>
+          </a:bodyPr>
           <a:lstStyle/>
           <a:p>
-            <a:endParaRPr lang="en-CA" dirty="0"/>
+            <a:pPr marL="0" indent="0">
+              <a:buNone/>
+            </a:pPr>
+            <a:r>
+              <a:rPr lang="en-US" dirty="0"/>
+              <a:t>Transform is the process of converting the extracted data from its previous form into the form it needs to be in so that it can be placed into another database. Transformation occurs by using rules or lookup tables or by combining the data with other data.</a:t>
+            </a:r>
+          </a:p>
+          <a:p>
+            <a:pPr marL="0" indent="0">
+              <a:buNone/>
+            </a:pPr>
+            <a:r>
+              <a:rPr lang="en-US" dirty="0"/>
+              <a:t>The next few slides show the steps on how transform data.</a:t>
+            </a:r>
           </a:p>
         </p:txBody>
       </p:sp>
+      <p:pic>
+        <p:nvPicPr>
+          <p:cNvPr id="88" name="Picture 87">
+            <a:extLst>
+              <a:ext uri="{FF2B5EF4-FFF2-40B4-BE49-F238E27FC236}">
+                <a16:creationId xmlns:a16="http://schemas.microsoft.com/office/drawing/2014/main" id="{6F8D54E7-35B4-48F7-8162-32ACCA560BE0}"/>
+              </a:ext>
+            </a:extLst>
+          </p:cNvPr>
+          <p:cNvPicPr>
+            <a:picLocks noChangeAspect="1"/>
+          </p:cNvPicPr>
+          <p:nvPr/>
+        </p:nvPicPr>
+        <p:blipFill rotWithShape="1">
+          <a:blip r:embed="rId2"/>
+          <a:srcRect l="18527" r="49015"/>
+          <a:stretch/>
+        </p:blipFill>
+        <p:spPr>
+          <a:xfrm>
+            <a:off x="8975319" y="-13231"/>
+            <a:ext cx="3338900" cy="6866467"/>
+          </a:xfrm>
+          <a:prstGeom prst="rect">
+            <a:avLst/>
+          </a:prstGeom>
+        </p:spPr>
+      </p:pic>
     </p:spTree>
     <p:extLst>
       <p:ext uri="{BB962C8B-B14F-4D97-AF65-F5344CB8AC3E}">
-        <p14:creationId xmlns:p14="http://schemas.microsoft.com/office/powerpoint/2010/main" val="1542771243"/>
+        <p14:creationId xmlns:p14="http://schemas.microsoft.com/office/powerpoint/2010/main" val="3040566060"/>
       </p:ext>
     </p:extLst>
   </p:cSld>
@@ -14145,7 +14775,7 @@
           <a:p>
             <a:r>
               <a:rPr lang="en-US" dirty="0"/>
-              <a:t>Load</a:t>
+              <a:t>Transform - Me</a:t>
             </a:r>
             <a:endParaRPr lang="en-CA" dirty="0"/>
           </a:p>
@@ -14179,7 +14809,7 @@
     </p:spTree>
     <p:extLst>
       <p:ext uri="{BB962C8B-B14F-4D97-AF65-F5344CB8AC3E}">
-        <p14:creationId xmlns:p14="http://schemas.microsoft.com/office/powerpoint/2010/main" val="509606186"/>
+        <p14:creationId xmlns:p14="http://schemas.microsoft.com/office/powerpoint/2010/main" val="1542771243"/>
       </p:ext>
     </p:extLst>
   </p:cSld>

--- a/ETL Project Write-up.pptx
+++ b/ETL Project Write-up.pptx
@@ -120,6 +120,43 @@
     </p:ext>
   </p:extLst>
 </p:presentation>
+</file>
+
+<file path=ppt/changesInfos/changesInfo1.xml><?xml version="1.0" encoding="utf-8"?>
+<pc:chgInfo xmlns:a="http://schemas.openxmlformats.org/drawingml/2006/main" xmlns:r="http://schemas.openxmlformats.org/officeDocument/2006/relationships" xmlns:ac="http://schemas.microsoft.com/office/drawing/2013/main/command" xmlns:pc="http://schemas.microsoft.com/office/powerpoint/2013/main/command">
+  <pc:docChgLst>
+    <pc:chgData name=" " userId="88c01e8ad1b74061" providerId="LiveId" clId="{07115A68-010E-42FA-8D66-4E7D14D57FD6}"/>
+    <pc:docChg chg="modSld">
+      <pc:chgData name=" " userId="88c01e8ad1b74061" providerId="LiveId" clId="{07115A68-010E-42FA-8D66-4E7D14D57FD6}" dt="2020-12-16T01:18:47.009" v="4" actId="1076"/>
+      <pc:docMkLst>
+        <pc:docMk/>
+      </pc:docMkLst>
+      <pc:sldChg chg="addSp delSp modSp mod">
+        <pc:chgData name=" " userId="88c01e8ad1b74061" providerId="LiveId" clId="{07115A68-010E-42FA-8D66-4E7D14D57FD6}" dt="2020-12-16T01:18:47.009" v="4" actId="1076"/>
+        <pc:sldMkLst>
+          <pc:docMk/>
+          <pc:sldMk cId="2977742429" sldId="263"/>
+        </pc:sldMkLst>
+        <pc:spChg chg="del">
+          <ac:chgData name=" " userId="88c01e8ad1b74061" providerId="LiveId" clId="{07115A68-010E-42FA-8D66-4E7D14D57FD6}" dt="2020-12-16T01:18:38.469" v="0" actId="22"/>
+          <ac:spMkLst>
+            <pc:docMk/>
+            <pc:sldMk cId="2977742429" sldId="263"/>
+            <ac:spMk id="3" creationId="{449A76A1-E0CA-4EAF-AA2F-FA4E54B17D33}"/>
+          </ac:spMkLst>
+        </pc:spChg>
+        <pc:picChg chg="add mod ord">
+          <ac:chgData name=" " userId="88c01e8ad1b74061" providerId="LiveId" clId="{07115A68-010E-42FA-8D66-4E7D14D57FD6}" dt="2020-12-16T01:18:47.009" v="4" actId="1076"/>
+          <ac:picMkLst>
+            <pc:docMk/>
+            <pc:sldMk cId="2977742429" sldId="263"/>
+            <ac:picMk id="5" creationId="{875CF0A8-C929-41D7-A202-2A794880ABDC}"/>
+          </ac:picMkLst>
+        </pc:picChg>
+      </pc:sldChg>
+    </pc:docChg>
+  </pc:docChgLst>
+</pc:chgInfo>
 </file>
 
 <file path=ppt/diagrams/colors1.xml><?xml version="1.0" encoding="utf-8"?>
@@ -14068,31 +14105,35 @@
           </a:p>
         </p:txBody>
       </p:sp>
-      <p:sp>
-        <p:nvSpPr>
-          <p:cNvPr id="3" name="Content Placeholder 2">
+      <p:pic>
+        <p:nvPicPr>
+          <p:cNvPr id="5" name="Content Placeholder 4">
             <a:extLst>
               <a:ext uri="{FF2B5EF4-FFF2-40B4-BE49-F238E27FC236}">
-                <a16:creationId xmlns:a16="http://schemas.microsoft.com/office/drawing/2014/main" id="{449A76A1-E0CA-4EAF-AA2F-FA4E54B17D33}"/>
+                <a16:creationId xmlns:a16="http://schemas.microsoft.com/office/drawing/2014/main" id="{875CF0A8-C929-41D7-A202-2A794880ABDC}"/>
               </a:ext>
             </a:extLst>
           </p:cNvPr>
-          <p:cNvSpPr>
-            <a:spLocks noGrp="1"/>
-          </p:cNvSpPr>
+          <p:cNvPicPr>
+            <a:picLocks noGrp="1" noChangeAspect="1"/>
+          </p:cNvPicPr>
           <p:nvPr>
             <p:ph idx="1"/>
           </p:nvPr>
-        </p:nvSpPr>
-        <p:spPr/>
-        <p:txBody>
-          <a:bodyPr/>
-          <a:lstStyle/>
-          <a:p>
-            <a:endParaRPr lang="en-CA"/>
-          </a:p>
-        </p:txBody>
-      </p:sp>
+        </p:nvPicPr>
+        <p:blipFill>
+          <a:blip r:embed="rId2"/>
+          <a:stretch>
+            <a:fillRect/>
+          </a:stretch>
+        </p:blipFill>
+        <p:spPr>
+          <a:xfrm>
+            <a:off x="2597668" y="1983581"/>
+            <a:ext cx="6806446" cy="3843819"/>
+          </a:xfrm>
+        </p:spPr>
+      </p:pic>
     </p:spTree>
     <p:extLst>
       <p:ext uri="{BB962C8B-B14F-4D97-AF65-F5344CB8AC3E}">
